--- a/Présentation2.pptx
+++ b/Présentation2.pptx
@@ -6,6 +6,7 @@
   </p:sldMasterIdLst>
   <p:sldIdLst>
     <p:sldId id="256" r:id="rId5"/>
+    <p:sldId id="257" r:id="rId6"/>
   </p:sldIdLst>
   <p:sldSz cx="12192000" cy="6858000"/>
   <p:notesSz cx="6858000" cy="9144000"/>
@@ -243,7 +244,7 @@
           <a:p>
             <a:fld id="{616950F1-39CC-4E23-98D0-E03E8AA9E358}" type="datetimeFigureOut">
               <a:rPr lang="fr-FR" smtClean="0"/>
-              <a:t>06/11/2023</a:t>
+              <a:t>21/11/2023</a:t>
             </a:fld>
             <a:endParaRPr lang="fr-FR"/>
           </a:p>
@@ -413,7 +414,7 @@
           <a:p>
             <a:fld id="{616950F1-39CC-4E23-98D0-E03E8AA9E358}" type="datetimeFigureOut">
               <a:rPr lang="fr-FR" smtClean="0"/>
-              <a:t>06/11/2023</a:t>
+              <a:t>21/11/2023</a:t>
             </a:fld>
             <a:endParaRPr lang="fr-FR"/>
           </a:p>
@@ -593,7 +594,7 @@
           <a:p>
             <a:fld id="{616950F1-39CC-4E23-98D0-E03E8AA9E358}" type="datetimeFigureOut">
               <a:rPr lang="fr-FR" smtClean="0"/>
-              <a:t>06/11/2023</a:t>
+              <a:t>21/11/2023</a:t>
             </a:fld>
             <a:endParaRPr lang="fr-FR"/>
           </a:p>
@@ -763,7 +764,7 @@
           <a:p>
             <a:fld id="{616950F1-39CC-4E23-98D0-E03E8AA9E358}" type="datetimeFigureOut">
               <a:rPr lang="fr-FR" smtClean="0"/>
-              <a:t>06/11/2023</a:t>
+              <a:t>21/11/2023</a:t>
             </a:fld>
             <a:endParaRPr lang="fr-FR"/>
           </a:p>
@@ -1009,7 +1010,7 @@
           <a:p>
             <a:fld id="{616950F1-39CC-4E23-98D0-E03E8AA9E358}" type="datetimeFigureOut">
               <a:rPr lang="fr-FR" smtClean="0"/>
-              <a:t>06/11/2023</a:t>
+              <a:t>21/11/2023</a:t>
             </a:fld>
             <a:endParaRPr lang="fr-FR"/>
           </a:p>
@@ -1241,7 +1242,7 @@
           <a:p>
             <a:fld id="{616950F1-39CC-4E23-98D0-E03E8AA9E358}" type="datetimeFigureOut">
               <a:rPr lang="fr-FR" smtClean="0"/>
-              <a:t>06/11/2023</a:t>
+              <a:t>21/11/2023</a:t>
             </a:fld>
             <a:endParaRPr lang="fr-FR"/>
           </a:p>
@@ -1608,7 +1609,7 @@
           <a:p>
             <a:fld id="{616950F1-39CC-4E23-98D0-E03E8AA9E358}" type="datetimeFigureOut">
               <a:rPr lang="fr-FR" smtClean="0"/>
-              <a:t>06/11/2023</a:t>
+              <a:t>21/11/2023</a:t>
             </a:fld>
             <a:endParaRPr lang="fr-FR"/>
           </a:p>
@@ -1726,7 +1727,7 @@
           <a:p>
             <a:fld id="{616950F1-39CC-4E23-98D0-E03E8AA9E358}" type="datetimeFigureOut">
               <a:rPr lang="fr-FR" smtClean="0"/>
-              <a:t>06/11/2023</a:t>
+              <a:t>21/11/2023</a:t>
             </a:fld>
             <a:endParaRPr lang="fr-FR"/>
           </a:p>
@@ -1821,7 +1822,7 @@
           <a:p>
             <a:fld id="{616950F1-39CC-4E23-98D0-E03E8AA9E358}" type="datetimeFigureOut">
               <a:rPr lang="fr-FR" smtClean="0"/>
-              <a:t>06/11/2023</a:t>
+              <a:t>21/11/2023</a:t>
             </a:fld>
             <a:endParaRPr lang="fr-FR"/>
           </a:p>
@@ -2098,7 +2099,7 @@
           <a:p>
             <a:fld id="{616950F1-39CC-4E23-98D0-E03E8AA9E358}" type="datetimeFigureOut">
               <a:rPr lang="fr-FR" smtClean="0"/>
-              <a:t>06/11/2023</a:t>
+              <a:t>21/11/2023</a:t>
             </a:fld>
             <a:endParaRPr lang="fr-FR"/>
           </a:p>
@@ -2351,7 +2352,7 @@
           <a:p>
             <a:fld id="{616950F1-39CC-4E23-98D0-E03E8AA9E358}" type="datetimeFigureOut">
               <a:rPr lang="fr-FR" smtClean="0"/>
-              <a:t>06/11/2023</a:t>
+              <a:t>21/11/2023</a:t>
             </a:fld>
             <a:endParaRPr lang="fr-FR"/>
           </a:p>
@@ -2564,7 +2565,7 @@
           <a:p>
             <a:fld id="{616950F1-39CC-4E23-98D0-E03E8AA9E358}" type="datetimeFigureOut">
               <a:rPr lang="fr-FR" smtClean="0"/>
-              <a:t>06/11/2023</a:t>
+              <a:t>21/11/2023</a:t>
             </a:fld>
             <a:endParaRPr lang="fr-FR"/>
           </a:p>
@@ -2971,185 +2972,21 @@
       </p:grpSpPr>
       <p:sp>
         <p:nvSpPr>
-          <p:cNvPr id="45" name="Ellipse 44"/>
+          <p:cNvPr id="2" name="Rectangle 1"/>
           <p:cNvSpPr/>
           <p:nvPr/>
         </p:nvSpPr>
         <p:spPr>
           <a:xfrm>
-            <a:off x="7886353" y="1571661"/>
-            <a:ext cx="804193" cy="804193"/>
-          </a:xfrm>
-          <a:prstGeom prst="ellipse">
+            <a:off x="517150" y="1040332"/>
+            <a:ext cx="5960853" cy="6150634"/>
+          </a:xfrm>
+          <a:prstGeom prst="rect">
             <a:avLst/>
           </a:prstGeom>
-          <a:solidFill>
-            <a:schemeClr val="bg2">
-              <a:lumMod val="90000"/>
-            </a:schemeClr>
-          </a:solidFill>
+          <a:noFill/>
           <a:ln>
-            <a:solidFill>
-              <a:schemeClr val="bg2">
-                <a:lumMod val="50000"/>
-              </a:schemeClr>
-            </a:solidFill>
-          </a:ln>
-        </p:spPr>
-        <p:style>
-          <a:lnRef idx="2">
-            <a:schemeClr val="accent1">
-              <a:shade val="50000"/>
-            </a:schemeClr>
-          </a:lnRef>
-          <a:fillRef idx="1">
-            <a:schemeClr val="accent1"/>
-          </a:fillRef>
-          <a:effectRef idx="0">
-            <a:schemeClr val="accent1"/>
-          </a:effectRef>
-          <a:fontRef idx="minor">
-            <a:schemeClr val="lt1"/>
-          </a:fontRef>
-        </p:style>
-        <p:txBody>
-          <a:bodyPr rtlCol="0" anchor="ctr"/>
-          <a:lstStyle/>
-          <a:p>
-            <a:pPr algn="ctr"/>
-            <a:endParaRPr lang="fr-FR"/>
-          </a:p>
-        </p:txBody>
-      </p:sp>
-      <p:sp>
-        <p:nvSpPr>
-          <p:cNvPr id="46" name="Ellipse 45"/>
-          <p:cNvSpPr/>
-          <p:nvPr/>
-        </p:nvSpPr>
-        <p:spPr>
-          <a:xfrm>
-            <a:off x="9873870" y="1598807"/>
-            <a:ext cx="804193" cy="804193"/>
-          </a:xfrm>
-          <a:prstGeom prst="ellipse">
-            <a:avLst/>
-          </a:prstGeom>
-          <a:solidFill>
-            <a:schemeClr val="bg2">
-              <a:lumMod val="90000"/>
-            </a:schemeClr>
-          </a:solidFill>
-          <a:ln>
-            <a:solidFill>
-              <a:schemeClr val="bg2">
-                <a:lumMod val="50000"/>
-              </a:schemeClr>
-            </a:solidFill>
-          </a:ln>
-        </p:spPr>
-        <p:style>
-          <a:lnRef idx="2">
-            <a:schemeClr val="accent1">
-              <a:shade val="50000"/>
-            </a:schemeClr>
-          </a:lnRef>
-          <a:fillRef idx="1">
-            <a:schemeClr val="accent1"/>
-          </a:fillRef>
-          <a:effectRef idx="0">
-            <a:schemeClr val="accent1"/>
-          </a:effectRef>
-          <a:fontRef idx="minor">
-            <a:schemeClr val="lt1"/>
-          </a:fontRef>
-        </p:style>
-        <p:txBody>
-          <a:bodyPr rtlCol="0" anchor="ctr"/>
-          <a:lstStyle/>
-          <a:p>
-            <a:pPr algn="ctr"/>
-            <a:endParaRPr lang="fr-FR"/>
-          </a:p>
-        </p:txBody>
-      </p:sp>
-      <p:sp>
-        <p:nvSpPr>
-          <p:cNvPr id="47" name="Ellipse 46"/>
-          <p:cNvSpPr/>
-          <p:nvPr/>
-        </p:nvSpPr>
-        <p:spPr>
-          <a:xfrm>
-            <a:off x="7886353" y="3700258"/>
-            <a:ext cx="804193" cy="804193"/>
-          </a:xfrm>
-          <a:prstGeom prst="ellipse">
-            <a:avLst/>
-          </a:prstGeom>
-          <a:solidFill>
-            <a:schemeClr val="bg2">
-              <a:lumMod val="90000"/>
-            </a:schemeClr>
-          </a:solidFill>
-          <a:ln>
-            <a:solidFill>
-              <a:schemeClr val="bg2">
-                <a:lumMod val="50000"/>
-              </a:schemeClr>
-            </a:solidFill>
-          </a:ln>
-        </p:spPr>
-        <p:style>
-          <a:lnRef idx="2">
-            <a:schemeClr val="accent1">
-              <a:shade val="50000"/>
-            </a:schemeClr>
-          </a:lnRef>
-          <a:fillRef idx="1">
-            <a:schemeClr val="accent1"/>
-          </a:fillRef>
-          <a:effectRef idx="0">
-            <a:schemeClr val="accent1"/>
-          </a:effectRef>
-          <a:fontRef idx="minor">
-            <a:schemeClr val="lt1"/>
-          </a:fontRef>
-        </p:style>
-        <p:txBody>
-          <a:bodyPr rtlCol="0" anchor="ctr"/>
-          <a:lstStyle/>
-          <a:p>
-            <a:pPr algn="ctr"/>
-            <a:endParaRPr lang="fr-FR"/>
-          </a:p>
-        </p:txBody>
-      </p:sp>
-      <p:sp>
-        <p:nvSpPr>
-          <p:cNvPr id="48" name="Ellipse 47"/>
-          <p:cNvSpPr/>
-          <p:nvPr/>
-        </p:nvSpPr>
-        <p:spPr>
-          <a:xfrm>
-            <a:off x="9873870" y="3727404"/>
-            <a:ext cx="804193" cy="804193"/>
-          </a:xfrm>
-          <a:prstGeom prst="ellipse">
-            <a:avLst/>
-          </a:prstGeom>
-          <a:solidFill>
-            <a:schemeClr val="bg2">
-              <a:lumMod val="90000"/>
-            </a:schemeClr>
-          </a:solidFill>
-          <a:ln>
-            <a:solidFill>
-              <a:schemeClr val="bg2">
-                <a:lumMod val="50000"/>
-              </a:schemeClr>
-            </a:solidFill>
+            <a:noFill/>
           </a:ln>
         </p:spPr>
         <p:style>
@@ -3520,58 +3357,6 @@
       </p:cxnSp>
       <p:sp>
         <p:nvSpPr>
-          <p:cNvPr id="12" name="Arc 11"/>
-          <p:cNvSpPr/>
-          <p:nvPr/>
-        </p:nvSpPr>
-        <p:spPr>
-          <a:xfrm rot="16200000">
-            <a:off x="9708770" y="4811840"/>
-            <a:ext cx="2160000" cy="2160000"/>
-          </a:xfrm>
-          <a:prstGeom prst="arc">
-            <a:avLst>
-              <a:gd name="adj1" fmla="val 16288922"/>
-              <a:gd name="adj2" fmla="val 0"/>
-            </a:avLst>
-          </a:prstGeom>
-          <a:ln>
-            <a:prstDash val="lgDash"/>
-          </a:ln>
-        </p:spPr>
-        <p:style>
-          <a:lnRef idx="1">
-            <a:schemeClr val="dk1"/>
-          </a:lnRef>
-          <a:fillRef idx="0">
-            <a:schemeClr val="dk1"/>
-          </a:fillRef>
-          <a:effectRef idx="0">
-            <a:schemeClr val="dk1"/>
-          </a:effectRef>
-          <a:fontRef idx="minor">
-            <a:schemeClr val="tx1"/>
-          </a:fontRef>
-        </p:style>
-        <p:txBody>
-          <a:bodyPr rtlCol="0" anchor="ctr"/>
-          <a:lstStyle/>
-          <a:p>
-            <a:pPr algn="ctr"/>
-            <a:endParaRPr lang="fr-FR">
-              <a:ln>
-                <a:solidFill>
-                  <a:schemeClr val="bg2">
-                    <a:lumMod val="50000"/>
-                  </a:schemeClr>
-                </a:solidFill>
-              </a:ln>
-            </a:endParaRPr>
-          </a:p>
-        </p:txBody>
-      </p:sp>
-      <p:sp>
-        <p:nvSpPr>
           <p:cNvPr id="13" name="Arc 12"/>
           <p:cNvSpPr/>
           <p:nvPr/>
@@ -3664,13 +3449,550 @@
       </p:cxnSp>
       <p:sp>
         <p:nvSpPr>
+          <p:cNvPr id="31" name="ZoneTexte 30"/>
+          <p:cNvSpPr txBox="1"/>
+          <p:nvPr/>
+        </p:nvSpPr>
+        <p:spPr>
+          <a:xfrm>
+            <a:off x="4944019" y="1386995"/>
+            <a:ext cx="1273490" cy="369332"/>
+          </a:xfrm>
+          <a:prstGeom prst="rect">
+            <a:avLst/>
+          </a:prstGeom>
+          <a:noFill/>
+        </p:spPr>
+        <p:txBody>
+          <a:bodyPr wrap="none" rtlCol="0">
+            <a:spAutoFit/>
+          </a:bodyPr>
+          <a:lstStyle/>
+          <a:p>
+            <a:r>
+              <a:rPr lang="fr-FR" dirty="0" smtClean="0"/>
+              <a:t>AQUARIUM</a:t>
+            </a:r>
+            <a:endParaRPr lang="fr-FR" dirty="0"/>
+          </a:p>
+        </p:txBody>
+      </p:sp>
+      <p:sp>
+        <p:nvSpPr>
+          <p:cNvPr id="33" name="ZoneTexte 32"/>
+          <p:cNvSpPr txBox="1"/>
+          <p:nvPr/>
+        </p:nvSpPr>
+        <p:spPr>
+          <a:xfrm>
+            <a:off x="2635547" y="2987274"/>
+            <a:ext cx="1058495" cy="369332"/>
+          </a:xfrm>
+          <a:prstGeom prst="rect">
+            <a:avLst/>
+          </a:prstGeom>
+          <a:noFill/>
+        </p:spPr>
+        <p:txBody>
+          <a:bodyPr wrap="none" rtlCol="0">
+            <a:spAutoFit/>
+          </a:bodyPr>
+          <a:lstStyle/>
+          <a:p>
+            <a:pPr algn="ctr"/>
+            <a:r>
+              <a:rPr lang="fr-FR" dirty="0" smtClean="0"/>
+              <a:t>Polochon</a:t>
+            </a:r>
+            <a:endParaRPr lang="fr-FR" dirty="0"/>
+          </a:p>
+        </p:txBody>
+      </p:sp>
+      <p:sp>
+        <p:nvSpPr>
+          <p:cNvPr id="34" name="ZoneTexte 33"/>
+          <p:cNvSpPr txBox="1"/>
+          <p:nvPr/>
+        </p:nvSpPr>
+        <p:spPr>
+          <a:xfrm>
+            <a:off x="4753332" y="2987274"/>
+            <a:ext cx="755335" cy="369332"/>
+          </a:xfrm>
+          <a:prstGeom prst="rect">
+            <a:avLst/>
+          </a:prstGeom>
+          <a:noFill/>
+        </p:spPr>
+        <p:txBody>
+          <a:bodyPr wrap="none" rtlCol="0">
+            <a:spAutoFit/>
+          </a:bodyPr>
+          <a:lstStyle/>
+          <a:p>
+            <a:pPr algn="ctr"/>
+            <a:r>
+              <a:rPr lang="fr-FR" dirty="0" err="1" smtClean="0"/>
+              <a:t>Némo</a:t>
+            </a:r>
+            <a:endParaRPr lang="fr-FR" dirty="0"/>
+          </a:p>
+        </p:txBody>
+      </p:sp>
+      <p:sp>
+        <p:nvSpPr>
+          <p:cNvPr id="35" name="ZoneTexte 34"/>
+          <p:cNvSpPr txBox="1"/>
+          <p:nvPr/>
+        </p:nvSpPr>
+        <p:spPr>
+          <a:xfrm>
+            <a:off x="2832010" y="3931016"/>
+            <a:ext cx="665567" cy="369332"/>
+          </a:xfrm>
+          <a:prstGeom prst="rect">
+            <a:avLst/>
+          </a:prstGeom>
+          <a:noFill/>
+        </p:spPr>
+        <p:txBody>
+          <a:bodyPr wrap="none" rtlCol="0">
+            <a:spAutoFit/>
+          </a:bodyPr>
+          <a:lstStyle/>
+          <a:p>
+            <a:pPr algn="ctr"/>
+            <a:r>
+              <a:rPr lang="fr-FR" dirty="0" smtClean="0"/>
+              <a:t>Hank</a:t>
+            </a:r>
+            <a:endParaRPr lang="fr-FR" dirty="0"/>
+          </a:p>
+        </p:txBody>
+      </p:sp>
+      <p:sp>
+        <p:nvSpPr>
+          <p:cNvPr id="36" name="ZoneTexte 35"/>
+          <p:cNvSpPr txBox="1"/>
+          <p:nvPr/>
+        </p:nvSpPr>
+        <p:spPr>
+          <a:xfrm>
+            <a:off x="4660709" y="3928010"/>
+            <a:ext cx="989438" cy="369332"/>
+          </a:xfrm>
+          <a:prstGeom prst="rect">
+            <a:avLst/>
+          </a:prstGeom>
+          <a:noFill/>
+        </p:spPr>
+        <p:txBody>
+          <a:bodyPr wrap="none" rtlCol="0">
+            <a:spAutoFit/>
+          </a:bodyPr>
+          <a:lstStyle/>
+          <a:p>
+            <a:pPr algn="ctr"/>
+            <a:r>
+              <a:rPr lang="fr-FR" dirty="0" err="1" smtClean="0"/>
+              <a:t>Tamatoa</a:t>
+            </a:r>
+            <a:endParaRPr lang="fr-FR" dirty="0"/>
+          </a:p>
+        </p:txBody>
+      </p:sp>
+      <p:sp>
+        <p:nvSpPr>
+          <p:cNvPr id="4" name="Rectangle 3"/>
+          <p:cNvSpPr/>
+          <p:nvPr/>
+        </p:nvSpPr>
+        <p:spPr>
+          <a:xfrm rot="16200000">
+            <a:off x="1623097" y="872094"/>
+            <a:ext cx="3705046" cy="5407110"/>
+          </a:xfrm>
+          <a:prstGeom prst="rect">
+            <a:avLst/>
+          </a:prstGeom>
+          <a:noFill/>
+          <a:ln w="76200">
+            <a:solidFill>
+              <a:schemeClr val="tx1">
+                <a:lumMod val="50000"/>
+                <a:lumOff val="50000"/>
+              </a:schemeClr>
+            </a:solidFill>
+          </a:ln>
+        </p:spPr>
+        <p:style>
+          <a:lnRef idx="2">
+            <a:schemeClr val="accent1">
+              <a:shade val="50000"/>
+            </a:schemeClr>
+          </a:lnRef>
+          <a:fillRef idx="1">
+            <a:schemeClr val="accent1"/>
+          </a:fillRef>
+          <a:effectRef idx="0">
+            <a:schemeClr val="accent1"/>
+          </a:effectRef>
+          <a:fontRef idx="minor">
+            <a:schemeClr val="lt1"/>
+          </a:fontRef>
+        </p:style>
+        <p:txBody>
+          <a:bodyPr rtlCol="0" anchor="ctr"/>
+          <a:lstStyle/>
+          <a:p>
+            <a:pPr algn="ctr"/>
+            <a:endParaRPr lang="fr-FR"/>
+          </a:p>
+        </p:txBody>
+      </p:sp>
+    </p:spTree>
+    <p:extLst>
+      <p:ext uri="{BB962C8B-B14F-4D97-AF65-F5344CB8AC3E}">
+        <p14:creationId xmlns:p14="http://schemas.microsoft.com/office/powerpoint/2010/main" val="4032157882"/>
+      </p:ext>
+    </p:extLst>
+  </p:cSld>
+  <p:clrMapOvr>
+    <a:masterClrMapping/>
+  </p:clrMapOvr>
+</p:sld>
+</file>
+
+<file path=ppt/slides/slide2.xml><?xml version="1.0" encoding="utf-8"?>
+<p:sld xmlns:a="http://schemas.openxmlformats.org/drawingml/2006/main" xmlns:r="http://schemas.openxmlformats.org/officeDocument/2006/relationships" xmlns:p="http://schemas.openxmlformats.org/presentationml/2006/main">
+  <p:cSld>
+    <p:spTree>
+      <p:nvGrpSpPr>
+        <p:cNvPr id="1" name=""/>
+        <p:cNvGrpSpPr/>
+        <p:nvPr/>
+      </p:nvGrpSpPr>
+      <p:grpSpPr>
+        <a:xfrm>
+          <a:off x="0" y="0"/>
+          <a:ext cx="0" cy="0"/>
+          <a:chOff x="0" y="0"/>
+          <a:chExt cx="0" cy="0"/>
+        </a:xfrm>
+      </p:grpSpPr>
+      <p:sp>
+        <p:nvSpPr>
+          <p:cNvPr id="2" name="Rectangle 1"/>
+          <p:cNvSpPr/>
+          <p:nvPr/>
+        </p:nvSpPr>
+        <p:spPr>
+          <a:xfrm>
+            <a:off x="6411747" y="821206"/>
+            <a:ext cx="5960853" cy="6150634"/>
+          </a:xfrm>
+          <a:prstGeom prst="rect">
+            <a:avLst/>
+          </a:prstGeom>
+          <a:noFill/>
+          <a:ln>
+            <a:noFill/>
+          </a:ln>
+        </p:spPr>
+        <p:style>
+          <a:lnRef idx="2">
+            <a:schemeClr val="accent1">
+              <a:shade val="50000"/>
+            </a:schemeClr>
+          </a:lnRef>
+          <a:fillRef idx="1">
+            <a:schemeClr val="accent1"/>
+          </a:fillRef>
+          <a:effectRef idx="0">
+            <a:schemeClr val="accent1"/>
+          </a:effectRef>
+          <a:fontRef idx="minor">
+            <a:schemeClr val="lt1"/>
+          </a:fontRef>
+        </p:style>
+        <p:txBody>
+          <a:bodyPr rtlCol="0" anchor="ctr"/>
+          <a:lstStyle/>
+          <a:p>
+            <a:pPr algn="ctr"/>
+            <a:endParaRPr lang="fr-FR"/>
+          </a:p>
+        </p:txBody>
+      </p:sp>
+      <p:sp>
+        <p:nvSpPr>
+          <p:cNvPr id="45" name="Ellipse 44"/>
+          <p:cNvSpPr/>
+          <p:nvPr/>
+        </p:nvSpPr>
+        <p:spPr>
+          <a:xfrm>
+            <a:off x="8076853" y="1571661"/>
+            <a:ext cx="804193" cy="804193"/>
+          </a:xfrm>
+          <a:prstGeom prst="ellipse">
+            <a:avLst/>
+          </a:prstGeom>
+          <a:solidFill>
+            <a:schemeClr val="bg2">
+              <a:lumMod val="90000"/>
+            </a:schemeClr>
+          </a:solidFill>
+          <a:ln>
+            <a:solidFill>
+              <a:schemeClr val="bg2">
+                <a:lumMod val="50000"/>
+              </a:schemeClr>
+            </a:solidFill>
+          </a:ln>
+        </p:spPr>
+        <p:style>
+          <a:lnRef idx="2">
+            <a:schemeClr val="accent1">
+              <a:shade val="50000"/>
+            </a:schemeClr>
+          </a:lnRef>
+          <a:fillRef idx="1">
+            <a:schemeClr val="accent1"/>
+          </a:fillRef>
+          <a:effectRef idx="0">
+            <a:schemeClr val="accent1"/>
+          </a:effectRef>
+          <a:fontRef idx="minor">
+            <a:schemeClr val="lt1"/>
+          </a:fontRef>
+        </p:style>
+        <p:txBody>
+          <a:bodyPr rtlCol="0" anchor="ctr"/>
+          <a:lstStyle/>
+          <a:p>
+            <a:pPr algn="ctr"/>
+            <a:endParaRPr lang="fr-FR"/>
+          </a:p>
+        </p:txBody>
+      </p:sp>
+      <p:sp>
+        <p:nvSpPr>
+          <p:cNvPr id="46" name="Ellipse 45"/>
+          <p:cNvSpPr/>
+          <p:nvPr/>
+        </p:nvSpPr>
+        <p:spPr>
+          <a:xfrm>
+            <a:off x="10064370" y="1598807"/>
+            <a:ext cx="804193" cy="804193"/>
+          </a:xfrm>
+          <a:prstGeom prst="ellipse">
+            <a:avLst/>
+          </a:prstGeom>
+          <a:solidFill>
+            <a:schemeClr val="bg2">
+              <a:lumMod val="90000"/>
+            </a:schemeClr>
+          </a:solidFill>
+          <a:ln>
+            <a:solidFill>
+              <a:schemeClr val="bg2">
+                <a:lumMod val="50000"/>
+              </a:schemeClr>
+            </a:solidFill>
+          </a:ln>
+        </p:spPr>
+        <p:style>
+          <a:lnRef idx="2">
+            <a:schemeClr val="accent1">
+              <a:shade val="50000"/>
+            </a:schemeClr>
+          </a:lnRef>
+          <a:fillRef idx="1">
+            <a:schemeClr val="accent1"/>
+          </a:fillRef>
+          <a:effectRef idx="0">
+            <a:schemeClr val="accent1"/>
+          </a:effectRef>
+          <a:fontRef idx="minor">
+            <a:schemeClr val="lt1"/>
+          </a:fontRef>
+        </p:style>
+        <p:txBody>
+          <a:bodyPr rtlCol="0" anchor="ctr"/>
+          <a:lstStyle/>
+          <a:p>
+            <a:pPr algn="ctr"/>
+            <a:endParaRPr lang="fr-FR"/>
+          </a:p>
+        </p:txBody>
+      </p:sp>
+      <p:sp>
+        <p:nvSpPr>
+          <p:cNvPr id="47" name="Ellipse 46"/>
+          <p:cNvSpPr/>
+          <p:nvPr/>
+        </p:nvSpPr>
+        <p:spPr>
+          <a:xfrm>
+            <a:off x="8076853" y="3700258"/>
+            <a:ext cx="804193" cy="804193"/>
+          </a:xfrm>
+          <a:prstGeom prst="ellipse">
+            <a:avLst/>
+          </a:prstGeom>
+          <a:solidFill>
+            <a:schemeClr val="bg2">
+              <a:lumMod val="90000"/>
+            </a:schemeClr>
+          </a:solidFill>
+          <a:ln>
+            <a:solidFill>
+              <a:schemeClr val="bg2">
+                <a:lumMod val="50000"/>
+              </a:schemeClr>
+            </a:solidFill>
+          </a:ln>
+        </p:spPr>
+        <p:style>
+          <a:lnRef idx="2">
+            <a:schemeClr val="accent1">
+              <a:shade val="50000"/>
+            </a:schemeClr>
+          </a:lnRef>
+          <a:fillRef idx="1">
+            <a:schemeClr val="accent1"/>
+          </a:fillRef>
+          <a:effectRef idx="0">
+            <a:schemeClr val="accent1"/>
+          </a:effectRef>
+          <a:fontRef idx="minor">
+            <a:schemeClr val="lt1"/>
+          </a:fontRef>
+        </p:style>
+        <p:txBody>
+          <a:bodyPr rtlCol="0" anchor="ctr"/>
+          <a:lstStyle/>
+          <a:p>
+            <a:pPr algn="ctr"/>
+            <a:endParaRPr lang="fr-FR"/>
+          </a:p>
+        </p:txBody>
+      </p:sp>
+      <p:sp>
+        <p:nvSpPr>
+          <p:cNvPr id="48" name="Ellipse 47"/>
+          <p:cNvSpPr/>
+          <p:nvPr/>
+        </p:nvSpPr>
+        <p:spPr>
+          <a:xfrm>
+            <a:off x="10064370" y="3727404"/>
+            <a:ext cx="804193" cy="804193"/>
+          </a:xfrm>
+          <a:prstGeom prst="ellipse">
+            <a:avLst/>
+          </a:prstGeom>
+          <a:solidFill>
+            <a:schemeClr val="bg2">
+              <a:lumMod val="90000"/>
+            </a:schemeClr>
+          </a:solidFill>
+          <a:ln>
+            <a:solidFill>
+              <a:schemeClr val="bg2">
+                <a:lumMod val="50000"/>
+              </a:schemeClr>
+            </a:solidFill>
+          </a:ln>
+        </p:spPr>
+        <p:style>
+          <a:lnRef idx="2">
+            <a:schemeClr val="accent1">
+              <a:shade val="50000"/>
+            </a:schemeClr>
+          </a:lnRef>
+          <a:fillRef idx="1">
+            <a:schemeClr val="accent1"/>
+          </a:fillRef>
+          <a:effectRef idx="0">
+            <a:schemeClr val="accent1"/>
+          </a:effectRef>
+          <a:fontRef idx="minor">
+            <a:schemeClr val="lt1"/>
+          </a:fontRef>
+        </p:style>
+        <p:txBody>
+          <a:bodyPr rtlCol="0" anchor="ctr"/>
+          <a:lstStyle/>
+          <a:p>
+            <a:pPr algn="ctr"/>
+            <a:endParaRPr lang="fr-FR"/>
+          </a:p>
+        </p:txBody>
+      </p:sp>
+      <p:sp>
+        <p:nvSpPr>
+          <p:cNvPr id="12" name="Arc 11"/>
+          <p:cNvSpPr/>
+          <p:nvPr/>
+        </p:nvSpPr>
+        <p:spPr>
+          <a:xfrm rot="16200000">
+            <a:off x="10085380" y="4811840"/>
+            <a:ext cx="2160000" cy="2160000"/>
+          </a:xfrm>
+          <a:prstGeom prst="arc">
+            <a:avLst>
+              <a:gd name="adj1" fmla="val 16288922"/>
+              <a:gd name="adj2" fmla="val 0"/>
+            </a:avLst>
+          </a:prstGeom>
+          <a:ln>
+            <a:prstDash val="lgDash"/>
+          </a:ln>
+        </p:spPr>
+        <p:style>
+          <a:lnRef idx="1">
+            <a:schemeClr val="dk1"/>
+          </a:lnRef>
+          <a:fillRef idx="0">
+            <a:schemeClr val="dk1"/>
+          </a:fillRef>
+          <a:effectRef idx="0">
+            <a:schemeClr val="dk1"/>
+          </a:effectRef>
+          <a:fontRef idx="minor">
+            <a:schemeClr val="tx1"/>
+          </a:fontRef>
+        </p:style>
+        <p:txBody>
+          <a:bodyPr rtlCol="0" anchor="ctr"/>
+          <a:lstStyle/>
+          <a:p>
+            <a:pPr algn="ctr"/>
+            <a:endParaRPr lang="fr-FR">
+              <a:ln>
+                <a:solidFill>
+                  <a:schemeClr val="bg2">
+                    <a:lumMod val="50000"/>
+                  </a:schemeClr>
+                </a:solidFill>
+              </a:ln>
+            </a:endParaRPr>
+          </a:p>
+        </p:txBody>
+      </p:sp>
+      <p:sp>
+        <p:nvSpPr>
           <p:cNvPr id="25" name="Rectangle 24"/>
           <p:cNvSpPr/>
           <p:nvPr/>
         </p:nvSpPr>
         <p:spPr>
           <a:xfrm>
-            <a:off x="9279476" y="1301740"/>
+            <a:off x="9469976" y="1301740"/>
             <a:ext cx="858588" cy="1398328"/>
           </a:xfrm>
           <a:prstGeom prst="rect">
@@ -3723,7 +4045,7 @@
         </p:nvSpPr>
         <p:spPr>
           <a:xfrm>
-            <a:off x="8420888" y="1301740"/>
+            <a:off x="8611388" y="1301740"/>
             <a:ext cx="858588" cy="1398328"/>
           </a:xfrm>
           <a:prstGeom prst="rect">
@@ -3776,7 +4098,7 @@
         </p:nvSpPr>
         <p:spPr>
           <a:xfrm>
-            <a:off x="9279476" y="3413512"/>
+            <a:off x="9469976" y="3413512"/>
             <a:ext cx="858588" cy="1398328"/>
           </a:xfrm>
           <a:prstGeom prst="rect">
@@ -3829,7 +4151,7 @@
         </p:nvSpPr>
         <p:spPr>
           <a:xfrm>
-            <a:off x="8420888" y="3413512"/>
+            <a:off x="8611388" y="3413512"/>
             <a:ext cx="858588" cy="1398328"/>
           </a:xfrm>
           <a:prstGeom prst="rect">
@@ -3876,14 +4198,14 @@
       </p:sp>
       <p:sp>
         <p:nvSpPr>
-          <p:cNvPr id="31" name="ZoneTexte 30"/>
+          <p:cNvPr id="32" name="ZoneTexte 31"/>
           <p:cNvSpPr txBox="1"/>
           <p:nvPr/>
         </p:nvSpPr>
         <p:spPr>
           <a:xfrm>
-            <a:off x="4944019" y="1386995"/>
-            <a:ext cx="1273490" cy="369332"/>
+            <a:off x="10460693" y="922258"/>
+            <a:ext cx="910827" cy="369332"/>
           </a:xfrm>
           <a:prstGeom prst="rect">
             <a:avLst/>
@@ -3898,7 +4220,7 @@
           <a:p>
             <a:r>
               <a:rPr lang="fr-FR" dirty="0" smtClean="0"/>
-              <a:t>AQUARIUM</a:t>
+              <a:t>JUNGLE</a:t>
             </a:r>
             <a:endParaRPr lang="fr-FR" dirty="0"/>
           </a:p>
@@ -3906,14 +4228,14 @@
       </p:sp>
       <p:sp>
         <p:nvSpPr>
-          <p:cNvPr id="32" name="ZoneTexte 31"/>
+          <p:cNvPr id="37" name="ZoneTexte 36"/>
           <p:cNvSpPr txBox="1"/>
           <p:nvPr/>
         </p:nvSpPr>
         <p:spPr>
           <a:xfrm>
-            <a:off x="10016193" y="922258"/>
-            <a:ext cx="910827" cy="369332"/>
+            <a:off x="9473559" y="1723125"/>
+            <a:ext cx="830933" cy="369332"/>
           </a:xfrm>
           <a:prstGeom prst="rect">
             <a:avLst/>
@@ -3926,9 +4248,10 @@
           </a:bodyPr>
           <a:lstStyle/>
           <a:p>
-            <a:r>
-              <a:rPr lang="fr-FR" dirty="0" smtClean="0"/>
-              <a:t>JUNGLE</a:t>
+            <a:pPr algn="ctr"/>
+            <a:r>
+              <a:rPr lang="fr-FR" dirty="0" err="1" smtClean="0"/>
+              <a:t>Meeko</a:t>
             </a:r>
             <a:endParaRPr lang="fr-FR" dirty="0"/>
           </a:p>
@@ -3936,14 +4259,14 @@
       </p:sp>
       <p:sp>
         <p:nvSpPr>
-          <p:cNvPr id="33" name="ZoneTexte 32"/>
+          <p:cNvPr id="38" name="ZoneTexte 37"/>
           <p:cNvSpPr txBox="1"/>
           <p:nvPr/>
         </p:nvSpPr>
         <p:spPr>
           <a:xfrm>
-            <a:off x="2635547" y="2987274"/>
-            <a:ext cx="1058495" cy="369332"/>
+            <a:off x="8678132" y="3928010"/>
+            <a:ext cx="714042" cy="369332"/>
           </a:xfrm>
           <a:prstGeom prst="rect">
             <a:avLst/>
@@ -3958,8 +4281,8 @@
           <a:p>
             <a:pPr algn="ctr"/>
             <a:r>
-              <a:rPr lang="fr-FR" dirty="0" smtClean="0"/>
-              <a:t>Polochon</a:t>
+              <a:rPr lang="fr-FR" dirty="0" err="1" smtClean="0"/>
+              <a:t>Stitch</a:t>
             </a:r>
             <a:endParaRPr lang="fr-FR" dirty="0"/>
           </a:p>
@@ -3967,14 +4290,14 @@
       </p:sp>
       <p:sp>
         <p:nvSpPr>
-          <p:cNvPr id="34" name="ZoneTexte 33"/>
+          <p:cNvPr id="39" name="ZoneTexte 38"/>
           <p:cNvSpPr txBox="1"/>
           <p:nvPr/>
         </p:nvSpPr>
         <p:spPr>
           <a:xfrm>
-            <a:off x="4753332" y="2987274"/>
-            <a:ext cx="755335" cy="369332"/>
+            <a:off x="8713199" y="1723125"/>
+            <a:ext cx="707245" cy="369332"/>
           </a:xfrm>
           <a:prstGeom prst="rect">
             <a:avLst/>
@@ -3989,161 +4312,6 @@
           <a:p>
             <a:pPr algn="ctr"/>
             <a:r>
-              <a:rPr lang="fr-FR" dirty="0" err="1" smtClean="0"/>
-              <a:t>Némo</a:t>
-            </a:r>
-            <a:endParaRPr lang="fr-FR" dirty="0"/>
-          </a:p>
-        </p:txBody>
-      </p:sp>
-      <p:sp>
-        <p:nvSpPr>
-          <p:cNvPr id="35" name="ZoneTexte 34"/>
-          <p:cNvSpPr txBox="1"/>
-          <p:nvPr/>
-        </p:nvSpPr>
-        <p:spPr>
-          <a:xfrm>
-            <a:off x="2832010" y="3931016"/>
-            <a:ext cx="665567" cy="369332"/>
-          </a:xfrm>
-          <a:prstGeom prst="rect">
-            <a:avLst/>
-          </a:prstGeom>
-          <a:noFill/>
-        </p:spPr>
-        <p:txBody>
-          <a:bodyPr wrap="none" rtlCol="0">
-            <a:spAutoFit/>
-          </a:bodyPr>
-          <a:lstStyle/>
-          <a:p>
-            <a:pPr algn="ctr"/>
-            <a:r>
-              <a:rPr lang="fr-FR" dirty="0" smtClean="0"/>
-              <a:t>Hank</a:t>
-            </a:r>
-            <a:endParaRPr lang="fr-FR" dirty="0"/>
-          </a:p>
-        </p:txBody>
-      </p:sp>
-      <p:sp>
-        <p:nvSpPr>
-          <p:cNvPr id="36" name="ZoneTexte 35"/>
-          <p:cNvSpPr txBox="1"/>
-          <p:nvPr/>
-        </p:nvSpPr>
-        <p:spPr>
-          <a:xfrm>
-            <a:off x="4660709" y="3928010"/>
-            <a:ext cx="989438" cy="369332"/>
-          </a:xfrm>
-          <a:prstGeom prst="rect">
-            <a:avLst/>
-          </a:prstGeom>
-          <a:noFill/>
-        </p:spPr>
-        <p:txBody>
-          <a:bodyPr wrap="none" rtlCol="0">
-            <a:spAutoFit/>
-          </a:bodyPr>
-          <a:lstStyle/>
-          <a:p>
-            <a:pPr algn="ctr"/>
-            <a:r>
-              <a:rPr lang="fr-FR" dirty="0" err="1" smtClean="0"/>
-              <a:t>Tamatoa</a:t>
-            </a:r>
-            <a:endParaRPr lang="fr-FR" dirty="0"/>
-          </a:p>
-        </p:txBody>
-      </p:sp>
-      <p:sp>
-        <p:nvSpPr>
-          <p:cNvPr id="37" name="ZoneTexte 36"/>
-          <p:cNvSpPr txBox="1"/>
-          <p:nvPr/>
-        </p:nvSpPr>
-        <p:spPr>
-          <a:xfrm>
-            <a:off x="9283059" y="1723125"/>
-            <a:ext cx="830933" cy="369332"/>
-          </a:xfrm>
-          <a:prstGeom prst="rect">
-            <a:avLst/>
-          </a:prstGeom>
-          <a:noFill/>
-        </p:spPr>
-        <p:txBody>
-          <a:bodyPr wrap="none" rtlCol="0">
-            <a:spAutoFit/>
-          </a:bodyPr>
-          <a:lstStyle/>
-          <a:p>
-            <a:pPr algn="ctr"/>
-            <a:r>
-              <a:rPr lang="fr-FR" dirty="0" err="1" smtClean="0"/>
-              <a:t>Meeko</a:t>
-            </a:r>
-            <a:endParaRPr lang="fr-FR" dirty="0"/>
-          </a:p>
-        </p:txBody>
-      </p:sp>
-      <p:sp>
-        <p:nvSpPr>
-          <p:cNvPr id="38" name="ZoneTexte 37"/>
-          <p:cNvSpPr txBox="1"/>
-          <p:nvPr/>
-        </p:nvSpPr>
-        <p:spPr>
-          <a:xfrm>
-            <a:off x="8487632" y="3928010"/>
-            <a:ext cx="714042" cy="369332"/>
-          </a:xfrm>
-          <a:prstGeom prst="rect">
-            <a:avLst/>
-          </a:prstGeom>
-          <a:noFill/>
-        </p:spPr>
-        <p:txBody>
-          <a:bodyPr wrap="none" rtlCol="0">
-            <a:spAutoFit/>
-          </a:bodyPr>
-          <a:lstStyle/>
-          <a:p>
-            <a:pPr algn="ctr"/>
-            <a:r>
-              <a:rPr lang="fr-FR" dirty="0" err="1" smtClean="0"/>
-              <a:t>Stitch</a:t>
-            </a:r>
-            <a:endParaRPr lang="fr-FR" dirty="0"/>
-          </a:p>
-        </p:txBody>
-      </p:sp>
-      <p:sp>
-        <p:nvSpPr>
-          <p:cNvPr id="39" name="ZoneTexte 38"/>
-          <p:cNvSpPr txBox="1"/>
-          <p:nvPr/>
-        </p:nvSpPr>
-        <p:spPr>
-          <a:xfrm>
-            <a:off x="8522699" y="1723125"/>
-            <a:ext cx="707245" cy="369332"/>
-          </a:xfrm>
-          <a:prstGeom prst="rect">
-            <a:avLst/>
-          </a:prstGeom>
-          <a:noFill/>
-        </p:spPr>
-        <p:txBody>
-          <a:bodyPr wrap="none" rtlCol="0">
-            <a:spAutoFit/>
-          </a:bodyPr>
-          <a:lstStyle/>
-          <a:p>
-            <a:pPr algn="ctr"/>
-            <a:r>
               <a:rPr lang="fr-FR" dirty="0" smtClean="0"/>
               <a:t>Rajah</a:t>
             </a:r>
@@ -4159,7 +4327,7 @@
         </p:nvSpPr>
         <p:spPr>
           <a:xfrm>
-            <a:off x="9368517" y="3928010"/>
+            <a:off x="9559017" y="3928010"/>
             <a:ext cx="716863" cy="369332"/>
           </a:xfrm>
           <a:prstGeom prst="rect">
@@ -4190,7 +4358,7 @@
         </p:nvCxnSpPr>
         <p:spPr>
           <a:xfrm>
-            <a:off x="10726993" y="4811840"/>
+            <a:off x="11103603" y="4811840"/>
             <a:ext cx="1" cy="1071372"/>
           </a:xfrm>
           <a:prstGeom prst="straightConnector1">
@@ -4224,14 +4392,14 @@
       </p:cxnSp>
       <p:sp>
         <p:nvSpPr>
-          <p:cNvPr id="4" name="Rectangle 3"/>
+          <p:cNvPr id="5" name="Rectangle 4"/>
           <p:cNvSpPr/>
           <p:nvPr/>
         </p:nvSpPr>
         <p:spPr>
-          <a:xfrm rot="16200000">
-            <a:off x="1623097" y="872094"/>
-            <a:ext cx="3705046" cy="5407110"/>
+          <a:xfrm>
+            <a:off x="7614579" y="1259455"/>
+            <a:ext cx="3650321" cy="4632385"/>
           </a:xfrm>
           <a:prstGeom prst="rect">
             <a:avLst/>
@@ -4271,59 +4439,10 @@
           </a:p>
         </p:txBody>
       </p:sp>
-      <p:sp>
-        <p:nvSpPr>
-          <p:cNvPr id="5" name="Rectangle 4"/>
-          <p:cNvSpPr/>
-          <p:nvPr/>
-        </p:nvSpPr>
-        <p:spPr>
-          <a:xfrm>
-            <a:off x="7614579" y="1259455"/>
-            <a:ext cx="3174191" cy="4632385"/>
-          </a:xfrm>
-          <a:prstGeom prst="rect">
-            <a:avLst/>
-          </a:prstGeom>
-          <a:noFill/>
-          <a:ln w="76200">
-            <a:solidFill>
-              <a:schemeClr val="tx1">
-                <a:lumMod val="50000"/>
-                <a:lumOff val="50000"/>
-              </a:schemeClr>
-            </a:solidFill>
-          </a:ln>
-        </p:spPr>
-        <p:style>
-          <a:lnRef idx="2">
-            <a:schemeClr val="accent1">
-              <a:shade val="50000"/>
-            </a:schemeClr>
-          </a:lnRef>
-          <a:fillRef idx="1">
-            <a:schemeClr val="accent1"/>
-          </a:fillRef>
-          <a:effectRef idx="0">
-            <a:schemeClr val="accent1"/>
-          </a:effectRef>
-          <a:fontRef idx="minor">
-            <a:schemeClr val="lt1"/>
-          </a:fontRef>
-        </p:style>
-        <p:txBody>
-          <a:bodyPr rtlCol="0" anchor="ctr"/>
-          <a:lstStyle/>
-          <a:p>
-            <a:pPr algn="ctr"/>
-            <a:endParaRPr lang="fr-FR"/>
-          </a:p>
-        </p:txBody>
-      </p:sp>
     </p:spTree>
     <p:extLst>
       <p:ext uri="{BB962C8B-B14F-4D97-AF65-F5344CB8AC3E}">
-        <p14:creationId xmlns:p14="http://schemas.microsoft.com/office/powerpoint/2010/main" val="4032157882"/>
+        <p14:creationId xmlns:p14="http://schemas.microsoft.com/office/powerpoint/2010/main" val="2629796946"/>
       </p:ext>
     </p:extLst>
   </p:cSld>
@@ -4861,16 +4980,16 @@
 <file path=customXml/itemProps1.xml><?xml version="1.0" encoding="utf-8"?>
 <ds:datastoreItem xmlns:ds="http://schemas.openxmlformats.org/officeDocument/2006/customXml" ds:itemID="{2EE87A21-A4D5-43A5-A22C-D906B17EB041}">
   <ds:schemaRefs>
-    <ds:schemaRef ds:uri="http://schemas.microsoft.com/office/infopath/2007/PartnerControls"/>
-    <ds:schemaRef ds:uri="http://purl.org/dc/elements/1.1/"/>
-    <ds:schemaRef ds:uri="c8438557-ce8b-4c4c-b94d-6a2491d2cc6d"/>
     <ds:schemaRef ds:uri="http://www.w3.org/XML/1998/namespace"/>
     <ds:schemaRef ds:uri="http://schemas.microsoft.com/office/2006/metadata/properties"/>
     <ds:schemaRef ds:uri="http://schemas.microsoft.com/office/2006/documentManagement/types"/>
-    <ds:schemaRef ds:uri="http://schemas.openxmlformats.org/package/2006/metadata/core-properties"/>
     <ds:schemaRef ds:uri="230486b7-ae46-4a7b-9810-315006c8cb07"/>
+    <ds:schemaRef ds:uri="http://purl.org/dc/elements/1.1/"/>
     <ds:schemaRef ds:uri="http://purl.org/dc/dcmitype/"/>
     <ds:schemaRef ds:uri="http://purl.org/dc/terms/"/>
+    <ds:schemaRef ds:uri="http://schemas.microsoft.com/office/infopath/2007/PartnerControls"/>
+    <ds:schemaRef ds:uri="http://schemas.openxmlformats.org/package/2006/metadata/core-properties"/>
+    <ds:schemaRef ds:uri="c8438557-ce8b-4c4c-b94d-6a2491d2cc6d"/>
   </ds:schemaRefs>
 </ds:datastoreItem>
 </file>

--- a/Présentation2.pptx
+++ b/Présentation2.pptx
@@ -3682,57 +3682,13 @@
       </p:grpSpPr>
       <p:sp>
         <p:nvSpPr>
-          <p:cNvPr id="2" name="Rectangle 1"/>
+          <p:cNvPr id="56" name="Ellipse 55"/>
           <p:cNvSpPr/>
           <p:nvPr/>
         </p:nvSpPr>
         <p:spPr>
           <a:xfrm>
-            <a:off x="6411747" y="821206"/>
-            <a:ext cx="5960853" cy="6150634"/>
-          </a:xfrm>
-          <a:prstGeom prst="rect">
-            <a:avLst/>
-          </a:prstGeom>
-          <a:noFill/>
-          <a:ln>
-            <a:noFill/>
-          </a:ln>
-        </p:spPr>
-        <p:style>
-          <a:lnRef idx="2">
-            <a:schemeClr val="accent1">
-              <a:shade val="50000"/>
-            </a:schemeClr>
-          </a:lnRef>
-          <a:fillRef idx="1">
-            <a:schemeClr val="accent1"/>
-          </a:fillRef>
-          <a:effectRef idx="0">
-            <a:schemeClr val="accent1"/>
-          </a:effectRef>
-          <a:fontRef idx="minor">
-            <a:schemeClr val="lt1"/>
-          </a:fontRef>
-        </p:style>
-        <p:txBody>
-          <a:bodyPr rtlCol="0" anchor="ctr"/>
-          <a:lstStyle/>
-          <a:p>
-            <a:pPr algn="ctr"/>
-            <a:endParaRPr lang="fr-FR"/>
-          </a:p>
-        </p:txBody>
-      </p:sp>
-      <p:sp>
-        <p:nvSpPr>
-          <p:cNvPr id="45" name="Ellipse 44"/>
-          <p:cNvSpPr/>
-          <p:nvPr/>
-        </p:nvSpPr>
-        <p:spPr>
-          <a:xfrm>
-            <a:off x="8076853" y="1571661"/>
+            <a:off x="2620683" y="2665548"/>
             <a:ext cx="804193" cy="804193"/>
           </a:xfrm>
           <a:prstGeom prst="ellipse">
@@ -3778,13 +3734,13 @@
       </p:sp>
       <p:sp>
         <p:nvSpPr>
-          <p:cNvPr id="46" name="Ellipse 45"/>
+          <p:cNvPr id="57" name="Ellipse 56"/>
           <p:cNvSpPr/>
           <p:nvPr/>
         </p:nvSpPr>
         <p:spPr>
           <a:xfrm>
-            <a:off x="10064370" y="1598807"/>
+            <a:off x="2717831" y="1367796"/>
             <a:ext cx="804193" cy="804193"/>
           </a:xfrm>
           <a:prstGeom prst="ellipse">
@@ -3830,13 +3786,13 @@
       </p:sp>
       <p:sp>
         <p:nvSpPr>
-          <p:cNvPr id="47" name="Ellipse 46"/>
+          <p:cNvPr id="58" name="Ellipse 57"/>
           <p:cNvSpPr/>
           <p:nvPr/>
         </p:nvSpPr>
         <p:spPr>
           <a:xfrm>
-            <a:off x="8076853" y="3700258"/>
+            <a:off x="4285480" y="1172994"/>
             <a:ext cx="804193" cy="804193"/>
           </a:xfrm>
           <a:prstGeom prst="ellipse">
@@ -3882,117 +3838,13 @@
       </p:sp>
       <p:sp>
         <p:nvSpPr>
-          <p:cNvPr id="48" name="Ellipse 47"/>
+          <p:cNvPr id="50" name="Rectangle 49"/>
           <p:cNvSpPr/>
           <p:nvPr/>
         </p:nvSpPr>
         <p:spPr>
-          <a:xfrm>
-            <a:off x="10064370" y="3727404"/>
-            <a:ext cx="804193" cy="804193"/>
-          </a:xfrm>
-          <a:prstGeom prst="ellipse">
-            <a:avLst/>
-          </a:prstGeom>
-          <a:solidFill>
-            <a:schemeClr val="bg2">
-              <a:lumMod val="90000"/>
-            </a:schemeClr>
-          </a:solidFill>
-          <a:ln>
-            <a:solidFill>
-              <a:schemeClr val="bg2">
-                <a:lumMod val="50000"/>
-              </a:schemeClr>
-            </a:solidFill>
-          </a:ln>
-        </p:spPr>
-        <p:style>
-          <a:lnRef idx="2">
-            <a:schemeClr val="accent1">
-              <a:shade val="50000"/>
-            </a:schemeClr>
-          </a:lnRef>
-          <a:fillRef idx="1">
-            <a:schemeClr val="accent1"/>
-          </a:fillRef>
-          <a:effectRef idx="0">
-            <a:schemeClr val="accent1"/>
-          </a:effectRef>
-          <a:fontRef idx="minor">
-            <a:schemeClr val="lt1"/>
-          </a:fontRef>
-        </p:style>
-        <p:txBody>
-          <a:bodyPr rtlCol="0" anchor="ctr"/>
-          <a:lstStyle/>
-          <a:p>
-            <a:pPr algn="ctr"/>
-            <a:endParaRPr lang="fr-FR"/>
-          </a:p>
-        </p:txBody>
-      </p:sp>
-      <p:sp>
-        <p:nvSpPr>
-          <p:cNvPr id="12" name="Arc 11"/>
-          <p:cNvSpPr/>
-          <p:nvPr/>
-        </p:nvSpPr>
-        <p:spPr>
-          <a:xfrm rot="16200000">
-            <a:off x="10085380" y="4811840"/>
-            <a:ext cx="2160000" cy="2160000"/>
-          </a:xfrm>
-          <a:prstGeom prst="arc">
-            <a:avLst>
-              <a:gd name="adj1" fmla="val 16288922"/>
-              <a:gd name="adj2" fmla="val 0"/>
-            </a:avLst>
-          </a:prstGeom>
-          <a:ln>
-            <a:prstDash val="lgDash"/>
-          </a:ln>
-        </p:spPr>
-        <p:style>
-          <a:lnRef idx="1">
-            <a:schemeClr val="dk1"/>
-          </a:lnRef>
-          <a:fillRef idx="0">
-            <a:schemeClr val="dk1"/>
-          </a:fillRef>
-          <a:effectRef idx="0">
-            <a:schemeClr val="dk1"/>
-          </a:effectRef>
-          <a:fontRef idx="minor">
-            <a:schemeClr val="tx1"/>
-          </a:fontRef>
-        </p:style>
-        <p:txBody>
-          <a:bodyPr rtlCol="0" anchor="ctr"/>
-          <a:lstStyle/>
-          <a:p>
-            <a:pPr algn="ctr"/>
-            <a:endParaRPr lang="fr-FR">
-              <a:ln>
-                <a:solidFill>
-                  <a:schemeClr val="bg2">
-                    <a:lumMod val="50000"/>
-                  </a:schemeClr>
-                </a:solidFill>
-              </a:ln>
-            </a:endParaRPr>
-          </a:p>
-        </p:txBody>
-      </p:sp>
-      <p:sp>
-        <p:nvSpPr>
-          <p:cNvPr id="25" name="Rectangle 24"/>
-          <p:cNvSpPr/>
-          <p:nvPr/>
-        </p:nvSpPr>
-        <p:spPr>
-          <a:xfrm>
-            <a:off x="9469976" y="1301740"/>
+          <a:xfrm rot="5400000">
+            <a:off x="2731953" y="551335"/>
             <a:ext cx="858588" cy="1398328"/>
           </a:xfrm>
           <a:prstGeom prst="rect">
@@ -4039,13 +3891,13 @@
       </p:sp>
       <p:sp>
         <p:nvSpPr>
-          <p:cNvPr id="26" name="Rectangle 25"/>
+          <p:cNvPr id="28" name="Rectangle 27"/>
           <p:cNvSpPr/>
           <p:nvPr/>
         </p:nvSpPr>
         <p:spPr>
           <a:xfrm>
-            <a:off x="8611388" y="1301740"/>
+            <a:off x="2032880" y="821206"/>
             <a:ext cx="858588" cy="1398328"/>
           </a:xfrm>
           <a:prstGeom prst="rect">
@@ -4092,13 +3944,363 @@
       </p:sp>
       <p:sp>
         <p:nvSpPr>
-          <p:cNvPr id="29" name="Rectangle 28"/>
+          <p:cNvPr id="3" name="Rectangle 2"/>
           <p:cNvSpPr/>
           <p:nvPr/>
         </p:nvSpPr>
         <p:spPr>
           <a:xfrm>
-            <a:off x="9469976" y="3413512"/>
+            <a:off x="2852669" y="830728"/>
+            <a:ext cx="72000" cy="842400"/>
+          </a:xfrm>
+          <a:prstGeom prst="rect">
+            <a:avLst/>
+          </a:prstGeom>
+          <a:solidFill>
+            <a:srgbClr val="DEEBF7"/>
+          </a:solidFill>
+          <a:ln>
+            <a:noFill/>
+          </a:ln>
+        </p:spPr>
+        <p:style>
+          <a:lnRef idx="2">
+            <a:schemeClr val="accent1">
+              <a:shade val="50000"/>
+            </a:schemeClr>
+          </a:lnRef>
+          <a:fillRef idx="1">
+            <a:schemeClr val="accent1"/>
+          </a:fillRef>
+          <a:effectRef idx="0">
+            <a:schemeClr val="accent1"/>
+          </a:effectRef>
+          <a:fontRef idx="minor">
+            <a:schemeClr val="lt1"/>
+          </a:fontRef>
+        </p:style>
+        <p:txBody>
+          <a:bodyPr rtlCol="0" anchor="ctr"/>
+          <a:lstStyle/>
+          <a:p>
+            <a:pPr algn="ctr"/>
+            <a:endParaRPr lang="fr-FR"/>
+          </a:p>
+        </p:txBody>
+      </p:sp>
+      <p:sp>
+        <p:nvSpPr>
+          <p:cNvPr id="2" name="Rectangle 1"/>
+          <p:cNvSpPr/>
+          <p:nvPr/>
+        </p:nvSpPr>
+        <p:spPr>
+          <a:xfrm>
+            <a:off x="6411747" y="821206"/>
+            <a:ext cx="5960853" cy="6150634"/>
+          </a:xfrm>
+          <a:prstGeom prst="rect">
+            <a:avLst/>
+          </a:prstGeom>
+          <a:noFill/>
+          <a:ln>
+            <a:noFill/>
+          </a:ln>
+        </p:spPr>
+        <p:style>
+          <a:lnRef idx="2">
+            <a:schemeClr val="accent1">
+              <a:shade val="50000"/>
+            </a:schemeClr>
+          </a:lnRef>
+          <a:fillRef idx="1">
+            <a:schemeClr val="accent1"/>
+          </a:fillRef>
+          <a:effectRef idx="0">
+            <a:schemeClr val="accent1"/>
+          </a:effectRef>
+          <a:fontRef idx="minor">
+            <a:schemeClr val="lt1"/>
+          </a:fontRef>
+        </p:style>
+        <p:txBody>
+          <a:bodyPr rtlCol="0" anchor="ctr"/>
+          <a:lstStyle/>
+          <a:p>
+            <a:pPr algn="ctr"/>
+            <a:endParaRPr lang="fr-FR"/>
+          </a:p>
+        </p:txBody>
+      </p:sp>
+      <p:sp>
+        <p:nvSpPr>
+          <p:cNvPr id="45" name="Ellipse 44"/>
+          <p:cNvSpPr/>
+          <p:nvPr/>
+        </p:nvSpPr>
+        <p:spPr>
+          <a:xfrm>
+            <a:off x="8076853" y="1571661"/>
+            <a:ext cx="804193" cy="804193"/>
+          </a:xfrm>
+          <a:prstGeom prst="ellipse">
+            <a:avLst/>
+          </a:prstGeom>
+          <a:solidFill>
+            <a:schemeClr val="bg2">
+              <a:lumMod val="90000"/>
+            </a:schemeClr>
+          </a:solidFill>
+          <a:ln>
+            <a:solidFill>
+              <a:schemeClr val="bg2">
+                <a:lumMod val="50000"/>
+              </a:schemeClr>
+            </a:solidFill>
+          </a:ln>
+        </p:spPr>
+        <p:style>
+          <a:lnRef idx="2">
+            <a:schemeClr val="accent1">
+              <a:shade val="50000"/>
+            </a:schemeClr>
+          </a:lnRef>
+          <a:fillRef idx="1">
+            <a:schemeClr val="accent1"/>
+          </a:fillRef>
+          <a:effectRef idx="0">
+            <a:schemeClr val="accent1"/>
+          </a:effectRef>
+          <a:fontRef idx="minor">
+            <a:schemeClr val="lt1"/>
+          </a:fontRef>
+        </p:style>
+        <p:txBody>
+          <a:bodyPr rtlCol="0" anchor="ctr"/>
+          <a:lstStyle/>
+          <a:p>
+            <a:pPr algn="ctr"/>
+            <a:endParaRPr lang="fr-FR"/>
+          </a:p>
+        </p:txBody>
+      </p:sp>
+      <p:sp>
+        <p:nvSpPr>
+          <p:cNvPr id="46" name="Ellipse 45"/>
+          <p:cNvSpPr/>
+          <p:nvPr/>
+        </p:nvSpPr>
+        <p:spPr>
+          <a:xfrm>
+            <a:off x="10064370" y="1598807"/>
+            <a:ext cx="804193" cy="804193"/>
+          </a:xfrm>
+          <a:prstGeom prst="ellipse">
+            <a:avLst/>
+          </a:prstGeom>
+          <a:solidFill>
+            <a:schemeClr val="bg2">
+              <a:lumMod val="90000"/>
+            </a:schemeClr>
+          </a:solidFill>
+          <a:ln>
+            <a:solidFill>
+              <a:schemeClr val="bg2">
+                <a:lumMod val="50000"/>
+              </a:schemeClr>
+            </a:solidFill>
+          </a:ln>
+        </p:spPr>
+        <p:style>
+          <a:lnRef idx="2">
+            <a:schemeClr val="accent1">
+              <a:shade val="50000"/>
+            </a:schemeClr>
+          </a:lnRef>
+          <a:fillRef idx="1">
+            <a:schemeClr val="accent1"/>
+          </a:fillRef>
+          <a:effectRef idx="0">
+            <a:schemeClr val="accent1"/>
+          </a:effectRef>
+          <a:fontRef idx="minor">
+            <a:schemeClr val="lt1"/>
+          </a:fontRef>
+        </p:style>
+        <p:txBody>
+          <a:bodyPr rtlCol="0" anchor="ctr"/>
+          <a:lstStyle/>
+          <a:p>
+            <a:pPr algn="ctr"/>
+            <a:endParaRPr lang="fr-FR"/>
+          </a:p>
+        </p:txBody>
+      </p:sp>
+      <p:sp>
+        <p:nvSpPr>
+          <p:cNvPr id="47" name="Ellipse 46"/>
+          <p:cNvSpPr/>
+          <p:nvPr/>
+        </p:nvSpPr>
+        <p:spPr>
+          <a:xfrm>
+            <a:off x="8076853" y="3700258"/>
+            <a:ext cx="804193" cy="804193"/>
+          </a:xfrm>
+          <a:prstGeom prst="ellipse">
+            <a:avLst/>
+          </a:prstGeom>
+          <a:solidFill>
+            <a:schemeClr val="bg2">
+              <a:lumMod val="90000"/>
+            </a:schemeClr>
+          </a:solidFill>
+          <a:ln>
+            <a:solidFill>
+              <a:schemeClr val="bg2">
+                <a:lumMod val="50000"/>
+              </a:schemeClr>
+            </a:solidFill>
+          </a:ln>
+        </p:spPr>
+        <p:style>
+          <a:lnRef idx="2">
+            <a:schemeClr val="accent1">
+              <a:shade val="50000"/>
+            </a:schemeClr>
+          </a:lnRef>
+          <a:fillRef idx="1">
+            <a:schemeClr val="accent1"/>
+          </a:fillRef>
+          <a:effectRef idx="0">
+            <a:schemeClr val="accent1"/>
+          </a:effectRef>
+          <a:fontRef idx="minor">
+            <a:schemeClr val="lt1"/>
+          </a:fontRef>
+        </p:style>
+        <p:txBody>
+          <a:bodyPr rtlCol="0" anchor="ctr"/>
+          <a:lstStyle/>
+          <a:p>
+            <a:pPr algn="ctr"/>
+            <a:endParaRPr lang="fr-FR"/>
+          </a:p>
+        </p:txBody>
+      </p:sp>
+      <p:sp>
+        <p:nvSpPr>
+          <p:cNvPr id="48" name="Ellipse 47"/>
+          <p:cNvSpPr/>
+          <p:nvPr/>
+        </p:nvSpPr>
+        <p:spPr>
+          <a:xfrm>
+            <a:off x="10064370" y="3727404"/>
+            <a:ext cx="804193" cy="804193"/>
+          </a:xfrm>
+          <a:prstGeom prst="ellipse">
+            <a:avLst/>
+          </a:prstGeom>
+          <a:solidFill>
+            <a:schemeClr val="bg2">
+              <a:lumMod val="90000"/>
+            </a:schemeClr>
+          </a:solidFill>
+          <a:ln>
+            <a:solidFill>
+              <a:schemeClr val="bg2">
+                <a:lumMod val="50000"/>
+              </a:schemeClr>
+            </a:solidFill>
+          </a:ln>
+        </p:spPr>
+        <p:style>
+          <a:lnRef idx="2">
+            <a:schemeClr val="accent1">
+              <a:shade val="50000"/>
+            </a:schemeClr>
+          </a:lnRef>
+          <a:fillRef idx="1">
+            <a:schemeClr val="accent1"/>
+          </a:fillRef>
+          <a:effectRef idx="0">
+            <a:schemeClr val="accent1"/>
+          </a:effectRef>
+          <a:fontRef idx="minor">
+            <a:schemeClr val="lt1"/>
+          </a:fontRef>
+        </p:style>
+        <p:txBody>
+          <a:bodyPr rtlCol="0" anchor="ctr"/>
+          <a:lstStyle/>
+          <a:p>
+            <a:pPr algn="ctr"/>
+            <a:endParaRPr lang="fr-FR"/>
+          </a:p>
+        </p:txBody>
+      </p:sp>
+      <p:sp>
+        <p:nvSpPr>
+          <p:cNvPr id="12" name="Arc 11"/>
+          <p:cNvSpPr/>
+          <p:nvPr/>
+        </p:nvSpPr>
+        <p:spPr>
+          <a:xfrm rot="16200000">
+            <a:off x="10085380" y="4811840"/>
+            <a:ext cx="2160000" cy="2160000"/>
+          </a:xfrm>
+          <a:prstGeom prst="arc">
+            <a:avLst>
+              <a:gd name="adj1" fmla="val 16288922"/>
+              <a:gd name="adj2" fmla="val 0"/>
+            </a:avLst>
+          </a:prstGeom>
+          <a:ln>
+            <a:prstDash val="lgDash"/>
+          </a:ln>
+        </p:spPr>
+        <p:style>
+          <a:lnRef idx="1">
+            <a:schemeClr val="dk1"/>
+          </a:lnRef>
+          <a:fillRef idx="0">
+            <a:schemeClr val="dk1"/>
+          </a:fillRef>
+          <a:effectRef idx="0">
+            <a:schemeClr val="dk1"/>
+          </a:effectRef>
+          <a:fontRef idx="minor">
+            <a:schemeClr val="tx1"/>
+          </a:fontRef>
+        </p:style>
+        <p:txBody>
+          <a:bodyPr rtlCol="0" anchor="ctr"/>
+          <a:lstStyle/>
+          <a:p>
+            <a:pPr algn="ctr"/>
+            <a:endParaRPr lang="fr-FR">
+              <a:ln>
+                <a:solidFill>
+                  <a:schemeClr val="bg2">
+                    <a:lumMod val="50000"/>
+                  </a:schemeClr>
+                </a:solidFill>
+              </a:ln>
+            </a:endParaRPr>
+          </a:p>
+        </p:txBody>
+      </p:sp>
+      <p:sp>
+        <p:nvSpPr>
+          <p:cNvPr id="25" name="Rectangle 24"/>
+          <p:cNvSpPr/>
+          <p:nvPr/>
+        </p:nvSpPr>
+        <p:spPr>
+          <a:xfrm>
+            <a:off x="9469976" y="1301740"/>
             <a:ext cx="858588" cy="1398328"/>
           </a:xfrm>
           <a:prstGeom prst="rect">
@@ -4145,13 +4347,13 @@
       </p:sp>
       <p:sp>
         <p:nvSpPr>
-          <p:cNvPr id="30" name="Rectangle 29"/>
+          <p:cNvPr id="26" name="Rectangle 25"/>
           <p:cNvSpPr/>
           <p:nvPr/>
         </p:nvSpPr>
         <p:spPr>
           <a:xfrm>
-            <a:off x="8611388" y="3413512"/>
+            <a:off x="8611388" y="1301740"/>
             <a:ext cx="858588" cy="1398328"/>
           </a:xfrm>
           <a:prstGeom prst="rect">
@@ -4198,6 +4400,112 @@
       </p:sp>
       <p:sp>
         <p:nvSpPr>
+          <p:cNvPr id="29" name="Rectangle 28"/>
+          <p:cNvSpPr/>
+          <p:nvPr/>
+        </p:nvSpPr>
+        <p:spPr>
+          <a:xfrm>
+            <a:off x="9469976" y="3413512"/>
+            <a:ext cx="858588" cy="1398328"/>
+          </a:xfrm>
+          <a:prstGeom prst="rect">
+            <a:avLst/>
+          </a:prstGeom>
+          <a:solidFill>
+            <a:schemeClr val="accent1">
+              <a:lumMod val="20000"/>
+              <a:lumOff val="80000"/>
+            </a:schemeClr>
+          </a:solidFill>
+          <a:ln>
+            <a:solidFill>
+              <a:schemeClr val="bg2">
+                <a:lumMod val="50000"/>
+              </a:schemeClr>
+            </a:solidFill>
+          </a:ln>
+        </p:spPr>
+        <p:style>
+          <a:lnRef idx="2">
+            <a:schemeClr val="accent1">
+              <a:shade val="50000"/>
+            </a:schemeClr>
+          </a:lnRef>
+          <a:fillRef idx="1">
+            <a:schemeClr val="accent1"/>
+          </a:fillRef>
+          <a:effectRef idx="0">
+            <a:schemeClr val="accent1"/>
+          </a:effectRef>
+          <a:fontRef idx="minor">
+            <a:schemeClr val="lt1"/>
+          </a:fontRef>
+        </p:style>
+        <p:txBody>
+          <a:bodyPr rtlCol="0" anchor="ctr"/>
+          <a:lstStyle/>
+          <a:p>
+            <a:pPr algn="ctr"/>
+            <a:endParaRPr lang="fr-FR"/>
+          </a:p>
+        </p:txBody>
+      </p:sp>
+      <p:sp>
+        <p:nvSpPr>
+          <p:cNvPr id="30" name="Rectangle 29"/>
+          <p:cNvSpPr/>
+          <p:nvPr/>
+        </p:nvSpPr>
+        <p:spPr>
+          <a:xfrm>
+            <a:off x="8611388" y="3413512"/>
+            <a:ext cx="858588" cy="1398328"/>
+          </a:xfrm>
+          <a:prstGeom prst="rect">
+            <a:avLst/>
+          </a:prstGeom>
+          <a:solidFill>
+            <a:schemeClr val="accent1">
+              <a:lumMod val="20000"/>
+              <a:lumOff val="80000"/>
+            </a:schemeClr>
+          </a:solidFill>
+          <a:ln>
+            <a:solidFill>
+              <a:schemeClr val="bg2">
+                <a:lumMod val="50000"/>
+              </a:schemeClr>
+            </a:solidFill>
+          </a:ln>
+        </p:spPr>
+        <p:style>
+          <a:lnRef idx="2">
+            <a:schemeClr val="accent1">
+              <a:shade val="50000"/>
+            </a:schemeClr>
+          </a:lnRef>
+          <a:fillRef idx="1">
+            <a:schemeClr val="accent1"/>
+          </a:fillRef>
+          <a:effectRef idx="0">
+            <a:schemeClr val="accent1"/>
+          </a:effectRef>
+          <a:fontRef idx="minor">
+            <a:schemeClr val="lt1"/>
+          </a:fontRef>
+        </p:style>
+        <p:txBody>
+          <a:bodyPr rtlCol="0" anchor="ctr"/>
+          <a:lstStyle/>
+          <a:p>
+            <a:pPr algn="ctr"/>
+            <a:endParaRPr lang="fr-FR"/>
+          </a:p>
+        </p:txBody>
+      </p:sp>
+      <p:sp>
+        <p:nvSpPr>
           <p:cNvPr id="32" name="ZoneTexte 31"/>
           <p:cNvSpPr txBox="1"/>
           <p:nvPr/>
@@ -4358,7 +4666,7 @@
         </p:nvCxnSpPr>
         <p:spPr>
           <a:xfrm>
-            <a:off x="11103603" y="4811840"/>
+            <a:off x="11146733" y="4811840"/>
             <a:ext cx="1" cy="1071372"/>
           </a:xfrm>
           <a:prstGeom prst="straightConnector1">
@@ -4400,6 +4708,434 @@
           <a:xfrm>
             <a:off x="7614579" y="1259455"/>
             <a:ext cx="3650321" cy="4632385"/>
+          </a:xfrm>
+          <a:prstGeom prst="rect">
+            <a:avLst/>
+          </a:prstGeom>
+          <a:noFill/>
+          <a:ln w="76200">
+            <a:solidFill>
+              <a:schemeClr val="tx1">
+                <a:lumMod val="50000"/>
+                <a:lumOff val="50000"/>
+              </a:schemeClr>
+            </a:solidFill>
+          </a:ln>
+        </p:spPr>
+        <p:style>
+          <a:lnRef idx="2">
+            <a:schemeClr val="accent1">
+              <a:shade val="50000"/>
+            </a:schemeClr>
+          </a:lnRef>
+          <a:fillRef idx="1">
+            <a:schemeClr val="accent1"/>
+          </a:fillRef>
+          <a:effectRef idx="0">
+            <a:schemeClr val="accent1"/>
+          </a:effectRef>
+          <a:fontRef idx="minor">
+            <a:schemeClr val="lt1"/>
+          </a:fontRef>
+        </p:style>
+        <p:txBody>
+          <a:bodyPr rtlCol="0" anchor="ctr"/>
+          <a:lstStyle/>
+          <a:p>
+            <a:pPr algn="ctr"/>
+            <a:endParaRPr lang="fr-FR"/>
+          </a:p>
+        </p:txBody>
+      </p:sp>
+      <p:sp>
+        <p:nvSpPr>
+          <p:cNvPr id="19" name="Rectangle 18"/>
+          <p:cNvSpPr/>
+          <p:nvPr/>
+        </p:nvSpPr>
+        <p:spPr>
+          <a:xfrm>
+            <a:off x="859979" y="338195"/>
+            <a:ext cx="5960853" cy="6150634"/>
+          </a:xfrm>
+          <a:prstGeom prst="rect">
+            <a:avLst/>
+          </a:prstGeom>
+          <a:noFill/>
+          <a:ln>
+            <a:noFill/>
+          </a:ln>
+        </p:spPr>
+        <p:style>
+          <a:lnRef idx="2">
+            <a:schemeClr val="accent1">
+              <a:shade val="50000"/>
+            </a:schemeClr>
+          </a:lnRef>
+          <a:fillRef idx="1">
+            <a:schemeClr val="accent1"/>
+          </a:fillRef>
+          <a:effectRef idx="0">
+            <a:schemeClr val="accent1"/>
+          </a:effectRef>
+          <a:fontRef idx="minor">
+            <a:schemeClr val="lt1"/>
+          </a:fontRef>
+        </p:style>
+        <p:txBody>
+          <a:bodyPr rtlCol="0" anchor="ctr"/>
+          <a:lstStyle/>
+          <a:p>
+            <a:pPr algn="ctr"/>
+            <a:endParaRPr lang="fr-FR"/>
+          </a:p>
+        </p:txBody>
+      </p:sp>
+      <p:sp>
+        <p:nvSpPr>
+          <p:cNvPr id="24" name="Arc 23"/>
+          <p:cNvSpPr/>
+          <p:nvPr/>
+        </p:nvSpPr>
+        <p:spPr>
+          <a:xfrm rot="16200000">
+            <a:off x="4468771" y="2848010"/>
+            <a:ext cx="2160000" cy="2160000"/>
+          </a:xfrm>
+          <a:prstGeom prst="arc">
+            <a:avLst>
+              <a:gd name="adj1" fmla="val 16288922"/>
+              <a:gd name="adj2" fmla="val 0"/>
+            </a:avLst>
+          </a:prstGeom>
+          <a:ln>
+            <a:prstDash val="lgDash"/>
+          </a:ln>
+        </p:spPr>
+        <p:style>
+          <a:lnRef idx="1">
+            <a:schemeClr val="dk1"/>
+          </a:lnRef>
+          <a:fillRef idx="0">
+            <a:schemeClr val="dk1"/>
+          </a:fillRef>
+          <a:effectRef idx="0">
+            <a:schemeClr val="dk1"/>
+          </a:effectRef>
+          <a:fontRef idx="minor">
+            <a:schemeClr val="tx1"/>
+          </a:fontRef>
+        </p:style>
+        <p:txBody>
+          <a:bodyPr rtlCol="0" anchor="ctr"/>
+          <a:lstStyle/>
+          <a:p>
+            <a:pPr algn="ctr"/>
+            <a:endParaRPr lang="fr-FR">
+              <a:ln>
+                <a:solidFill>
+                  <a:schemeClr val="bg2">
+                    <a:lumMod val="50000"/>
+                  </a:schemeClr>
+                </a:solidFill>
+              </a:ln>
+            </a:endParaRPr>
+          </a:p>
+        </p:txBody>
+      </p:sp>
+      <p:sp>
+        <p:nvSpPr>
+          <p:cNvPr id="34" name="ZoneTexte 33"/>
+          <p:cNvSpPr txBox="1"/>
+          <p:nvPr/>
+        </p:nvSpPr>
+        <p:spPr>
+          <a:xfrm>
+            <a:off x="4999356" y="439247"/>
+            <a:ext cx="572593" cy="369332"/>
+          </a:xfrm>
+          <a:prstGeom prst="rect">
+            <a:avLst/>
+          </a:prstGeom>
+          <a:noFill/>
+        </p:spPr>
+        <p:txBody>
+          <a:bodyPr wrap="none" rtlCol="0">
+            <a:spAutoFit/>
+          </a:bodyPr>
+          <a:lstStyle/>
+          <a:p>
+            <a:r>
+              <a:rPr lang="fr-FR" dirty="0" smtClean="0"/>
+              <a:t>IMA</a:t>
+            </a:r>
+            <a:endParaRPr lang="fr-FR" dirty="0"/>
+          </a:p>
+        </p:txBody>
+      </p:sp>
+      <p:cxnSp>
+        <p:nvCxnSpPr>
+          <p:cNvPr id="43" name="Connecteur droit avec flèche 42"/>
+          <p:cNvCxnSpPr/>
+          <p:nvPr/>
+        </p:nvCxnSpPr>
+        <p:spPr>
+          <a:xfrm>
+            <a:off x="5538750" y="2848010"/>
+            <a:ext cx="1" cy="1071372"/>
+          </a:xfrm>
+          <a:prstGeom prst="straightConnector1">
+            <a:avLst/>
+          </a:prstGeom>
+          <a:ln w="38100">
+            <a:solidFill>
+              <a:schemeClr val="tx1">
+                <a:lumMod val="50000"/>
+                <a:lumOff val="50000"/>
+              </a:schemeClr>
+            </a:solidFill>
+            <a:headEnd type="none" w="med" len="med"/>
+            <a:tailEnd type="none" w="med" len="med"/>
+          </a:ln>
+        </p:spPr>
+        <p:style>
+          <a:lnRef idx="1">
+            <a:schemeClr val="accent1"/>
+          </a:lnRef>
+          <a:fillRef idx="0">
+            <a:schemeClr val="accent1"/>
+          </a:fillRef>
+          <a:effectRef idx="0">
+            <a:schemeClr val="accent1"/>
+          </a:effectRef>
+          <a:fontRef idx="minor">
+            <a:schemeClr val="tx1"/>
+          </a:fontRef>
+        </p:style>
+      </p:cxnSp>
+      <p:sp>
+        <p:nvSpPr>
+          <p:cNvPr id="52" name="Rectangle 51"/>
+          <p:cNvSpPr/>
+          <p:nvPr/>
+        </p:nvSpPr>
+        <p:spPr>
+          <a:xfrm>
+            <a:off x="2032880" y="2219534"/>
+            <a:ext cx="858588" cy="1699848"/>
+          </a:xfrm>
+          <a:prstGeom prst="rect">
+            <a:avLst/>
+          </a:prstGeom>
+          <a:solidFill>
+            <a:schemeClr val="accent1">
+              <a:lumMod val="20000"/>
+              <a:lumOff val="80000"/>
+            </a:schemeClr>
+          </a:solidFill>
+          <a:ln>
+            <a:solidFill>
+              <a:schemeClr val="bg2">
+                <a:lumMod val="50000"/>
+              </a:schemeClr>
+            </a:solidFill>
+          </a:ln>
+        </p:spPr>
+        <p:style>
+          <a:lnRef idx="2">
+            <a:schemeClr val="accent1">
+              <a:shade val="50000"/>
+            </a:schemeClr>
+          </a:lnRef>
+          <a:fillRef idx="1">
+            <a:schemeClr val="accent1"/>
+          </a:fillRef>
+          <a:effectRef idx="0">
+            <a:schemeClr val="accent1"/>
+          </a:effectRef>
+          <a:fontRef idx="minor">
+            <a:schemeClr val="lt1"/>
+          </a:fontRef>
+        </p:style>
+        <p:txBody>
+          <a:bodyPr rtlCol="0" anchor="ctr"/>
+          <a:lstStyle/>
+          <a:p>
+            <a:pPr algn="ctr"/>
+            <a:endParaRPr lang="fr-FR"/>
+          </a:p>
+        </p:txBody>
+      </p:sp>
+      <p:sp>
+        <p:nvSpPr>
+          <p:cNvPr id="53" name="Rectangle 52"/>
+          <p:cNvSpPr/>
+          <p:nvPr/>
+        </p:nvSpPr>
+        <p:spPr>
+          <a:xfrm rot="10800000">
+            <a:off x="4769544" y="776444"/>
+            <a:ext cx="858588" cy="1588554"/>
+          </a:xfrm>
+          <a:prstGeom prst="rect">
+            <a:avLst/>
+          </a:prstGeom>
+          <a:solidFill>
+            <a:schemeClr val="accent1">
+              <a:lumMod val="20000"/>
+              <a:lumOff val="80000"/>
+            </a:schemeClr>
+          </a:solidFill>
+          <a:ln>
+            <a:solidFill>
+              <a:schemeClr val="bg2">
+                <a:lumMod val="50000"/>
+              </a:schemeClr>
+            </a:solidFill>
+          </a:ln>
+        </p:spPr>
+        <p:style>
+          <a:lnRef idx="2">
+            <a:schemeClr val="accent1">
+              <a:shade val="50000"/>
+            </a:schemeClr>
+          </a:lnRef>
+          <a:fillRef idx="1">
+            <a:schemeClr val="accent1"/>
+          </a:fillRef>
+          <a:effectRef idx="0">
+            <a:schemeClr val="accent1"/>
+          </a:effectRef>
+          <a:fontRef idx="minor">
+            <a:schemeClr val="lt1"/>
+          </a:fontRef>
+        </p:style>
+        <p:txBody>
+          <a:bodyPr rtlCol="0" anchor="ctr"/>
+          <a:lstStyle/>
+          <a:p>
+            <a:pPr algn="ctr"/>
+            <a:endParaRPr lang="fr-FR"/>
+          </a:p>
+        </p:txBody>
+      </p:sp>
+      <p:sp>
+        <p:nvSpPr>
+          <p:cNvPr id="41" name="ZoneTexte 40"/>
+          <p:cNvSpPr txBox="1"/>
+          <p:nvPr/>
+        </p:nvSpPr>
+        <p:spPr>
+          <a:xfrm>
+            <a:off x="2348977" y="1106924"/>
+            <a:ext cx="1026436" cy="369332"/>
+          </a:xfrm>
+          <a:prstGeom prst="rect">
+            <a:avLst/>
+          </a:prstGeom>
+          <a:noFill/>
+        </p:spPr>
+        <p:txBody>
+          <a:bodyPr wrap="none" rtlCol="0">
+            <a:spAutoFit/>
+          </a:bodyPr>
+          <a:lstStyle/>
+          <a:p>
+            <a:pPr algn="ctr"/>
+            <a:r>
+              <a:rPr lang="fr-FR" dirty="0" smtClean="0"/>
+              <a:t>Bureau 2</a:t>
+            </a:r>
+            <a:endParaRPr lang="fr-FR" dirty="0"/>
+          </a:p>
+        </p:txBody>
+      </p:sp>
+      <p:sp>
+        <p:nvSpPr>
+          <p:cNvPr id="54" name="ZoneTexte 53"/>
+          <p:cNvSpPr txBox="1"/>
+          <p:nvPr/>
+        </p:nvSpPr>
+        <p:spPr>
+          <a:xfrm>
+            <a:off x="2033824" y="2744480"/>
+            <a:ext cx="856517" cy="646331"/>
+          </a:xfrm>
+          <a:prstGeom prst="rect">
+            <a:avLst/>
+          </a:prstGeom>
+          <a:noFill/>
+        </p:spPr>
+        <p:txBody>
+          <a:bodyPr wrap="none" rtlCol="0">
+            <a:spAutoFit/>
+          </a:bodyPr>
+          <a:lstStyle/>
+          <a:p>
+            <a:pPr algn="ctr"/>
+            <a:r>
+              <a:rPr lang="fr-FR" dirty="0" smtClean="0"/>
+              <a:t>Bureau</a:t>
+            </a:r>
+          </a:p>
+          <a:p>
+            <a:pPr algn="ctr"/>
+            <a:r>
+              <a:rPr lang="fr-FR" dirty="0"/>
+              <a:t>1</a:t>
+            </a:r>
+            <a:endParaRPr lang="fr-FR" dirty="0"/>
+          </a:p>
+        </p:txBody>
+      </p:sp>
+      <p:sp>
+        <p:nvSpPr>
+          <p:cNvPr id="55" name="ZoneTexte 54"/>
+          <p:cNvSpPr txBox="1"/>
+          <p:nvPr/>
+        </p:nvSpPr>
+        <p:spPr>
+          <a:xfrm>
+            <a:off x="4798080" y="1247554"/>
+            <a:ext cx="856517" cy="646331"/>
+          </a:xfrm>
+          <a:prstGeom prst="rect">
+            <a:avLst/>
+          </a:prstGeom>
+          <a:noFill/>
+        </p:spPr>
+        <p:txBody>
+          <a:bodyPr wrap="none" rtlCol="0">
+            <a:spAutoFit/>
+          </a:bodyPr>
+          <a:lstStyle/>
+          <a:p>
+            <a:pPr algn="ctr"/>
+            <a:r>
+              <a:rPr lang="fr-FR" dirty="0" smtClean="0"/>
+              <a:t>Bureau</a:t>
+            </a:r>
+          </a:p>
+          <a:p>
+            <a:pPr algn="ctr"/>
+            <a:r>
+              <a:rPr lang="fr-FR" dirty="0" smtClean="0"/>
+              <a:t>3</a:t>
+            </a:r>
+            <a:endParaRPr lang="fr-FR" dirty="0"/>
+          </a:p>
+        </p:txBody>
+      </p:sp>
+      <p:sp>
+        <p:nvSpPr>
+          <p:cNvPr id="44" name="Rectangle 43"/>
+          <p:cNvSpPr/>
+          <p:nvPr/>
+        </p:nvSpPr>
+        <p:spPr>
+          <a:xfrm>
+            <a:off x="1997970" y="808579"/>
+            <a:ext cx="3650321" cy="3119432"/>
           </a:xfrm>
           <a:prstGeom prst="rect">
             <a:avLst/>
@@ -4722,15 +5458,6 @@
 </file>
 
 <file path=customXml/item2.xml><?xml version="1.0" encoding="utf-8"?>
-<?mso-contentType ?>
-<FormTemplates xmlns="http://schemas.microsoft.com/sharepoint/v3/contenttype/forms">
-  <Display>DocumentLibraryForm</Display>
-  <Edit>DocumentLibraryForm</Edit>
-  <New>DocumentLibraryForm</New>
-</FormTemplates>
-</file>
-
-<file path=customXml/item3.xml><?xml version="1.0" encoding="utf-8"?>
 <ct:contentTypeSchema xmlns:ct="http://schemas.microsoft.com/office/2006/metadata/contentType" xmlns:ma="http://schemas.microsoft.com/office/2006/metadata/properties/metaAttributes" ct:_="" ma:_="" ma:contentTypeName="Document" ma:contentTypeID="0x0101005F1C601D9B9C5C4292CFD4002C6BAA3A" ma:contentTypeVersion="17" ma:contentTypeDescription="Crée un document." ma:contentTypeScope="" ma:versionID="a7bfeedd2762d115df800ee9cca42e60">
   <xsd:schema xmlns:xsd="http://www.w3.org/2001/XMLSchema" xmlns:xs="http://www.w3.org/2001/XMLSchema" xmlns:p="http://schemas.microsoft.com/office/2006/metadata/properties" xmlns:ns3="230486b7-ae46-4a7b-9810-315006c8cb07" xmlns:ns4="c8438557-ce8b-4c4c-b94d-6a2491d2cc6d" targetNamespace="http://schemas.microsoft.com/office/2006/metadata/properties" ma:root="true" ma:fieldsID="73195a20d9c65782479758781ad3e71c" ns3:_="" ns4:_="">
     <xsd:import namespace="230486b7-ae46-4a7b-9810-315006c8cb07"/>
@@ -4977,32 +5704,33 @@
 </ct:contentTypeSchema>
 </file>
 
+<file path=customXml/item3.xml><?xml version="1.0" encoding="utf-8"?>
+<?mso-contentType ?>
+<FormTemplates xmlns="http://schemas.microsoft.com/sharepoint/v3/contenttype/forms">
+  <Display>DocumentLibraryForm</Display>
+  <Edit>DocumentLibraryForm</Edit>
+  <New>DocumentLibraryForm</New>
+</FormTemplates>
+</file>
+
 <file path=customXml/itemProps1.xml><?xml version="1.0" encoding="utf-8"?>
 <ds:datastoreItem xmlns:ds="http://schemas.openxmlformats.org/officeDocument/2006/customXml" ds:itemID="{2EE87A21-A4D5-43A5-A22C-D906B17EB041}">
   <ds:schemaRefs>
+    <ds:schemaRef ds:uri="http://schemas.microsoft.com/office/2006/metadata/properties"/>
+    <ds:schemaRef ds:uri="230486b7-ae46-4a7b-9810-315006c8cb07"/>
+    <ds:schemaRef ds:uri="http://schemas.microsoft.com/office/2006/documentManagement/types"/>
+    <ds:schemaRef ds:uri="http://schemas.microsoft.com/office/infopath/2007/PartnerControls"/>
     <ds:schemaRef ds:uri="http://www.w3.org/XML/1998/namespace"/>
-    <ds:schemaRef ds:uri="http://schemas.microsoft.com/office/2006/metadata/properties"/>
-    <ds:schemaRef ds:uri="http://schemas.microsoft.com/office/2006/documentManagement/types"/>
-    <ds:schemaRef ds:uri="230486b7-ae46-4a7b-9810-315006c8cb07"/>
     <ds:schemaRef ds:uri="http://purl.org/dc/elements/1.1/"/>
-    <ds:schemaRef ds:uri="http://purl.org/dc/dcmitype/"/>
     <ds:schemaRef ds:uri="http://purl.org/dc/terms/"/>
-    <ds:schemaRef ds:uri="http://schemas.microsoft.com/office/infopath/2007/PartnerControls"/>
     <ds:schemaRef ds:uri="http://schemas.openxmlformats.org/package/2006/metadata/core-properties"/>
     <ds:schemaRef ds:uri="c8438557-ce8b-4c4c-b94d-6a2491d2cc6d"/>
+    <ds:schemaRef ds:uri="http://purl.org/dc/dcmitype/"/>
   </ds:schemaRefs>
 </ds:datastoreItem>
 </file>
 
 <file path=customXml/itemProps2.xml><?xml version="1.0" encoding="utf-8"?>
-<ds:datastoreItem xmlns:ds="http://schemas.openxmlformats.org/officeDocument/2006/customXml" ds:itemID="{F1DF9C5F-EB5E-4E63-B7DD-0B2C199700E3}">
-  <ds:schemaRefs>
-    <ds:schemaRef ds:uri="http://schemas.microsoft.com/sharepoint/v3/contenttype/forms"/>
-  </ds:schemaRefs>
-</ds:datastoreItem>
-</file>
-
-<file path=customXml/itemProps3.xml><?xml version="1.0" encoding="utf-8"?>
 <ds:datastoreItem xmlns:ds="http://schemas.openxmlformats.org/officeDocument/2006/customXml" ds:itemID="{7F75E811-EA07-44F4-AA6B-E7BF7FA7512A}">
   <ds:schemaRefs>
     <ds:schemaRef ds:uri="http://schemas.microsoft.com/office/2006/metadata/contentType"/>
@@ -5019,4 +5747,12 @@
     <ds:schemaRef ds:uri="http://schemas.microsoft.com/internal/obd"/>
   </ds:schemaRefs>
 </ds:datastoreItem>
+</file>
+
+<file path=customXml/itemProps3.xml><?xml version="1.0" encoding="utf-8"?>
+<ds:datastoreItem xmlns:ds="http://schemas.openxmlformats.org/officeDocument/2006/customXml" ds:itemID="{F1DF9C5F-EB5E-4E63-B7DD-0B2C199700E3}">
+  <ds:schemaRefs>
+    <ds:schemaRef ds:uri="http://schemas.microsoft.com/sharepoint/v3/contenttype/forms"/>
+  </ds:schemaRefs>
+</ds:datastoreItem>
 </file>
--- a/Présentation2.pptx
+++ b/Présentation2.pptx
@@ -244,7 +244,7 @@
           <a:p>
             <a:fld id="{616950F1-39CC-4E23-98D0-E03E8AA9E358}" type="datetimeFigureOut">
               <a:rPr lang="fr-FR" smtClean="0"/>
-              <a:t>21/11/2023</a:t>
+              <a:t>27/11/2023</a:t>
             </a:fld>
             <a:endParaRPr lang="fr-FR"/>
           </a:p>
@@ -414,7 +414,7 @@
           <a:p>
             <a:fld id="{616950F1-39CC-4E23-98D0-E03E8AA9E358}" type="datetimeFigureOut">
               <a:rPr lang="fr-FR" smtClean="0"/>
-              <a:t>21/11/2023</a:t>
+              <a:t>27/11/2023</a:t>
             </a:fld>
             <a:endParaRPr lang="fr-FR"/>
           </a:p>
@@ -594,7 +594,7 @@
           <a:p>
             <a:fld id="{616950F1-39CC-4E23-98D0-E03E8AA9E358}" type="datetimeFigureOut">
               <a:rPr lang="fr-FR" smtClean="0"/>
-              <a:t>21/11/2023</a:t>
+              <a:t>27/11/2023</a:t>
             </a:fld>
             <a:endParaRPr lang="fr-FR"/>
           </a:p>
@@ -764,7 +764,7 @@
           <a:p>
             <a:fld id="{616950F1-39CC-4E23-98D0-E03E8AA9E358}" type="datetimeFigureOut">
               <a:rPr lang="fr-FR" smtClean="0"/>
-              <a:t>21/11/2023</a:t>
+              <a:t>27/11/2023</a:t>
             </a:fld>
             <a:endParaRPr lang="fr-FR"/>
           </a:p>
@@ -1010,7 +1010,7 @@
           <a:p>
             <a:fld id="{616950F1-39CC-4E23-98D0-E03E8AA9E358}" type="datetimeFigureOut">
               <a:rPr lang="fr-FR" smtClean="0"/>
-              <a:t>21/11/2023</a:t>
+              <a:t>27/11/2023</a:t>
             </a:fld>
             <a:endParaRPr lang="fr-FR"/>
           </a:p>
@@ -1242,7 +1242,7 @@
           <a:p>
             <a:fld id="{616950F1-39CC-4E23-98D0-E03E8AA9E358}" type="datetimeFigureOut">
               <a:rPr lang="fr-FR" smtClean="0"/>
-              <a:t>21/11/2023</a:t>
+              <a:t>27/11/2023</a:t>
             </a:fld>
             <a:endParaRPr lang="fr-FR"/>
           </a:p>
@@ -1609,7 +1609,7 @@
           <a:p>
             <a:fld id="{616950F1-39CC-4E23-98D0-E03E8AA9E358}" type="datetimeFigureOut">
               <a:rPr lang="fr-FR" smtClean="0"/>
-              <a:t>21/11/2023</a:t>
+              <a:t>27/11/2023</a:t>
             </a:fld>
             <a:endParaRPr lang="fr-FR"/>
           </a:p>
@@ -1727,7 +1727,7 @@
           <a:p>
             <a:fld id="{616950F1-39CC-4E23-98D0-E03E8AA9E358}" type="datetimeFigureOut">
               <a:rPr lang="fr-FR" smtClean="0"/>
-              <a:t>21/11/2023</a:t>
+              <a:t>27/11/2023</a:t>
             </a:fld>
             <a:endParaRPr lang="fr-FR"/>
           </a:p>
@@ -1822,7 +1822,7 @@
           <a:p>
             <a:fld id="{616950F1-39CC-4E23-98D0-E03E8AA9E358}" type="datetimeFigureOut">
               <a:rPr lang="fr-FR" smtClean="0"/>
-              <a:t>21/11/2023</a:t>
+              <a:t>27/11/2023</a:t>
             </a:fld>
             <a:endParaRPr lang="fr-FR"/>
           </a:p>
@@ -2099,7 +2099,7 @@
           <a:p>
             <a:fld id="{616950F1-39CC-4E23-98D0-E03E8AA9E358}" type="datetimeFigureOut">
               <a:rPr lang="fr-FR" smtClean="0"/>
-              <a:t>21/11/2023</a:t>
+              <a:t>27/11/2023</a:t>
             </a:fld>
             <a:endParaRPr lang="fr-FR"/>
           </a:p>
@@ -2352,7 +2352,7 @@
           <a:p>
             <a:fld id="{616950F1-39CC-4E23-98D0-E03E8AA9E358}" type="datetimeFigureOut">
               <a:rPr lang="fr-FR" smtClean="0"/>
-              <a:t>21/11/2023</a:t>
+              <a:t>27/11/2023</a:t>
             </a:fld>
             <a:endParaRPr lang="fr-FR"/>
           </a:p>
@@ -2565,7 +2565,7 @@
           <a:p>
             <a:fld id="{616950F1-39CC-4E23-98D0-E03E8AA9E358}" type="datetimeFigureOut">
               <a:rPr lang="fr-FR" smtClean="0"/>
-              <a:t>21/11/2023</a:t>
+              <a:t>27/11/2023</a:t>
             </a:fld>
             <a:endParaRPr lang="fr-FR"/>
           </a:p>
@@ -2978,7 +2978,7 @@
         </p:nvSpPr>
         <p:spPr>
           <a:xfrm>
-            <a:off x="517150" y="1040332"/>
+            <a:off x="523498" y="1350883"/>
             <a:ext cx="5960853" cy="6150634"/>
           </a:xfrm>
           <a:prstGeom prst="rect">
@@ -3016,345 +3016,34 @@
       </p:sp>
       <p:sp>
         <p:nvSpPr>
-          <p:cNvPr id="41" name="Ellipse 40"/>
-          <p:cNvSpPr/>
+          <p:cNvPr id="31" name="ZoneTexte 30"/>
+          <p:cNvSpPr txBox="1"/>
           <p:nvPr/>
         </p:nvSpPr>
         <p:spPr>
           <a:xfrm>
-            <a:off x="2837902" y="2183081"/>
-            <a:ext cx="804193" cy="804193"/>
-          </a:xfrm>
-          <a:prstGeom prst="ellipse">
-            <a:avLst/>
-          </a:prstGeom>
-          <a:solidFill>
-            <a:schemeClr val="bg2">
-              <a:lumMod val="90000"/>
-            </a:schemeClr>
-          </a:solidFill>
-          <a:ln>
-            <a:solidFill>
-              <a:schemeClr val="bg2">
-                <a:lumMod val="50000"/>
-              </a:schemeClr>
-            </a:solidFill>
-          </a:ln>
-        </p:spPr>
-        <p:style>
-          <a:lnRef idx="2">
-            <a:schemeClr val="accent1">
-              <a:shade val="50000"/>
-            </a:schemeClr>
-          </a:lnRef>
-          <a:fillRef idx="1">
-            <a:schemeClr val="accent1"/>
-          </a:fillRef>
-          <a:effectRef idx="0">
-            <a:schemeClr val="accent1"/>
-          </a:effectRef>
-          <a:fontRef idx="minor">
-            <a:schemeClr val="lt1"/>
-          </a:fontRef>
-        </p:style>
-        <p:txBody>
-          <a:bodyPr rtlCol="0" anchor="ctr"/>
-          <a:lstStyle/>
-          <a:p>
-            <a:pPr algn="ctr"/>
-            <a:endParaRPr lang="fr-FR"/>
-          </a:p>
-        </p:txBody>
-      </p:sp>
-      <p:sp>
-        <p:nvSpPr>
-          <p:cNvPr id="42" name="Ellipse 41"/>
-          <p:cNvSpPr/>
-          <p:nvPr/>
-        </p:nvSpPr>
-        <p:spPr>
-          <a:xfrm>
-            <a:off x="4777760" y="2183081"/>
-            <a:ext cx="804193" cy="804193"/>
-          </a:xfrm>
-          <a:prstGeom prst="ellipse">
-            <a:avLst/>
-          </a:prstGeom>
-          <a:solidFill>
-            <a:schemeClr val="bg2">
-              <a:lumMod val="90000"/>
-            </a:schemeClr>
-          </a:solidFill>
-          <a:ln>
-            <a:solidFill>
-              <a:schemeClr val="bg2">
-                <a:lumMod val="50000"/>
-              </a:schemeClr>
-            </a:solidFill>
-          </a:ln>
-        </p:spPr>
-        <p:style>
-          <a:lnRef idx="2">
-            <a:schemeClr val="accent1">
-              <a:shade val="50000"/>
-            </a:schemeClr>
-          </a:lnRef>
-          <a:fillRef idx="1">
-            <a:schemeClr val="accent1"/>
-          </a:fillRef>
-          <a:effectRef idx="0">
-            <a:schemeClr val="accent1"/>
-          </a:effectRef>
-          <a:fontRef idx="minor">
-            <a:schemeClr val="lt1"/>
-          </a:fontRef>
-        </p:style>
-        <p:txBody>
-          <a:bodyPr rtlCol="0" anchor="ctr"/>
-          <a:lstStyle/>
-          <a:p>
-            <a:pPr algn="ctr"/>
-            <a:endParaRPr lang="fr-FR"/>
-          </a:p>
-        </p:txBody>
-      </p:sp>
-      <p:sp>
-        <p:nvSpPr>
-          <p:cNvPr id="43" name="Ellipse 42"/>
-          <p:cNvSpPr/>
-          <p:nvPr/>
-        </p:nvSpPr>
-        <p:spPr>
-          <a:xfrm>
-            <a:off x="2813474" y="4354896"/>
-            <a:ext cx="804193" cy="804193"/>
-          </a:xfrm>
-          <a:prstGeom prst="ellipse">
-            <a:avLst/>
-          </a:prstGeom>
-          <a:solidFill>
-            <a:schemeClr val="bg2">
-              <a:lumMod val="90000"/>
-            </a:schemeClr>
-          </a:solidFill>
-          <a:ln>
-            <a:solidFill>
-              <a:schemeClr val="bg2">
-                <a:lumMod val="50000"/>
-              </a:schemeClr>
-            </a:solidFill>
-          </a:ln>
-        </p:spPr>
-        <p:style>
-          <a:lnRef idx="2">
-            <a:schemeClr val="accent1">
-              <a:shade val="50000"/>
-            </a:schemeClr>
-          </a:lnRef>
-          <a:fillRef idx="1">
-            <a:schemeClr val="accent1"/>
-          </a:fillRef>
-          <a:effectRef idx="0">
-            <a:schemeClr val="accent1"/>
-          </a:effectRef>
-          <a:fontRef idx="minor">
-            <a:schemeClr val="lt1"/>
-          </a:fontRef>
-        </p:style>
-        <p:txBody>
-          <a:bodyPr rtlCol="0" anchor="ctr"/>
-          <a:lstStyle/>
-          <a:p>
-            <a:pPr algn="ctr"/>
-            <a:endParaRPr lang="fr-FR"/>
-          </a:p>
-        </p:txBody>
-      </p:sp>
-      <p:sp>
-        <p:nvSpPr>
-          <p:cNvPr id="44" name="Ellipse 43"/>
-          <p:cNvSpPr/>
-          <p:nvPr/>
-        </p:nvSpPr>
-        <p:spPr>
-          <a:xfrm>
-            <a:off x="4753332" y="4354896"/>
-            <a:ext cx="804193" cy="804193"/>
-          </a:xfrm>
-          <a:prstGeom prst="ellipse">
-            <a:avLst/>
-          </a:prstGeom>
-          <a:solidFill>
-            <a:schemeClr val="bg2">
-              <a:lumMod val="90000"/>
-            </a:schemeClr>
-          </a:solidFill>
-          <a:ln>
-            <a:solidFill>
-              <a:schemeClr val="bg2">
-                <a:lumMod val="50000"/>
-              </a:schemeClr>
-            </a:solidFill>
-          </a:ln>
-        </p:spPr>
-        <p:style>
-          <a:lnRef idx="2">
-            <a:schemeClr val="accent1">
-              <a:shade val="50000"/>
-            </a:schemeClr>
-          </a:lnRef>
-          <a:fillRef idx="1">
-            <a:schemeClr val="accent1"/>
-          </a:fillRef>
-          <a:effectRef idx="0">
-            <a:schemeClr val="accent1"/>
-          </a:effectRef>
-          <a:fontRef idx="minor">
-            <a:schemeClr val="lt1"/>
-          </a:fontRef>
-        </p:style>
-        <p:txBody>
-          <a:bodyPr rtlCol="0" anchor="ctr"/>
-          <a:lstStyle/>
-          <a:p>
-            <a:pPr algn="ctr"/>
-            <a:endParaRPr lang="fr-FR"/>
-          </a:p>
-        </p:txBody>
-      </p:sp>
-      <p:sp>
-        <p:nvSpPr>
-          <p:cNvPr id="18" name="Rectangle 17"/>
-          <p:cNvSpPr/>
-          <p:nvPr/>
-        </p:nvSpPr>
-        <p:spPr>
-          <a:xfrm>
-            <a:off x="2160000" y="2700068"/>
-            <a:ext cx="4019175" cy="1887485"/>
+            <a:off x="5004404" y="1525660"/>
+            <a:ext cx="1273490" cy="369332"/>
           </a:xfrm>
           <a:prstGeom prst="rect">
             <a:avLst/>
           </a:prstGeom>
-          <a:solidFill>
-            <a:schemeClr val="accent1">
-              <a:lumMod val="20000"/>
-              <a:lumOff val="80000"/>
-            </a:schemeClr>
-          </a:solidFill>
-          <a:ln>
-            <a:solidFill>
-              <a:schemeClr val="bg2">
-                <a:lumMod val="50000"/>
-              </a:schemeClr>
-            </a:solidFill>
-          </a:ln>
-        </p:spPr>
-        <p:style>
-          <a:lnRef idx="2">
-            <a:schemeClr val="accent1">
-              <a:shade val="50000"/>
-            </a:schemeClr>
-          </a:lnRef>
-          <a:fillRef idx="1">
-            <a:schemeClr val="accent1"/>
-          </a:fillRef>
-          <a:effectRef idx="0">
-            <a:schemeClr val="accent1"/>
-          </a:effectRef>
-          <a:fontRef idx="minor">
-            <a:schemeClr val="lt1"/>
-          </a:fontRef>
-        </p:style>
-        <p:txBody>
-          <a:bodyPr rtlCol="0" anchor="ctr"/>
-          <a:lstStyle/>
-          <a:p>
-            <a:pPr algn="ctr"/>
+          <a:noFill/>
+        </p:spPr>
+        <p:txBody>
+          <a:bodyPr wrap="none" rtlCol="0">
+            <a:spAutoFit/>
+          </a:bodyPr>
+          <a:lstStyle/>
+          <a:p>
+            <a:r>
+              <a:rPr lang="fr-FR" dirty="0" smtClean="0"/>
+              <a:t>AQUARIUM</a:t>
+            </a:r>
             <a:endParaRPr lang="fr-FR" dirty="0"/>
           </a:p>
         </p:txBody>
       </p:sp>
-      <p:cxnSp>
-        <p:nvCxnSpPr>
-          <p:cNvPr id="20" name="Connecteur droit 19"/>
-          <p:cNvCxnSpPr>
-            <a:stCxn id="18" idx="0"/>
-            <a:endCxn id="18" idx="2"/>
-          </p:cNvCxnSpPr>
-          <p:nvPr/>
-        </p:nvCxnSpPr>
-        <p:spPr>
-          <a:xfrm>
-            <a:off x="4169588" y="2700068"/>
-            <a:ext cx="0" cy="1887485"/>
-          </a:xfrm>
-          <a:prstGeom prst="line">
-            <a:avLst/>
-          </a:prstGeom>
-          <a:ln>
-            <a:solidFill>
-              <a:schemeClr val="bg2">
-                <a:lumMod val="50000"/>
-              </a:schemeClr>
-            </a:solidFill>
-          </a:ln>
-        </p:spPr>
-        <p:style>
-          <a:lnRef idx="1">
-            <a:schemeClr val="accent1"/>
-          </a:lnRef>
-          <a:fillRef idx="0">
-            <a:schemeClr val="accent1"/>
-          </a:fillRef>
-          <a:effectRef idx="0">
-            <a:schemeClr val="accent1"/>
-          </a:effectRef>
-          <a:fontRef idx="minor">
-            <a:schemeClr val="tx1"/>
-          </a:fontRef>
-        </p:style>
-      </p:cxnSp>
-      <p:cxnSp>
-        <p:nvCxnSpPr>
-          <p:cNvPr id="24" name="Connecteur droit 23"/>
-          <p:cNvCxnSpPr>
-            <a:stCxn id="18" idx="1"/>
-            <a:endCxn id="18" idx="3"/>
-          </p:cNvCxnSpPr>
-          <p:nvPr/>
-        </p:nvCxnSpPr>
-        <p:spPr>
-          <a:xfrm>
-            <a:off x="2160000" y="3643811"/>
-            <a:ext cx="4019175" cy="0"/>
-          </a:xfrm>
-          <a:prstGeom prst="line">
-            <a:avLst/>
-          </a:prstGeom>
-          <a:ln>
-            <a:solidFill>
-              <a:schemeClr val="bg2">
-                <a:lumMod val="50000"/>
-              </a:schemeClr>
-            </a:solidFill>
-          </a:ln>
-        </p:spPr>
-        <p:style>
-          <a:lnRef idx="1">
-            <a:schemeClr val="accent1"/>
-          </a:lnRef>
-          <a:fillRef idx="0">
-            <a:schemeClr val="accent1"/>
-          </a:fillRef>
-          <a:effectRef idx="0">
-            <a:schemeClr val="accent1"/>
-          </a:effectRef>
-          <a:fontRef idx="minor">
-            <a:schemeClr val="tx1"/>
-          </a:fontRef>
-        </p:style>
-      </p:cxnSp>
       <p:sp>
         <p:nvSpPr>
           <p:cNvPr id="13" name="Arc 12"/>
@@ -3362,8 +3051,8 @@
           <p:nvPr/>
         </p:nvSpPr>
         <p:spPr>
-          <a:xfrm rot="5400000">
-            <a:off x="0" y="643125"/>
+          <a:xfrm rot="16200000">
+            <a:off x="4812804" y="4524511"/>
             <a:ext cx="2160000" cy="2160000"/>
           </a:xfrm>
           <a:prstGeom prst="arc">
@@ -3407,249 +3096,575 @@
           </a:p>
         </p:txBody>
       </p:sp>
-      <p:cxnSp>
-        <p:nvCxnSpPr>
-          <p:cNvPr id="15" name="Connecteur droit avec flèche 14"/>
-          <p:cNvCxnSpPr/>
+      <p:grpSp>
+        <p:nvGrpSpPr>
+          <p:cNvPr id="3" name="Groupe 2"/>
+          <p:cNvGrpSpPr/>
           <p:nvPr/>
-        </p:nvCxnSpPr>
-        <p:spPr>
-          <a:xfrm>
-            <a:off x="1080000" y="1723125"/>
-            <a:ext cx="1" cy="1071372"/>
-          </a:xfrm>
-          <a:prstGeom prst="straightConnector1">
-            <a:avLst/>
-          </a:prstGeom>
-          <a:ln w="38100">
+        </p:nvGrpSpPr>
+        <p:grpSpPr>
+          <a:xfrm rot="10800000">
+            <a:off x="793629" y="1899464"/>
+            <a:ext cx="5407110" cy="3705047"/>
+            <a:chOff x="772065" y="1723125"/>
+            <a:chExt cx="5407110" cy="3705047"/>
+          </a:xfrm>
+        </p:grpSpPr>
+        <p:sp>
+          <p:nvSpPr>
+            <p:cNvPr id="41" name="Ellipse 40"/>
+            <p:cNvSpPr/>
+            <p:nvPr/>
+          </p:nvSpPr>
+          <p:spPr>
+            <a:xfrm>
+              <a:off x="2837902" y="2183081"/>
+              <a:ext cx="804193" cy="804193"/>
+            </a:xfrm>
+            <a:prstGeom prst="ellipse">
+              <a:avLst/>
+            </a:prstGeom>
             <a:solidFill>
-              <a:schemeClr val="tx1">
-                <a:lumMod val="50000"/>
-                <a:lumOff val="50000"/>
+              <a:schemeClr val="bg2">
+                <a:lumMod val="90000"/>
               </a:schemeClr>
             </a:solidFill>
-            <a:headEnd type="none" w="med" len="med"/>
-            <a:tailEnd type="none" w="med" len="med"/>
-          </a:ln>
-        </p:spPr>
-        <p:style>
-          <a:lnRef idx="1">
-            <a:schemeClr val="accent1"/>
-          </a:lnRef>
-          <a:fillRef idx="0">
-            <a:schemeClr val="accent1"/>
-          </a:fillRef>
-          <a:effectRef idx="0">
-            <a:schemeClr val="accent1"/>
-          </a:effectRef>
-          <a:fontRef idx="minor">
-            <a:schemeClr val="tx1"/>
-          </a:fontRef>
-        </p:style>
-      </p:cxnSp>
-      <p:sp>
-        <p:nvSpPr>
-          <p:cNvPr id="31" name="ZoneTexte 30"/>
-          <p:cNvSpPr txBox="1"/>
-          <p:nvPr/>
-        </p:nvSpPr>
-        <p:spPr>
-          <a:xfrm>
-            <a:off x="4944019" y="1386995"/>
-            <a:ext cx="1273490" cy="369332"/>
-          </a:xfrm>
-          <a:prstGeom prst="rect">
-            <a:avLst/>
-          </a:prstGeom>
-          <a:noFill/>
-        </p:spPr>
-        <p:txBody>
-          <a:bodyPr wrap="none" rtlCol="0">
-            <a:spAutoFit/>
-          </a:bodyPr>
-          <a:lstStyle/>
-          <a:p>
-            <a:r>
-              <a:rPr lang="fr-FR" dirty="0" smtClean="0"/>
-              <a:t>AQUARIUM</a:t>
-            </a:r>
-            <a:endParaRPr lang="fr-FR" dirty="0"/>
-          </a:p>
-        </p:txBody>
-      </p:sp>
-      <p:sp>
-        <p:nvSpPr>
-          <p:cNvPr id="33" name="ZoneTexte 32"/>
-          <p:cNvSpPr txBox="1"/>
-          <p:nvPr/>
-        </p:nvSpPr>
-        <p:spPr>
-          <a:xfrm>
-            <a:off x="2635547" y="2987274"/>
-            <a:ext cx="1058495" cy="369332"/>
-          </a:xfrm>
-          <a:prstGeom prst="rect">
-            <a:avLst/>
-          </a:prstGeom>
-          <a:noFill/>
-        </p:spPr>
-        <p:txBody>
-          <a:bodyPr wrap="none" rtlCol="0">
-            <a:spAutoFit/>
-          </a:bodyPr>
-          <a:lstStyle/>
-          <a:p>
-            <a:pPr algn="ctr"/>
-            <a:r>
-              <a:rPr lang="fr-FR" dirty="0" smtClean="0"/>
-              <a:t>Polochon</a:t>
-            </a:r>
-            <a:endParaRPr lang="fr-FR" dirty="0"/>
-          </a:p>
-        </p:txBody>
-      </p:sp>
-      <p:sp>
-        <p:nvSpPr>
-          <p:cNvPr id="34" name="ZoneTexte 33"/>
-          <p:cNvSpPr txBox="1"/>
-          <p:nvPr/>
-        </p:nvSpPr>
-        <p:spPr>
-          <a:xfrm>
-            <a:off x="4753332" y="2987274"/>
-            <a:ext cx="755335" cy="369332"/>
-          </a:xfrm>
-          <a:prstGeom prst="rect">
-            <a:avLst/>
-          </a:prstGeom>
-          <a:noFill/>
-        </p:spPr>
-        <p:txBody>
-          <a:bodyPr wrap="none" rtlCol="0">
-            <a:spAutoFit/>
-          </a:bodyPr>
-          <a:lstStyle/>
-          <a:p>
-            <a:pPr algn="ctr"/>
-            <a:r>
-              <a:rPr lang="fr-FR" dirty="0" err="1" smtClean="0"/>
-              <a:t>Némo</a:t>
-            </a:r>
-            <a:endParaRPr lang="fr-FR" dirty="0"/>
-          </a:p>
-        </p:txBody>
-      </p:sp>
-      <p:sp>
-        <p:nvSpPr>
-          <p:cNvPr id="35" name="ZoneTexte 34"/>
-          <p:cNvSpPr txBox="1"/>
-          <p:nvPr/>
-        </p:nvSpPr>
-        <p:spPr>
-          <a:xfrm>
-            <a:off x="2832010" y="3931016"/>
-            <a:ext cx="665567" cy="369332"/>
-          </a:xfrm>
-          <a:prstGeom prst="rect">
-            <a:avLst/>
-          </a:prstGeom>
-          <a:noFill/>
-        </p:spPr>
-        <p:txBody>
-          <a:bodyPr wrap="none" rtlCol="0">
-            <a:spAutoFit/>
-          </a:bodyPr>
-          <a:lstStyle/>
-          <a:p>
-            <a:pPr algn="ctr"/>
-            <a:r>
-              <a:rPr lang="fr-FR" dirty="0" smtClean="0"/>
-              <a:t>Hank</a:t>
-            </a:r>
-            <a:endParaRPr lang="fr-FR" dirty="0"/>
-          </a:p>
-        </p:txBody>
-      </p:sp>
-      <p:sp>
-        <p:nvSpPr>
-          <p:cNvPr id="36" name="ZoneTexte 35"/>
-          <p:cNvSpPr txBox="1"/>
-          <p:nvPr/>
-        </p:nvSpPr>
-        <p:spPr>
-          <a:xfrm>
-            <a:off x="4660709" y="3928010"/>
-            <a:ext cx="989438" cy="369332"/>
-          </a:xfrm>
-          <a:prstGeom prst="rect">
-            <a:avLst/>
-          </a:prstGeom>
-          <a:noFill/>
-        </p:spPr>
-        <p:txBody>
-          <a:bodyPr wrap="none" rtlCol="0">
-            <a:spAutoFit/>
-          </a:bodyPr>
-          <a:lstStyle/>
-          <a:p>
-            <a:pPr algn="ctr"/>
-            <a:r>
-              <a:rPr lang="fr-FR" dirty="0" err="1" smtClean="0"/>
-              <a:t>Tamatoa</a:t>
-            </a:r>
-            <a:endParaRPr lang="fr-FR" dirty="0"/>
-          </a:p>
-        </p:txBody>
-      </p:sp>
-      <p:sp>
-        <p:nvSpPr>
-          <p:cNvPr id="4" name="Rectangle 3"/>
-          <p:cNvSpPr/>
-          <p:nvPr/>
-        </p:nvSpPr>
-        <p:spPr>
-          <a:xfrm rot="16200000">
-            <a:off x="1623097" y="872094"/>
-            <a:ext cx="3705046" cy="5407110"/>
-          </a:xfrm>
-          <a:prstGeom prst="rect">
-            <a:avLst/>
-          </a:prstGeom>
-          <a:noFill/>
-          <a:ln w="76200">
+            <a:ln>
+              <a:solidFill>
+                <a:schemeClr val="bg2">
+                  <a:lumMod val="50000"/>
+                </a:schemeClr>
+              </a:solidFill>
+            </a:ln>
+          </p:spPr>
+          <p:style>
+            <a:lnRef idx="2">
+              <a:schemeClr val="accent1">
+                <a:shade val="50000"/>
+              </a:schemeClr>
+            </a:lnRef>
+            <a:fillRef idx="1">
+              <a:schemeClr val="accent1"/>
+            </a:fillRef>
+            <a:effectRef idx="0">
+              <a:schemeClr val="accent1"/>
+            </a:effectRef>
+            <a:fontRef idx="minor">
+              <a:schemeClr val="lt1"/>
+            </a:fontRef>
+          </p:style>
+          <p:txBody>
+            <a:bodyPr rtlCol="0" anchor="ctr"/>
+            <a:lstStyle/>
+            <a:p>
+              <a:pPr algn="ctr"/>
+              <a:endParaRPr lang="fr-FR"/>
+            </a:p>
+          </p:txBody>
+        </p:sp>
+        <p:sp>
+          <p:nvSpPr>
+            <p:cNvPr id="42" name="Ellipse 41"/>
+            <p:cNvSpPr/>
+            <p:nvPr/>
+          </p:nvSpPr>
+          <p:spPr>
+            <a:xfrm>
+              <a:off x="4777760" y="2183081"/>
+              <a:ext cx="804193" cy="804193"/>
+            </a:xfrm>
+            <a:prstGeom prst="ellipse">
+              <a:avLst/>
+            </a:prstGeom>
             <a:solidFill>
-              <a:schemeClr val="tx1">
-                <a:lumMod val="50000"/>
-                <a:lumOff val="50000"/>
+              <a:schemeClr val="bg2">
+                <a:lumMod val="90000"/>
               </a:schemeClr>
             </a:solidFill>
-          </a:ln>
-        </p:spPr>
-        <p:style>
-          <a:lnRef idx="2">
-            <a:schemeClr val="accent1">
-              <a:shade val="50000"/>
-            </a:schemeClr>
-          </a:lnRef>
-          <a:fillRef idx="1">
-            <a:schemeClr val="accent1"/>
-          </a:fillRef>
-          <a:effectRef idx="0">
-            <a:schemeClr val="accent1"/>
-          </a:effectRef>
-          <a:fontRef idx="minor">
-            <a:schemeClr val="lt1"/>
-          </a:fontRef>
-        </p:style>
-        <p:txBody>
-          <a:bodyPr rtlCol="0" anchor="ctr"/>
-          <a:lstStyle/>
-          <a:p>
-            <a:pPr algn="ctr"/>
-            <a:endParaRPr lang="fr-FR"/>
-          </a:p>
-        </p:txBody>
-      </p:sp>
+            <a:ln>
+              <a:solidFill>
+                <a:schemeClr val="bg2">
+                  <a:lumMod val="50000"/>
+                </a:schemeClr>
+              </a:solidFill>
+            </a:ln>
+          </p:spPr>
+          <p:style>
+            <a:lnRef idx="2">
+              <a:schemeClr val="accent1">
+                <a:shade val="50000"/>
+              </a:schemeClr>
+            </a:lnRef>
+            <a:fillRef idx="1">
+              <a:schemeClr val="accent1"/>
+            </a:fillRef>
+            <a:effectRef idx="0">
+              <a:schemeClr val="accent1"/>
+            </a:effectRef>
+            <a:fontRef idx="minor">
+              <a:schemeClr val="lt1"/>
+            </a:fontRef>
+          </p:style>
+          <p:txBody>
+            <a:bodyPr rtlCol="0" anchor="ctr"/>
+            <a:lstStyle/>
+            <a:p>
+              <a:pPr algn="ctr"/>
+              <a:endParaRPr lang="fr-FR"/>
+            </a:p>
+          </p:txBody>
+        </p:sp>
+        <p:sp>
+          <p:nvSpPr>
+            <p:cNvPr id="43" name="Ellipse 42"/>
+            <p:cNvSpPr/>
+            <p:nvPr/>
+          </p:nvSpPr>
+          <p:spPr>
+            <a:xfrm>
+              <a:off x="2813474" y="4354896"/>
+              <a:ext cx="804193" cy="804193"/>
+            </a:xfrm>
+            <a:prstGeom prst="ellipse">
+              <a:avLst/>
+            </a:prstGeom>
+            <a:solidFill>
+              <a:schemeClr val="bg2">
+                <a:lumMod val="90000"/>
+              </a:schemeClr>
+            </a:solidFill>
+            <a:ln>
+              <a:solidFill>
+                <a:schemeClr val="bg2">
+                  <a:lumMod val="50000"/>
+                </a:schemeClr>
+              </a:solidFill>
+            </a:ln>
+          </p:spPr>
+          <p:style>
+            <a:lnRef idx="2">
+              <a:schemeClr val="accent1">
+                <a:shade val="50000"/>
+              </a:schemeClr>
+            </a:lnRef>
+            <a:fillRef idx="1">
+              <a:schemeClr val="accent1"/>
+            </a:fillRef>
+            <a:effectRef idx="0">
+              <a:schemeClr val="accent1"/>
+            </a:effectRef>
+            <a:fontRef idx="minor">
+              <a:schemeClr val="lt1"/>
+            </a:fontRef>
+          </p:style>
+          <p:txBody>
+            <a:bodyPr rtlCol="0" anchor="ctr"/>
+            <a:lstStyle/>
+            <a:p>
+              <a:pPr algn="ctr"/>
+              <a:endParaRPr lang="fr-FR"/>
+            </a:p>
+          </p:txBody>
+        </p:sp>
+        <p:sp>
+          <p:nvSpPr>
+            <p:cNvPr id="44" name="Ellipse 43"/>
+            <p:cNvSpPr/>
+            <p:nvPr/>
+          </p:nvSpPr>
+          <p:spPr>
+            <a:xfrm>
+              <a:off x="4753332" y="4354896"/>
+              <a:ext cx="804193" cy="804193"/>
+            </a:xfrm>
+            <a:prstGeom prst="ellipse">
+              <a:avLst/>
+            </a:prstGeom>
+            <a:solidFill>
+              <a:schemeClr val="bg2">
+                <a:lumMod val="90000"/>
+              </a:schemeClr>
+            </a:solidFill>
+            <a:ln>
+              <a:solidFill>
+                <a:schemeClr val="bg2">
+                  <a:lumMod val="50000"/>
+                </a:schemeClr>
+              </a:solidFill>
+            </a:ln>
+          </p:spPr>
+          <p:style>
+            <a:lnRef idx="2">
+              <a:schemeClr val="accent1">
+                <a:shade val="50000"/>
+              </a:schemeClr>
+            </a:lnRef>
+            <a:fillRef idx="1">
+              <a:schemeClr val="accent1"/>
+            </a:fillRef>
+            <a:effectRef idx="0">
+              <a:schemeClr val="accent1"/>
+            </a:effectRef>
+            <a:fontRef idx="minor">
+              <a:schemeClr val="lt1"/>
+            </a:fontRef>
+          </p:style>
+          <p:txBody>
+            <a:bodyPr rtlCol="0" anchor="ctr"/>
+            <a:lstStyle/>
+            <a:p>
+              <a:pPr algn="ctr"/>
+              <a:endParaRPr lang="fr-FR"/>
+            </a:p>
+          </p:txBody>
+        </p:sp>
+        <p:sp>
+          <p:nvSpPr>
+            <p:cNvPr id="18" name="Rectangle 17"/>
+            <p:cNvSpPr/>
+            <p:nvPr/>
+          </p:nvSpPr>
+          <p:spPr>
+            <a:xfrm>
+              <a:off x="2160000" y="2700068"/>
+              <a:ext cx="4019175" cy="1887485"/>
+            </a:xfrm>
+            <a:prstGeom prst="rect">
+              <a:avLst/>
+            </a:prstGeom>
+            <a:solidFill>
+              <a:schemeClr val="accent1">
+                <a:lumMod val="20000"/>
+                <a:lumOff val="80000"/>
+              </a:schemeClr>
+            </a:solidFill>
+            <a:ln>
+              <a:solidFill>
+                <a:schemeClr val="bg2">
+                  <a:lumMod val="50000"/>
+                </a:schemeClr>
+              </a:solidFill>
+            </a:ln>
+          </p:spPr>
+          <p:style>
+            <a:lnRef idx="2">
+              <a:schemeClr val="accent1">
+                <a:shade val="50000"/>
+              </a:schemeClr>
+            </a:lnRef>
+            <a:fillRef idx="1">
+              <a:schemeClr val="accent1"/>
+            </a:fillRef>
+            <a:effectRef idx="0">
+              <a:schemeClr val="accent1"/>
+            </a:effectRef>
+            <a:fontRef idx="minor">
+              <a:schemeClr val="lt1"/>
+            </a:fontRef>
+          </p:style>
+          <p:txBody>
+            <a:bodyPr rtlCol="0" anchor="ctr"/>
+            <a:lstStyle/>
+            <a:p>
+              <a:pPr algn="ctr"/>
+              <a:endParaRPr lang="fr-FR" dirty="0"/>
+            </a:p>
+          </p:txBody>
+        </p:sp>
+        <p:cxnSp>
+          <p:nvCxnSpPr>
+            <p:cNvPr id="20" name="Connecteur droit 19"/>
+            <p:cNvCxnSpPr>
+              <a:stCxn id="18" idx="0"/>
+              <a:endCxn id="18" idx="2"/>
+            </p:cNvCxnSpPr>
+            <p:nvPr/>
+          </p:nvCxnSpPr>
+          <p:spPr>
+            <a:xfrm>
+              <a:off x="4169588" y="2700068"/>
+              <a:ext cx="0" cy="1887485"/>
+            </a:xfrm>
+            <a:prstGeom prst="line">
+              <a:avLst/>
+            </a:prstGeom>
+            <a:ln>
+              <a:solidFill>
+                <a:schemeClr val="bg2">
+                  <a:lumMod val="50000"/>
+                </a:schemeClr>
+              </a:solidFill>
+            </a:ln>
+          </p:spPr>
+          <p:style>
+            <a:lnRef idx="1">
+              <a:schemeClr val="accent1"/>
+            </a:lnRef>
+            <a:fillRef idx="0">
+              <a:schemeClr val="accent1"/>
+            </a:fillRef>
+            <a:effectRef idx="0">
+              <a:schemeClr val="accent1"/>
+            </a:effectRef>
+            <a:fontRef idx="minor">
+              <a:schemeClr val="tx1"/>
+            </a:fontRef>
+          </p:style>
+        </p:cxnSp>
+        <p:cxnSp>
+          <p:nvCxnSpPr>
+            <p:cNvPr id="24" name="Connecteur droit 23"/>
+            <p:cNvCxnSpPr>
+              <a:stCxn id="18" idx="1"/>
+              <a:endCxn id="18" idx="3"/>
+            </p:cNvCxnSpPr>
+            <p:nvPr/>
+          </p:nvCxnSpPr>
+          <p:spPr>
+            <a:xfrm>
+              <a:off x="2160000" y="3643811"/>
+              <a:ext cx="4019175" cy="0"/>
+            </a:xfrm>
+            <a:prstGeom prst="line">
+              <a:avLst/>
+            </a:prstGeom>
+            <a:ln>
+              <a:solidFill>
+                <a:schemeClr val="bg2">
+                  <a:lumMod val="50000"/>
+                </a:schemeClr>
+              </a:solidFill>
+            </a:ln>
+          </p:spPr>
+          <p:style>
+            <a:lnRef idx="1">
+              <a:schemeClr val="accent1"/>
+            </a:lnRef>
+            <a:fillRef idx="0">
+              <a:schemeClr val="accent1"/>
+            </a:fillRef>
+            <a:effectRef idx="0">
+              <a:schemeClr val="accent1"/>
+            </a:effectRef>
+            <a:fontRef idx="minor">
+              <a:schemeClr val="tx1"/>
+            </a:fontRef>
+          </p:style>
+        </p:cxnSp>
+        <p:cxnSp>
+          <p:nvCxnSpPr>
+            <p:cNvPr id="15" name="Connecteur droit avec flèche 14"/>
+            <p:cNvCxnSpPr/>
+            <p:nvPr/>
+          </p:nvCxnSpPr>
+          <p:spPr>
+            <a:xfrm>
+              <a:off x="1080000" y="1723125"/>
+              <a:ext cx="1" cy="1071372"/>
+            </a:xfrm>
+            <a:prstGeom prst="straightConnector1">
+              <a:avLst/>
+            </a:prstGeom>
+            <a:ln w="38100">
+              <a:solidFill>
+                <a:schemeClr val="tx1">
+                  <a:lumMod val="50000"/>
+                  <a:lumOff val="50000"/>
+                </a:schemeClr>
+              </a:solidFill>
+              <a:headEnd type="none" w="med" len="med"/>
+              <a:tailEnd type="none" w="med" len="med"/>
+            </a:ln>
+          </p:spPr>
+          <p:style>
+            <a:lnRef idx="1">
+              <a:schemeClr val="accent1"/>
+            </a:lnRef>
+            <a:fillRef idx="0">
+              <a:schemeClr val="accent1"/>
+            </a:fillRef>
+            <a:effectRef idx="0">
+              <a:schemeClr val="accent1"/>
+            </a:effectRef>
+            <a:fontRef idx="minor">
+              <a:schemeClr val="tx1"/>
+            </a:fontRef>
+          </p:style>
+        </p:cxnSp>
+        <p:sp>
+          <p:nvSpPr>
+            <p:cNvPr id="33" name="ZoneTexte 32"/>
+            <p:cNvSpPr txBox="1"/>
+            <p:nvPr/>
+          </p:nvSpPr>
+          <p:spPr>
+            <a:xfrm rot="10800000">
+              <a:off x="2635547" y="2987274"/>
+              <a:ext cx="1058495" cy="369332"/>
+            </a:xfrm>
+            <a:prstGeom prst="rect">
+              <a:avLst/>
+            </a:prstGeom>
+            <a:noFill/>
+          </p:spPr>
+          <p:txBody>
+            <a:bodyPr wrap="none" rtlCol="0">
+              <a:spAutoFit/>
+            </a:bodyPr>
+            <a:lstStyle/>
+            <a:p>
+              <a:pPr algn="ctr"/>
+              <a:r>
+                <a:rPr lang="fr-FR" dirty="0" smtClean="0"/>
+                <a:t>Polochon</a:t>
+              </a:r>
+              <a:endParaRPr lang="fr-FR" dirty="0"/>
+            </a:p>
+          </p:txBody>
+        </p:sp>
+        <p:sp>
+          <p:nvSpPr>
+            <p:cNvPr id="34" name="ZoneTexte 33"/>
+            <p:cNvSpPr txBox="1"/>
+            <p:nvPr/>
+          </p:nvSpPr>
+          <p:spPr>
+            <a:xfrm rot="10800000">
+              <a:off x="4753332" y="2987274"/>
+              <a:ext cx="755335" cy="369332"/>
+            </a:xfrm>
+            <a:prstGeom prst="rect">
+              <a:avLst/>
+            </a:prstGeom>
+            <a:noFill/>
+          </p:spPr>
+          <p:txBody>
+            <a:bodyPr wrap="none" rtlCol="0">
+              <a:spAutoFit/>
+            </a:bodyPr>
+            <a:lstStyle/>
+            <a:p>
+              <a:pPr algn="ctr"/>
+              <a:r>
+                <a:rPr lang="fr-FR" dirty="0" err="1" smtClean="0"/>
+                <a:t>Némo</a:t>
+              </a:r>
+              <a:endParaRPr lang="fr-FR" dirty="0"/>
+            </a:p>
+          </p:txBody>
+        </p:sp>
+        <p:sp>
+          <p:nvSpPr>
+            <p:cNvPr id="35" name="ZoneTexte 34"/>
+            <p:cNvSpPr txBox="1"/>
+            <p:nvPr/>
+          </p:nvSpPr>
+          <p:spPr>
+            <a:xfrm rot="10800000">
+              <a:off x="2832010" y="3931016"/>
+              <a:ext cx="665567" cy="369332"/>
+            </a:xfrm>
+            <a:prstGeom prst="rect">
+              <a:avLst/>
+            </a:prstGeom>
+            <a:noFill/>
+          </p:spPr>
+          <p:txBody>
+            <a:bodyPr wrap="none" rtlCol="0">
+              <a:spAutoFit/>
+            </a:bodyPr>
+            <a:lstStyle/>
+            <a:p>
+              <a:pPr algn="ctr"/>
+              <a:r>
+                <a:rPr lang="fr-FR" dirty="0" smtClean="0"/>
+                <a:t>Hank</a:t>
+              </a:r>
+              <a:endParaRPr lang="fr-FR" dirty="0"/>
+            </a:p>
+          </p:txBody>
+        </p:sp>
+        <p:sp>
+          <p:nvSpPr>
+            <p:cNvPr id="36" name="ZoneTexte 35"/>
+            <p:cNvSpPr txBox="1"/>
+            <p:nvPr/>
+          </p:nvSpPr>
+          <p:spPr>
+            <a:xfrm rot="10800000">
+              <a:off x="4660709" y="3928010"/>
+              <a:ext cx="989438" cy="369332"/>
+            </a:xfrm>
+            <a:prstGeom prst="rect">
+              <a:avLst/>
+            </a:prstGeom>
+            <a:noFill/>
+          </p:spPr>
+          <p:txBody>
+            <a:bodyPr wrap="none" rtlCol="0">
+              <a:spAutoFit/>
+            </a:bodyPr>
+            <a:lstStyle/>
+            <a:p>
+              <a:pPr algn="ctr"/>
+              <a:r>
+                <a:rPr lang="fr-FR" dirty="0" err="1" smtClean="0"/>
+                <a:t>Tamatoa</a:t>
+              </a:r>
+              <a:endParaRPr lang="fr-FR" dirty="0"/>
+            </a:p>
+          </p:txBody>
+        </p:sp>
+        <p:sp>
+          <p:nvSpPr>
+            <p:cNvPr id="4" name="Rectangle 3"/>
+            <p:cNvSpPr/>
+            <p:nvPr/>
+          </p:nvSpPr>
+          <p:spPr>
+            <a:xfrm rot="16200000">
+              <a:off x="1623097" y="872094"/>
+              <a:ext cx="3705046" cy="5407110"/>
+            </a:xfrm>
+            <a:prstGeom prst="rect">
+              <a:avLst/>
+            </a:prstGeom>
+            <a:noFill/>
+            <a:ln w="76200">
+              <a:solidFill>
+                <a:schemeClr val="tx1">
+                  <a:lumMod val="50000"/>
+                  <a:lumOff val="50000"/>
+                </a:schemeClr>
+              </a:solidFill>
+            </a:ln>
+          </p:spPr>
+          <p:style>
+            <a:lnRef idx="2">
+              <a:schemeClr val="accent1">
+                <a:shade val="50000"/>
+              </a:schemeClr>
+            </a:lnRef>
+            <a:fillRef idx="1">
+              <a:schemeClr val="accent1"/>
+            </a:fillRef>
+            <a:effectRef idx="0">
+              <a:schemeClr val="accent1"/>
+            </a:effectRef>
+            <a:fontRef idx="minor">
+              <a:schemeClr val="lt1"/>
+            </a:fontRef>
+          </p:style>
+          <p:txBody>
+            <a:bodyPr rtlCol="0" anchor="ctr"/>
+            <a:lstStyle/>
+            <a:p>
+              <a:pPr algn="ctr"/>
+              <a:endParaRPr lang="fr-FR"/>
+            </a:p>
+          </p:txBody>
+        </p:sp>
+      </p:grpSp>
     </p:spTree>
     <p:extLst>
       <p:ext uri="{BB962C8B-B14F-4D97-AF65-F5344CB8AC3E}">
@@ -5084,7 +5099,6 @@
               <a:rPr lang="fr-FR" dirty="0"/>
               <a:t>1</a:t>
             </a:r>
-            <a:endParaRPr lang="fr-FR" dirty="0"/>
           </a:p>
         </p:txBody>
       </p:sp>
@@ -5450,11 +5464,12 @@
 </file>
 
 <file path=customXml/item1.xml><?xml version="1.0" encoding="utf-8"?>
-<p:properties xmlns:p="http://schemas.microsoft.com/office/2006/metadata/properties" xmlns:xsi="http://www.w3.org/2001/XMLSchema-instance" xmlns:pc="http://schemas.microsoft.com/office/infopath/2007/PartnerControls">
-  <documentManagement>
-    <_activity xmlns="230486b7-ae46-4a7b-9810-315006c8cb07" xsi:nil="true"/>
-  </documentManagement>
-</p:properties>
+<?mso-contentType ?>
+<FormTemplates xmlns="http://schemas.microsoft.com/sharepoint/v3/contenttype/forms">
+  <Display>DocumentLibraryForm</Display>
+  <Edit>DocumentLibraryForm</Edit>
+  <New>DocumentLibraryForm</New>
+</FormTemplates>
 </file>
 
 <file path=customXml/item2.xml><?xml version="1.0" encoding="utf-8"?>
@@ -5705,27 +5720,17 @@
 </file>
 
 <file path=customXml/item3.xml><?xml version="1.0" encoding="utf-8"?>
-<?mso-contentType ?>
-<FormTemplates xmlns="http://schemas.microsoft.com/sharepoint/v3/contenttype/forms">
-  <Display>DocumentLibraryForm</Display>
-  <Edit>DocumentLibraryForm</Edit>
-  <New>DocumentLibraryForm</New>
-</FormTemplates>
+<p:properties xmlns:p="http://schemas.microsoft.com/office/2006/metadata/properties" xmlns:xsi="http://www.w3.org/2001/XMLSchema-instance" xmlns:pc="http://schemas.microsoft.com/office/infopath/2007/PartnerControls">
+  <documentManagement>
+    <_activity xmlns="230486b7-ae46-4a7b-9810-315006c8cb07" xsi:nil="true"/>
+  </documentManagement>
+</p:properties>
 </file>
 
 <file path=customXml/itemProps1.xml><?xml version="1.0" encoding="utf-8"?>
-<ds:datastoreItem xmlns:ds="http://schemas.openxmlformats.org/officeDocument/2006/customXml" ds:itemID="{2EE87A21-A4D5-43A5-A22C-D906B17EB041}">
+<ds:datastoreItem xmlns:ds="http://schemas.openxmlformats.org/officeDocument/2006/customXml" ds:itemID="{F1DF9C5F-EB5E-4E63-B7DD-0B2C199700E3}">
   <ds:schemaRefs>
-    <ds:schemaRef ds:uri="http://schemas.microsoft.com/office/2006/metadata/properties"/>
-    <ds:schemaRef ds:uri="230486b7-ae46-4a7b-9810-315006c8cb07"/>
-    <ds:schemaRef ds:uri="http://schemas.microsoft.com/office/2006/documentManagement/types"/>
-    <ds:schemaRef ds:uri="http://schemas.microsoft.com/office/infopath/2007/PartnerControls"/>
-    <ds:schemaRef ds:uri="http://www.w3.org/XML/1998/namespace"/>
-    <ds:schemaRef ds:uri="http://purl.org/dc/elements/1.1/"/>
-    <ds:schemaRef ds:uri="http://purl.org/dc/terms/"/>
-    <ds:schemaRef ds:uri="http://schemas.openxmlformats.org/package/2006/metadata/core-properties"/>
-    <ds:schemaRef ds:uri="c8438557-ce8b-4c4c-b94d-6a2491d2cc6d"/>
-    <ds:schemaRef ds:uri="http://purl.org/dc/dcmitype/"/>
+    <ds:schemaRef ds:uri="http://schemas.microsoft.com/sharepoint/v3/contenttype/forms"/>
   </ds:schemaRefs>
 </ds:datastoreItem>
 </file>
@@ -5750,9 +5755,18 @@
 </file>
 
 <file path=customXml/itemProps3.xml><?xml version="1.0" encoding="utf-8"?>
-<ds:datastoreItem xmlns:ds="http://schemas.openxmlformats.org/officeDocument/2006/customXml" ds:itemID="{F1DF9C5F-EB5E-4E63-B7DD-0B2C199700E3}">
+<ds:datastoreItem xmlns:ds="http://schemas.openxmlformats.org/officeDocument/2006/customXml" ds:itemID="{2EE87A21-A4D5-43A5-A22C-D906B17EB041}">
   <ds:schemaRefs>
-    <ds:schemaRef ds:uri="http://schemas.microsoft.com/sharepoint/v3/contenttype/forms"/>
+    <ds:schemaRef ds:uri="http://purl.org/dc/elements/1.1/"/>
+    <ds:schemaRef ds:uri="c8438557-ce8b-4c4c-b94d-6a2491d2cc6d"/>
+    <ds:schemaRef ds:uri="http://purl.org/dc/dcmitype/"/>
+    <ds:schemaRef ds:uri="230486b7-ae46-4a7b-9810-315006c8cb07"/>
+    <ds:schemaRef ds:uri="http://schemas.openxmlformats.org/package/2006/metadata/core-properties"/>
+    <ds:schemaRef ds:uri="http://schemas.microsoft.com/office/2006/documentManagement/types"/>
+    <ds:schemaRef ds:uri="http://purl.org/dc/terms/"/>
+    <ds:schemaRef ds:uri="http://schemas.microsoft.com/office/infopath/2007/PartnerControls"/>
+    <ds:schemaRef ds:uri="http://schemas.microsoft.com/office/2006/metadata/properties"/>
+    <ds:schemaRef ds:uri="http://www.w3.org/XML/1998/namespace"/>
   </ds:schemaRefs>
 </ds:datastoreItem>
 </file>
--- a/Présentation2.pptx
+++ b/Présentation2.pptx
@@ -244,7 +244,7 @@
           <a:p>
             <a:fld id="{616950F1-39CC-4E23-98D0-E03E8AA9E358}" type="datetimeFigureOut">
               <a:rPr lang="fr-FR" smtClean="0"/>
-              <a:t>27/11/2023</a:t>
+              <a:t>19/12/2023</a:t>
             </a:fld>
             <a:endParaRPr lang="fr-FR"/>
           </a:p>
@@ -414,7 +414,7 @@
           <a:p>
             <a:fld id="{616950F1-39CC-4E23-98D0-E03E8AA9E358}" type="datetimeFigureOut">
               <a:rPr lang="fr-FR" smtClean="0"/>
-              <a:t>27/11/2023</a:t>
+              <a:t>19/12/2023</a:t>
             </a:fld>
             <a:endParaRPr lang="fr-FR"/>
           </a:p>
@@ -594,7 +594,7 @@
           <a:p>
             <a:fld id="{616950F1-39CC-4E23-98D0-E03E8AA9E358}" type="datetimeFigureOut">
               <a:rPr lang="fr-FR" smtClean="0"/>
-              <a:t>27/11/2023</a:t>
+              <a:t>19/12/2023</a:t>
             </a:fld>
             <a:endParaRPr lang="fr-FR"/>
           </a:p>
@@ -764,7 +764,7 @@
           <a:p>
             <a:fld id="{616950F1-39CC-4E23-98D0-E03E8AA9E358}" type="datetimeFigureOut">
               <a:rPr lang="fr-FR" smtClean="0"/>
-              <a:t>27/11/2023</a:t>
+              <a:t>19/12/2023</a:t>
             </a:fld>
             <a:endParaRPr lang="fr-FR"/>
           </a:p>
@@ -1010,7 +1010,7 @@
           <a:p>
             <a:fld id="{616950F1-39CC-4E23-98D0-E03E8AA9E358}" type="datetimeFigureOut">
               <a:rPr lang="fr-FR" smtClean="0"/>
-              <a:t>27/11/2023</a:t>
+              <a:t>19/12/2023</a:t>
             </a:fld>
             <a:endParaRPr lang="fr-FR"/>
           </a:p>
@@ -1242,7 +1242,7 @@
           <a:p>
             <a:fld id="{616950F1-39CC-4E23-98D0-E03E8AA9E358}" type="datetimeFigureOut">
               <a:rPr lang="fr-FR" smtClean="0"/>
-              <a:t>27/11/2023</a:t>
+              <a:t>19/12/2023</a:t>
             </a:fld>
             <a:endParaRPr lang="fr-FR"/>
           </a:p>
@@ -1609,7 +1609,7 @@
           <a:p>
             <a:fld id="{616950F1-39CC-4E23-98D0-E03E8AA9E358}" type="datetimeFigureOut">
               <a:rPr lang="fr-FR" smtClean="0"/>
-              <a:t>27/11/2023</a:t>
+              <a:t>19/12/2023</a:t>
             </a:fld>
             <a:endParaRPr lang="fr-FR"/>
           </a:p>
@@ -1727,7 +1727,7 @@
           <a:p>
             <a:fld id="{616950F1-39CC-4E23-98D0-E03E8AA9E358}" type="datetimeFigureOut">
               <a:rPr lang="fr-FR" smtClean="0"/>
-              <a:t>27/11/2023</a:t>
+              <a:t>19/12/2023</a:t>
             </a:fld>
             <a:endParaRPr lang="fr-FR"/>
           </a:p>
@@ -1822,7 +1822,7 @@
           <a:p>
             <a:fld id="{616950F1-39CC-4E23-98D0-E03E8AA9E358}" type="datetimeFigureOut">
               <a:rPr lang="fr-FR" smtClean="0"/>
-              <a:t>27/11/2023</a:t>
+              <a:t>19/12/2023</a:t>
             </a:fld>
             <a:endParaRPr lang="fr-FR"/>
           </a:p>
@@ -2099,7 +2099,7 @@
           <a:p>
             <a:fld id="{616950F1-39CC-4E23-98D0-E03E8AA9E358}" type="datetimeFigureOut">
               <a:rPr lang="fr-FR" smtClean="0"/>
-              <a:t>27/11/2023</a:t>
+              <a:t>19/12/2023</a:t>
             </a:fld>
             <a:endParaRPr lang="fr-FR"/>
           </a:p>
@@ -2352,7 +2352,7 @@
           <a:p>
             <a:fld id="{616950F1-39CC-4E23-98D0-E03E8AA9E358}" type="datetimeFigureOut">
               <a:rPr lang="fr-FR" smtClean="0"/>
-              <a:t>27/11/2023</a:t>
+              <a:t>19/12/2023</a:t>
             </a:fld>
             <a:endParaRPr lang="fr-FR"/>
           </a:p>
@@ -2565,7 +2565,7 @@
           <a:p>
             <a:fld id="{616950F1-39CC-4E23-98D0-E03E8AA9E358}" type="datetimeFigureOut">
               <a:rPr lang="fr-FR" smtClean="0"/>
-              <a:t>27/11/2023</a:t>
+              <a:t>19/12/2023</a:t>
             </a:fld>
             <a:endParaRPr lang="fr-FR"/>
           </a:p>
@@ -2972,6 +2972,477 @@
       </p:grpSpPr>
       <p:sp>
         <p:nvSpPr>
+          <p:cNvPr id="27" name="Ellipse 26"/>
+          <p:cNvSpPr/>
+          <p:nvPr/>
+        </p:nvSpPr>
+        <p:spPr>
+          <a:xfrm rot="10800000">
+            <a:off x="3718278" y="4340363"/>
+            <a:ext cx="804193" cy="804193"/>
+          </a:xfrm>
+          <a:prstGeom prst="ellipse">
+            <a:avLst/>
+          </a:prstGeom>
+          <a:solidFill>
+            <a:schemeClr val="bg2">
+              <a:lumMod val="90000"/>
+            </a:schemeClr>
+          </a:solidFill>
+          <a:ln>
+            <a:solidFill>
+              <a:schemeClr val="bg2">
+                <a:lumMod val="50000"/>
+              </a:schemeClr>
+            </a:solidFill>
+          </a:ln>
+        </p:spPr>
+        <p:style>
+          <a:lnRef idx="2">
+            <a:schemeClr val="accent1">
+              <a:shade val="50000"/>
+            </a:schemeClr>
+          </a:lnRef>
+          <a:fillRef idx="1">
+            <a:schemeClr val="accent1"/>
+          </a:fillRef>
+          <a:effectRef idx="0">
+            <a:schemeClr val="accent1"/>
+          </a:effectRef>
+          <a:fontRef idx="minor">
+            <a:schemeClr val="lt1"/>
+          </a:fontRef>
+        </p:style>
+        <p:txBody>
+          <a:bodyPr rtlCol="0" anchor="ctr"/>
+          <a:lstStyle/>
+          <a:p>
+            <a:pPr algn="ctr"/>
+            <a:endParaRPr lang="fr-FR"/>
+          </a:p>
+        </p:txBody>
+      </p:sp>
+      <p:sp>
+        <p:nvSpPr>
+          <p:cNvPr id="28" name="Ellipse 27"/>
+          <p:cNvSpPr/>
+          <p:nvPr/>
+        </p:nvSpPr>
+        <p:spPr>
+          <a:xfrm rot="10800000">
+            <a:off x="3680665" y="2168548"/>
+            <a:ext cx="804193" cy="804193"/>
+          </a:xfrm>
+          <a:prstGeom prst="ellipse">
+            <a:avLst/>
+          </a:prstGeom>
+          <a:solidFill>
+            <a:schemeClr val="bg2">
+              <a:lumMod val="90000"/>
+            </a:schemeClr>
+          </a:solidFill>
+          <a:ln>
+            <a:solidFill>
+              <a:schemeClr val="bg2">
+                <a:lumMod val="50000"/>
+              </a:schemeClr>
+            </a:solidFill>
+          </a:ln>
+        </p:spPr>
+        <p:style>
+          <a:lnRef idx="2">
+            <a:schemeClr val="accent1">
+              <a:shade val="50000"/>
+            </a:schemeClr>
+          </a:lnRef>
+          <a:fillRef idx="1">
+            <a:schemeClr val="accent1"/>
+          </a:fillRef>
+          <a:effectRef idx="0">
+            <a:schemeClr val="accent1"/>
+          </a:effectRef>
+          <a:fontRef idx="minor">
+            <a:schemeClr val="lt1"/>
+          </a:fontRef>
+        </p:style>
+        <p:txBody>
+          <a:bodyPr rtlCol="0" anchor="ctr"/>
+          <a:lstStyle/>
+          <a:p>
+            <a:pPr algn="ctr"/>
+            <a:endParaRPr lang="fr-FR"/>
+          </a:p>
+        </p:txBody>
+      </p:sp>
+      <p:sp>
+        <p:nvSpPr>
+          <p:cNvPr id="41" name="Ellipse 40"/>
+          <p:cNvSpPr/>
+          <p:nvPr/>
+        </p:nvSpPr>
+        <p:spPr>
+          <a:xfrm rot="10800000">
+            <a:off x="2449983" y="4340362"/>
+            <a:ext cx="804193" cy="804193"/>
+          </a:xfrm>
+          <a:prstGeom prst="ellipse">
+            <a:avLst/>
+          </a:prstGeom>
+          <a:solidFill>
+            <a:schemeClr val="bg2">
+              <a:lumMod val="90000"/>
+            </a:schemeClr>
+          </a:solidFill>
+          <a:ln>
+            <a:solidFill>
+              <a:schemeClr val="bg2">
+                <a:lumMod val="50000"/>
+              </a:schemeClr>
+            </a:solidFill>
+          </a:ln>
+        </p:spPr>
+        <p:style>
+          <a:lnRef idx="2">
+            <a:schemeClr val="accent1">
+              <a:shade val="50000"/>
+            </a:schemeClr>
+          </a:lnRef>
+          <a:fillRef idx="1">
+            <a:schemeClr val="accent1"/>
+          </a:fillRef>
+          <a:effectRef idx="0">
+            <a:schemeClr val="accent1"/>
+          </a:effectRef>
+          <a:fontRef idx="minor">
+            <a:schemeClr val="lt1"/>
+          </a:fontRef>
+        </p:style>
+        <p:txBody>
+          <a:bodyPr rtlCol="0" anchor="ctr"/>
+          <a:lstStyle/>
+          <a:p>
+            <a:pPr algn="ctr"/>
+            <a:endParaRPr lang="fr-FR"/>
+          </a:p>
+        </p:txBody>
+      </p:sp>
+      <p:sp>
+        <p:nvSpPr>
+          <p:cNvPr id="42" name="Ellipse 41"/>
+          <p:cNvSpPr/>
+          <p:nvPr/>
+        </p:nvSpPr>
+        <p:spPr>
+          <a:xfrm rot="10800000">
+            <a:off x="1115275" y="4340362"/>
+            <a:ext cx="804193" cy="804193"/>
+          </a:xfrm>
+          <a:prstGeom prst="ellipse">
+            <a:avLst/>
+          </a:prstGeom>
+          <a:solidFill>
+            <a:schemeClr val="bg2">
+              <a:lumMod val="90000"/>
+            </a:schemeClr>
+          </a:solidFill>
+          <a:ln>
+            <a:solidFill>
+              <a:schemeClr val="bg2">
+                <a:lumMod val="50000"/>
+              </a:schemeClr>
+            </a:solidFill>
+          </a:ln>
+        </p:spPr>
+        <p:style>
+          <a:lnRef idx="2">
+            <a:schemeClr val="accent1">
+              <a:shade val="50000"/>
+            </a:schemeClr>
+          </a:lnRef>
+          <a:fillRef idx="1">
+            <a:schemeClr val="accent1"/>
+          </a:fillRef>
+          <a:effectRef idx="0">
+            <a:schemeClr val="accent1"/>
+          </a:effectRef>
+          <a:fontRef idx="minor">
+            <a:schemeClr val="lt1"/>
+          </a:fontRef>
+        </p:style>
+        <p:txBody>
+          <a:bodyPr rtlCol="0" anchor="ctr"/>
+          <a:lstStyle/>
+          <a:p>
+            <a:pPr algn="ctr"/>
+            <a:endParaRPr lang="fr-FR"/>
+          </a:p>
+        </p:txBody>
+      </p:sp>
+      <p:sp>
+        <p:nvSpPr>
+          <p:cNvPr id="43" name="Ellipse 42"/>
+          <p:cNvSpPr/>
+          <p:nvPr/>
+        </p:nvSpPr>
+        <p:spPr>
+          <a:xfrm rot="10800000">
+            <a:off x="2412370" y="2168547"/>
+            <a:ext cx="804193" cy="804193"/>
+          </a:xfrm>
+          <a:prstGeom prst="ellipse">
+            <a:avLst/>
+          </a:prstGeom>
+          <a:solidFill>
+            <a:schemeClr val="bg2">
+              <a:lumMod val="90000"/>
+            </a:schemeClr>
+          </a:solidFill>
+          <a:ln>
+            <a:solidFill>
+              <a:schemeClr val="bg2">
+                <a:lumMod val="50000"/>
+              </a:schemeClr>
+            </a:solidFill>
+          </a:ln>
+        </p:spPr>
+        <p:style>
+          <a:lnRef idx="2">
+            <a:schemeClr val="accent1">
+              <a:shade val="50000"/>
+            </a:schemeClr>
+          </a:lnRef>
+          <a:fillRef idx="1">
+            <a:schemeClr val="accent1"/>
+          </a:fillRef>
+          <a:effectRef idx="0">
+            <a:schemeClr val="accent1"/>
+          </a:effectRef>
+          <a:fontRef idx="minor">
+            <a:schemeClr val="lt1"/>
+          </a:fontRef>
+        </p:style>
+        <p:txBody>
+          <a:bodyPr rtlCol="0" anchor="ctr"/>
+          <a:lstStyle/>
+          <a:p>
+            <a:pPr algn="ctr"/>
+            <a:endParaRPr lang="fr-FR"/>
+          </a:p>
+        </p:txBody>
+      </p:sp>
+      <p:sp>
+        <p:nvSpPr>
+          <p:cNvPr id="44" name="Ellipse 43"/>
+          <p:cNvSpPr/>
+          <p:nvPr/>
+        </p:nvSpPr>
+        <p:spPr>
+          <a:xfrm rot="10800000">
+            <a:off x="1104381" y="2168547"/>
+            <a:ext cx="804193" cy="804193"/>
+          </a:xfrm>
+          <a:prstGeom prst="ellipse">
+            <a:avLst/>
+          </a:prstGeom>
+          <a:solidFill>
+            <a:schemeClr val="bg2">
+              <a:lumMod val="90000"/>
+            </a:schemeClr>
+          </a:solidFill>
+          <a:ln>
+            <a:solidFill>
+              <a:schemeClr val="bg2">
+                <a:lumMod val="50000"/>
+              </a:schemeClr>
+            </a:solidFill>
+          </a:ln>
+        </p:spPr>
+        <p:style>
+          <a:lnRef idx="2">
+            <a:schemeClr val="accent1">
+              <a:shade val="50000"/>
+            </a:schemeClr>
+          </a:lnRef>
+          <a:fillRef idx="1">
+            <a:schemeClr val="accent1"/>
+          </a:fillRef>
+          <a:effectRef idx="0">
+            <a:schemeClr val="accent1"/>
+          </a:effectRef>
+          <a:fontRef idx="minor">
+            <a:schemeClr val="lt1"/>
+          </a:fontRef>
+        </p:style>
+        <p:txBody>
+          <a:bodyPr rtlCol="0" anchor="ctr"/>
+          <a:lstStyle/>
+          <a:p>
+            <a:pPr algn="ctr"/>
+            <a:endParaRPr lang="fr-FR"/>
+          </a:p>
+        </p:txBody>
+      </p:sp>
+      <p:sp>
+        <p:nvSpPr>
+          <p:cNvPr id="18" name="Rectangle 17"/>
+          <p:cNvSpPr/>
+          <p:nvPr/>
+        </p:nvSpPr>
+        <p:spPr>
+          <a:xfrm rot="10800000">
+            <a:off x="793629" y="2740081"/>
+            <a:ext cx="2675250" cy="1887485"/>
+          </a:xfrm>
+          <a:prstGeom prst="rect">
+            <a:avLst/>
+          </a:prstGeom>
+          <a:solidFill>
+            <a:schemeClr val="accent1">
+              <a:lumMod val="20000"/>
+              <a:lumOff val="80000"/>
+            </a:schemeClr>
+          </a:solidFill>
+          <a:ln>
+            <a:solidFill>
+              <a:schemeClr val="bg2">
+                <a:lumMod val="50000"/>
+              </a:schemeClr>
+            </a:solidFill>
+          </a:ln>
+        </p:spPr>
+        <p:style>
+          <a:lnRef idx="2">
+            <a:schemeClr val="accent1">
+              <a:shade val="50000"/>
+            </a:schemeClr>
+          </a:lnRef>
+          <a:fillRef idx="1">
+            <a:schemeClr val="accent1"/>
+          </a:fillRef>
+          <a:effectRef idx="0">
+            <a:schemeClr val="accent1"/>
+          </a:effectRef>
+          <a:fontRef idx="minor">
+            <a:schemeClr val="lt1"/>
+          </a:fontRef>
+        </p:style>
+        <p:txBody>
+          <a:bodyPr rtlCol="0" anchor="ctr"/>
+          <a:lstStyle/>
+          <a:p>
+            <a:pPr algn="ctr"/>
+            <a:endParaRPr lang="fr-FR" dirty="0"/>
+          </a:p>
+        </p:txBody>
+      </p:sp>
+      <p:sp>
+        <p:nvSpPr>
+          <p:cNvPr id="23" name="Rectangle 22"/>
+          <p:cNvSpPr/>
+          <p:nvPr/>
+        </p:nvSpPr>
+        <p:spPr>
+          <a:xfrm rot="5400000">
+            <a:off x="3625627" y="2589069"/>
+            <a:ext cx="937597" cy="1251913"/>
+          </a:xfrm>
+          <a:prstGeom prst="rect">
+            <a:avLst/>
+          </a:prstGeom>
+          <a:solidFill>
+            <a:schemeClr val="accent1">
+              <a:lumMod val="20000"/>
+              <a:lumOff val="80000"/>
+            </a:schemeClr>
+          </a:solidFill>
+          <a:ln>
+            <a:solidFill>
+              <a:schemeClr val="bg2">
+                <a:lumMod val="50000"/>
+              </a:schemeClr>
+            </a:solidFill>
+          </a:ln>
+        </p:spPr>
+        <p:style>
+          <a:lnRef idx="2">
+            <a:schemeClr val="accent1">
+              <a:shade val="50000"/>
+            </a:schemeClr>
+          </a:lnRef>
+          <a:fillRef idx="1">
+            <a:schemeClr val="accent1"/>
+          </a:fillRef>
+          <a:effectRef idx="0">
+            <a:schemeClr val="accent1"/>
+          </a:effectRef>
+          <a:fontRef idx="minor">
+            <a:schemeClr val="lt1"/>
+          </a:fontRef>
+        </p:style>
+        <p:txBody>
+          <a:bodyPr rtlCol="0" anchor="ctr"/>
+          <a:lstStyle/>
+          <a:p>
+            <a:pPr algn="ctr"/>
+            <a:endParaRPr lang="fr-FR"/>
+          </a:p>
+        </p:txBody>
+      </p:sp>
+      <p:sp>
+        <p:nvSpPr>
+          <p:cNvPr id="26" name="Rectangle 25"/>
+          <p:cNvSpPr/>
+          <p:nvPr/>
+        </p:nvSpPr>
+        <p:spPr>
+          <a:xfrm rot="5400000">
+            <a:off x="3623121" y="3526899"/>
+            <a:ext cx="937597" cy="1251913"/>
+          </a:xfrm>
+          <a:prstGeom prst="rect">
+            <a:avLst/>
+          </a:prstGeom>
+          <a:solidFill>
+            <a:schemeClr val="accent1">
+              <a:lumMod val="20000"/>
+              <a:lumOff val="80000"/>
+            </a:schemeClr>
+          </a:solidFill>
+          <a:ln>
+            <a:solidFill>
+              <a:schemeClr val="bg2">
+                <a:lumMod val="50000"/>
+              </a:schemeClr>
+            </a:solidFill>
+          </a:ln>
+        </p:spPr>
+        <p:style>
+          <a:lnRef idx="2">
+            <a:schemeClr val="accent1">
+              <a:shade val="50000"/>
+            </a:schemeClr>
+          </a:lnRef>
+          <a:fillRef idx="1">
+            <a:schemeClr val="accent1"/>
+          </a:fillRef>
+          <a:effectRef idx="0">
+            <a:schemeClr val="accent1"/>
+          </a:effectRef>
+          <a:fontRef idx="minor">
+            <a:schemeClr val="lt1"/>
+          </a:fontRef>
+        </p:style>
+        <p:txBody>
+          <a:bodyPr rtlCol="0" anchor="ctr"/>
+          <a:lstStyle/>
+          <a:p>
+            <a:pPr algn="ctr"/>
+            <a:endParaRPr lang="fr-FR"/>
+          </a:p>
+        </p:txBody>
+      </p:sp>
+      <p:sp>
+        <p:nvSpPr>
           <p:cNvPr id="2" name="Rectangle 1"/>
           <p:cNvSpPr/>
           <p:nvPr/>
@@ -3096,575 +3567,361 @@
           </a:p>
         </p:txBody>
       </p:sp>
-      <p:grpSp>
-        <p:nvGrpSpPr>
-          <p:cNvPr id="3" name="Groupe 2"/>
-          <p:cNvGrpSpPr/>
+      <p:cxnSp>
+        <p:nvCxnSpPr>
+          <p:cNvPr id="20" name="Connecteur droit 19"/>
+          <p:cNvCxnSpPr>
+            <a:stCxn id="18" idx="0"/>
+            <a:endCxn id="18" idx="2"/>
+          </p:cNvCxnSpPr>
           <p:nvPr/>
-        </p:nvGrpSpPr>
-        <p:grpSpPr>
-          <a:xfrm rot="10800000">
-            <a:off x="793629" y="1899464"/>
-            <a:ext cx="5407110" cy="3705047"/>
-            <a:chOff x="772065" y="1723125"/>
-            <a:chExt cx="5407110" cy="3705047"/>
-          </a:xfrm>
-        </p:grpSpPr>
-        <p:sp>
-          <p:nvSpPr>
-            <p:cNvPr id="41" name="Ellipse 40"/>
-            <p:cNvSpPr/>
-            <p:nvPr/>
-          </p:nvSpPr>
-          <p:spPr>
-            <a:xfrm>
-              <a:off x="2837902" y="2183081"/>
-              <a:ext cx="804193" cy="804193"/>
-            </a:xfrm>
-            <a:prstGeom prst="ellipse">
-              <a:avLst/>
-            </a:prstGeom>
+        </p:nvCxnSpPr>
+        <p:spPr>
+          <a:xfrm flipV="1">
+            <a:off x="2131254" y="2740081"/>
+            <a:ext cx="0" cy="1887485"/>
+          </a:xfrm>
+          <a:prstGeom prst="line">
+            <a:avLst/>
+          </a:prstGeom>
+          <a:ln>
             <a:solidFill>
               <a:schemeClr val="bg2">
-                <a:lumMod val="90000"/>
+                <a:lumMod val="50000"/>
               </a:schemeClr>
             </a:solidFill>
-            <a:ln>
-              <a:solidFill>
-                <a:schemeClr val="bg2">
-                  <a:lumMod val="50000"/>
-                </a:schemeClr>
-              </a:solidFill>
-            </a:ln>
-          </p:spPr>
-          <p:style>
-            <a:lnRef idx="2">
-              <a:schemeClr val="accent1">
-                <a:shade val="50000"/>
-              </a:schemeClr>
-            </a:lnRef>
-            <a:fillRef idx="1">
-              <a:schemeClr val="accent1"/>
-            </a:fillRef>
-            <a:effectRef idx="0">
-              <a:schemeClr val="accent1"/>
-            </a:effectRef>
-            <a:fontRef idx="minor">
-              <a:schemeClr val="lt1"/>
-            </a:fontRef>
-          </p:style>
-          <p:txBody>
-            <a:bodyPr rtlCol="0" anchor="ctr"/>
-            <a:lstStyle/>
-            <a:p>
-              <a:pPr algn="ctr"/>
-              <a:endParaRPr lang="fr-FR"/>
-            </a:p>
-          </p:txBody>
-        </p:sp>
-        <p:sp>
-          <p:nvSpPr>
-            <p:cNvPr id="42" name="Ellipse 41"/>
-            <p:cNvSpPr/>
-            <p:nvPr/>
-          </p:nvSpPr>
-          <p:spPr>
-            <a:xfrm>
-              <a:off x="4777760" y="2183081"/>
-              <a:ext cx="804193" cy="804193"/>
-            </a:xfrm>
-            <a:prstGeom prst="ellipse">
-              <a:avLst/>
-            </a:prstGeom>
+          </a:ln>
+        </p:spPr>
+        <p:style>
+          <a:lnRef idx="1">
+            <a:schemeClr val="accent1"/>
+          </a:lnRef>
+          <a:fillRef idx="0">
+            <a:schemeClr val="accent1"/>
+          </a:fillRef>
+          <a:effectRef idx="0">
+            <a:schemeClr val="accent1"/>
+          </a:effectRef>
+          <a:fontRef idx="minor">
+            <a:schemeClr val="tx1"/>
+          </a:fontRef>
+        </p:style>
+      </p:cxnSp>
+      <p:cxnSp>
+        <p:nvCxnSpPr>
+          <p:cNvPr id="24" name="Connecteur droit 23"/>
+          <p:cNvCxnSpPr>
+            <a:stCxn id="18" idx="1"/>
+            <a:endCxn id="18" idx="3"/>
+          </p:cNvCxnSpPr>
+          <p:nvPr/>
+        </p:nvCxnSpPr>
+        <p:spPr>
+          <a:xfrm flipH="1">
+            <a:off x="793629" y="3683823"/>
+            <a:ext cx="2675250" cy="0"/>
+          </a:xfrm>
+          <a:prstGeom prst="line">
+            <a:avLst/>
+          </a:prstGeom>
+          <a:ln>
             <a:solidFill>
               <a:schemeClr val="bg2">
-                <a:lumMod val="90000"/>
+                <a:lumMod val="50000"/>
               </a:schemeClr>
             </a:solidFill>
-            <a:ln>
-              <a:solidFill>
-                <a:schemeClr val="bg2">
-                  <a:lumMod val="50000"/>
-                </a:schemeClr>
-              </a:solidFill>
-            </a:ln>
-          </p:spPr>
-          <p:style>
-            <a:lnRef idx="2">
-              <a:schemeClr val="accent1">
-                <a:shade val="50000"/>
-              </a:schemeClr>
-            </a:lnRef>
-            <a:fillRef idx="1">
-              <a:schemeClr val="accent1"/>
-            </a:fillRef>
-            <a:effectRef idx="0">
-              <a:schemeClr val="accent1"/>
-            </a:effectRef>
-            <a:fontRef idx="minor">
-              <a:schemeClr val="lt1"/>
-            </a:fontRef>
-          </p:style>
-          <p:txBody>
-            <a:bodyPr rtlCol="0" anchor="ctr"/>
-            <a:lstStyle/>
-            <a:p>
-              <a:pPr algn="ctr"/>
-              <a:endParaRPr lang="fr-FR"/>
-            </a:p>
-          </p:txBody>
-        </p:sp>
-        <p:sp>
-          <p:nvSpPr>
-            <p:cNvPr id="43" name="Ellipse 42"/>
-            <p:cNvSpPr/>
-            <p:nvPr/>
-          </p:nvSpPr>
-          <p:spPr>
-            <a:xfrm>
-              <a:off x="2813474" y="4354896"/>
-              <a:ext cx="804193" cy="804193"/>
-            </a:xfrm>
-            <a:prstGeom prst="ellipse">
-              <a:avLst/>
-            </a:prstGeom>
+          </a:ln>
+        </p:spPr>
+        <p:style>
+          <a:lnRef idx="1">
+            <a:schemeClr val="accent1"/>
+          </a:lnRef>
+          <a:fillRef idx="0">
+            <a:schemeClr val="accent1"/>
+          </a:fillRef>
+          <a:effectRef idx="0">
+            <a:schemeClr val="accent1"/>
+          </a:effectRef>
+          <a:fontRef idx="minor">
+            <a:schemeClr val="tx1"/>
+          </a:fontRef>
+        </p:style>
+      </p:cxnSp>
+      <p:cxnSp>
+        <p:nvCxnSpPr>
+          <p:cNvPr id="15" name="Connecteur droit avec flèche 14"/>
+          <p:cNvCxnSpPr/>
+          <p:nvPr/>
+        </p:nvCxnSpPr>
+        <p:spPr>
+          <a:xfrm rot="10800000">
+            <a:off x="5892803" y="4533139"/>
+            <a:ext cx="1" cy="1071372"/>
+          </a:xfrm>
+          <a:prstGeom prst="straightConnector1">
+            <a:avLst/>
+          </a:prstGeom>
+          <a:ln w="38100">
             <a:solidFill>
-              <a:schemeClr val="bg2">
-                <a:lumMod val="90000"/>
+              <a:schemeClr val="tx1">
+                <a:lumMod val="50000"/>
+                <a:lumOff val="50000"/>
               </a:schemeClr>
             </a:solidFill>
-            <a:ln>
-              <a:solidFill>
-                <a:schemeClr val="bg2">
-                  <a:lumMod val="50000"/>
-                </a:schemeClr>
-              </a:solidFill>
-            </a:ln>
-          </p:spPr>
-          <p:style>
-            <a:lnRef idx="2">
-              <a:schemeClr val="accent1">
-                <a:shade val="50000"/>
-              </a:schemeClr>
-            </a:lnRef>
-            <a:fillRef idx="1">
-              <a:schemeClr val="accent1"/>
-            </a:fillRef>
-            <a:effectRef idx="0">
-              <a:schemeClr val="accent1"/>
-            </a:effectRef>
-            <a:fontRef idx="minor">
-              <a:schemeClr val="lt1"/>
-            </a:fontRef>
-          </p:style>
-          <p:txBody>
-            <a:bodyPr rtlCol="0" anchor="ctr"/>
-            <a:lstStyle/>
-            <a:p>
-              <a:pPr algn="ctr"/>
-              <a:endParaRPr lang="fr-FR"/>
-            </a:p>
-          </p:txBody>
-        </p:sp>
-        <p:sp>
-          <p:nvSpPr>
-            <p:cNvPr id="44" name="Ellipse 43"/>
-            <p:cNvSpPr/>
-            <p:nvPr/>
-          </p:nvSpPr>
-          <p:spPr>
-            <a:xfrm>
-              <a:off x="4753332" y="4354896"/>
-              <a:ext cx="804193" cy="804193"/>
-            </a:xfrm>
-            <a:prstGeom prst="ellipse">
-              <a:avLst/>
-            </a:prstGeom>
+            <a:headEnd type="none" w="med" len="med"/>
+            <a:tailEnd type="none" w="med" len="med"/>
+          </a:ln>
+        </p:spPr>
+        <p:style>
+          <a:lnRef idx="1">
+            <a:schemeClr val="accent1"/>
+          </a:lnRef>
+          <a:fillRef idx="0">
+            <a:schemeClr val="accent1"/>
+          </a:fillRef>
+          <a:effectRef idx="0">
+            <a:schemeClr val="accent1"/>
+          </a:effectRef>
+          <a:fontRef idx="minor">
+            <a:schemeClr val="tx1"/>
+          </a:fontRef>
+        </p:style>
+      </p:cxnSp>
+      <p:sp>
+        <p:nvSpPr>
+          <p:cNvPr id="33" name="ZoneTexte 32"/>
+          <p:cNvSpPr txBox="1"/>
+          <p:nvPr/>
+        </p:nvSpPr>
+        <p:spPr>
+          <a:xfrm>
+            <a:off x="3564130" y="3971030"/>
+            <a:ext cx="1058495" cy="369332"/>
+          </a:xfrm>
+          <a:prstGeom prst="rect">
+            <a:avLst/>
+          </a:prstGeom>
+          <a:noFill/>
+        </p:spPr>
+        <p:txBody>
+          <a:bodyPr wrap="none" rtlCol="0">
+            <a:spAutoFit/>
+          </a:bodyPr>
+          <a:lstStyle/>
+          <a:p>
+            <a:pPr algn="ctr"/>
+            <a:r>
+              <a:rPr lang="fr-FR" dirty="0" smtClean="0"/>
+              <a:t>Polochon</a:t>
+            </a:r>
+            <a:endParaRPr lang="fr-FR" dirty="0"/>
+          </a:p>
+        </p:txBody>
+      </p:sp>
+      <p:sp>
+        <p:nvSpPr>
+          <p:cNvPr id="34" name="ZoneTexte 33"/>
+          <p:cNvSpPr txBox="1"/>
+          <p:nvPr/>
+        </p:nvSpPr>
+        <p:spPr>
+          <a:xfrm>
+            <a:off x="2420941" y="3039202"/>
+            <a:ext cx="755335" cy="369332"/>
+          </a:xfrm>
+          <a:prstGeom prst="rect">
+            <a:avLst/>
+          </a:prstGeom>
+          <a:noFill/>
+        </p:spPr>
+        <p:txBody>
+          <a:bodyPr wrap="none" rtlCol="0">
+            <a:spAutoFit/>
+          </a:bodyPr>
+          <a:lstStyle/>
+          <a:p>
+            <a:pPr algn="ctr"/>
+            <a:r>
+              <a:rPr lang="fr-FR" dirty="0" err="1" smtClean="0"/>
+              <a:t>Némo</a:t>
+            </a:r>
+            <a:endParaRPr lang="fr-FR" dirty="0"/>
+          </a:p>
+        </p:txBody>
+      </p:sp>
+      <p:sp>
+        <p:nvSpPr>
+          <p:cNvPr id="35" name="ZoneTexte 34"/>
+          <p:cNvSpPr txBox="1"/>
+          <p:nvPr/>
+        </p:nvSpPr>
+        <p:spPr>
+          <a:xfrm>
+            <a:off x="2465824" y="3968021"/>
+            <a:ext cx="665567" cy="369332"/>
+          </a:xfrm>
+          <a:prstGeom prst="rect">
+            <a:avLst/>
+          </a:prstGeom>
+          <a:noFill/>
+        </p:spPr>
+        <p:txBody>
+          <a:bodyPr wrap="none" rtlCol="0">
+            <a:spAutoFit/>
+          </a:bodyPr>
+          <a:lstStyle/>
+          <a:p>
+            <a:pPr algn="ctr"/>
+            <a:r>
+              <a:rPr lang="fr-FR" dirty="0" smtClean="0"/>
+              <a:t>Hank</a:t>
+            </a:r>
+            <a:endParaRPr lang="fr-FR" dirty="0"/>
+          </a:p>
+        </p:txBody>
+      </p:sp>
+      <p:sp>
+        <p:nvSpPr>
+          <p:cNvPr id="36" name="ZoneTexte 35"/>
+          <p:cNvSpPr txBox="1"/>
+          <p:nvPr/>
+        </p:nvSpPr>
+        <p:spPr>
+          <a:xfrm>
+            <a:off x="1001960" y="3030294"/>
+            <a:ext cx="989438" cy="369332"/>
+          </a:xfrm>
+          <a:prstGeom prst="rect">
+            <a:avLst/>
+          </a:prstGeom>
+          <a:noFill/>
+        </p:spPr>
+        <p:txBody>
+          <a:bodyPr wrap="none" rtlCol="0">
+            <a:spAutoFit/>
+          </a:bodyPr>
+          <a:lstStyle/>
+          <a:p>
+            <a:pPr algn="ctr"/>
+            <a:r>
+              <a:rPr lang="fr-FR" dirty="0" err="1" smtClean="0"/>
+              <a:t>Tamatoa</a:t>
+            </a:r>
+            <a:endParaRPr lang="fr-FR" dirty="0"/>
+          </a:p>
+        </p:txBody>
+      </p:sp>
+      <p:sp>
+        <p:nvSpPr>
+          <p:cNvPr id="4" name="Rectangle 3"/>
+          <p:cNvSpPr/>
+          <p:nvPr/>
+        </p:nvSpPr>
+        <p:spPr>
+          <a:xfrm rot="5400000">
+            <a:off x="1644661" y="1048432"/>
+            <a:ext cx="3705046" cy="5407110"/>
+          </a:xfrm>
+          <a:prstGeom prst="rect">
+            <a:avLst/>
+          </a:prstGeom>
+          <a:noFill/>
+          <a:ln w="76200">
             <a:solidFill>
-              <a:schemeClr val="bg2">
-                <a:lumMod val="90000"/>
+              <a:schemeClr val="tx1">
+                <a:lumMod val="50000"/>
+                <a:lumOff val="50000"/>
               </a:schemeClr>
             </a:solidFill>
-            <a:ln>
-              <a:solidFill>
-                <a:schemeClr val="bg2">
-                  <a:lumMod val="50000"/>
-                </a:schemeClr>
-              </a:solidFill>
-            </a:ln>
-          </p:spPr>
-          <p:style>
-            <a:lnRef idx="2">
-              <a:schemeClr val="accent1">
-                <a:shade val="50000"/>
-              </a:schemeClr>
-            </a:lnRef>
-            <a:fillRef idx="1">
-              <a:schemeClr val="accent1"/>
-            </a:fillRef>
-            <a:effectRef idx="0">
-              <a:schemeClr val="accent1"/>
-            </a:effectRef>
-            <a:fontRef idx="minor">
-              <a:schemeClr val="lt1"/>
-            </a:fontRef>
-          </p:style>
-          <p:txBody>
-            <a:bodyPr rtlCol="0" anchor="ctr"/>
-            <a:lstStyle/>
-            <a:p>
-              <a:pPr algn="ctr"/>
-              <a:endParaRPr lang="fr-FR"/>
-            </a:p>
-          </p:txBody>
-        </p:sp>
-        <p:sp>
-          <p:nvSpPr>
-            <p:cNvPr id="18" name="Rectangle 17"/>
-            <p:cNvSpPr/>
-            <p:nvPr/>
-          </p:nvSpPr>
-          <p:spPr>
-            <a:xfrm>
-              <a:off x="2160000" y="2700068"/>
-              <a:ext cx="4019175" cy="1887485"/>
-            </a:xfrm>
-            <a:prstGeom prst="rect">
-              <a:avLst/>
-            </a:prstGeom>
-            <a:solidFill>
-              <a:schemeClr val="accent1">
-                <a:lumMod val="20000"/>
-                <a:lumOff val="80000"/>
-              </a:schemeClr>
-            </a:solidFill>
-            <a:ln>
-              <a:solidFill>
-                <a:schemeClr val="bg2">
-                  <a:lumMod val="50000"/>
-                </a:schemeClr>
-              </a:solidFill>
-            </a:ln>
-          </p:spPr>
-          <p:style>
-            <a:lnRef idx="2">
-              <a:schemeClr val="accent1">
-                <a:shade val="50000"/>
-              </a:schemeClr>
-            </a:lnRef>
-            <a:fillRef idx="1">
-              <a:schemeClr val="accent1"/>
-            </a:fillRef>
-            <a:effectRef idx="0">
-              <a:schemeClr val="accent1"/>
-            </a:effectRef>
-            <a:fontRef idx="minor">
-              <a:schemeClr val="lt1"/>
-            </a:fontRef>
-          </p:style>
-          <p:txBody>
-            <a:bodyPr rtlCol="0" anchor="ctr"/>
-            <a:lstStyle/>
-            <a:p>
-              <a:pPr algn="ctr"/>
-              <a:endParaRPr lang="fr-FR" dirty="0"/>
-            </a:p>
-          </p:txBody>
-        </p:sp>
-        <p:cxnSp>
-          <p:nvCxnSpPr>
-            <p:cNvPr id="20" name="Connecteur droit 19"/>
-            <p:cNvCxnSpPr>
-              <a:stCxn id="18" idx="0"/>
-              <a:endCxn id="18" idx="2"/>
-            </p:cNvCxnSpPr>
-            <p:nvPr/>
-          </p:nvCxnSpPr>
-          <p:spPr>
-            <a:xfrm>
-              <a:off x="4169588" y="2700068"/>
-              <a:ext cx="0" cy="1887485"/>
-            </a:xfrm>
-            <a:prstGeom prst="line">
-              <a:avLst/>
-            </a:prstGeom>
-            <a:ln>
-              <a:solidFill>
-                <a:schemeClr val="bg2">
-                  <a:lumMod val="50000"/>
-                </a:schemeClr>
-              </a:solidFill>
-            </a:ln>
-          </p:spPr>
-          <p:style>
-            <a:lnRef idx="1">
-              <a:schemeClr val="accent1"/>
-            </a:lnRef>
-            <a:fillRef idx="0">
-              <a:schemeClr val="accent1"/>
-            </a:fillRef>
-            <a:effectRef idx="0">
-              <a:schemeClr val="accent1"/>
-            </a:effectRef>
-            <a:fontRef idx="minor">
-              <a:schemeClr val="tx1"/>
-            </a:fontRef>
-          </p:style>
-        </p:cxnSp>
-        <p:cxnSp>
-          <p:nvCxnSpPr>
-            <p:cNvPr id="24" name="Connecteur droit 23"/>
-            <p:cNvCxnSpPr>
-              <a:stCxn id="18" idx="1"/>
-              <a:endCxn id="18" idx="3"/>
-            </p:cNvCxnSpPr>
-            <p:nvPr/>
-          </p:nvCxnSpPr>
-          <p:spPr>
-            <a:xfrm>
-              <a:off x="2160000" y="3643811"/>
-              <a:ext cx="4019175" cy="0"/>
-            </a:xfrm>
-            <a:prstGeom prst="line">
-              <a:avLst/>
-            </a:prstGeom>
-            <a:ln>
-              <a:solidFill>
-                <a:schemeClr val="bg2">
-                  <a:lumMod val="50000"/>
-                </a:schemeClr>
-              </a:solidFill>
-            </a:ln>
-          </p:spPr>
-          <p:style>
-            <a:lnRef idx="1">
-              <a:schemeClr val="accent1"/>
-            </a:lnRef>
-            <a:fillRef idx="0">
-              <a:schemeClr val="accent1"/>
-            </a:fillRef>
-            <a:effectRef idx="0">
-              <a:schemeClr val="accent1"/>
-            </a:effectRef>
-            <a:fontRef idx="minor">
-              <a:schemeClr val="tx1"/>
-            </a:fontRef>
-          </p:style>
-        </p:cxnSp>
-        <p:cxnSp>
-          <p:nvCxnSpPr>
-            <p:cNvPr id="15" name="Connecteur droit avec flèche 14"/>
-            <p:cNvCxnSpPr/>
-            <p:nvPr/>
-          </p:nvCxnSpPr>
-          <p:spPr>
-            <a:xfrm>
-              <a:off x="1080000" y="1723125"/>
-              <a:ext cx="1" cy="1071372"/>
-            </a:xfrm>
-            <a:prstGeom prst="straightConnector1">
-              <a:avLst/>
-            </a:prstGeom>
-            <a:ln w="38100">
-              <a:solidFill>
-                <a:schemeClr val="tx1">
-                  <a:lumMod val="50000"/>
-                  <a:lumOff val="50000"/>
-                </a:schemeClr>
-              </a:solidFill>
-              <a:headEnd type="none" w="med" len="med"/>
-              <a:tailEnd type="none" w="med" len="med"/>
-            </a:ln>
-          </p:spPr>
-          <p:style>
-            <a:lnRef idx="1">
-              <a:schemeClr val="accent1"/>
-            </a:lnRef>
-            <a:fillRef idx="0">
-              <a:schemeClr val="accent1"/>
-            </a:fillRef>
-            <a:effectRef idx="0">
-              <a:schemeClr val="accent1"/>
-            </a:effectRef>
-            <a:fontRef idx="minor">
-              <a:schemeClr val="tx1"/>
-            </a:fontRef>
-          </p:style>
-        </p:cxnSp>
-        <p:sp>
-          <p:nvSpPr>
-            <p:cNvPr id="33" name="ZoneTexte 32"/>
-            <p:cNvSpPr txBox="1"/>
-            <p:nvPr/>
-          </p:nvSpPr>
-          <p:spPr>
-            <a:xfrm rot="10800000">
-              <a:off x="2635547" y="2987274"/>
-              <a:ext cx="1058495" cy="369332"/>
-            </a:xfrm>
-            <a:prstGeom prst="rect">
-              <a:avLst/>
-            </a:prstGeom>
-            <a:noFill/>
-          </p:spPr>
-          <p:txBody>
-            <a:bodyPr wrap="none" rtlCol="0">
-              <a:spAutoFit/>
-            </a:bodyPr>
-            <a:lstStyle/>
-            <a:p>
-              <a:pPr algn="ctr"/>
-              <a:r>
-                <a:rPr lang="fr-FR" dirty="0" smtClean="0"/>
-                <a:t>Polochon</a:t>
-              </a:r>
-              <a:endParaRPr lang="fr-FR" dirty="0"/>
-            </a:p>
-          </p:txBody>
-        </p:sp>
-        <p:sp>
-          <p:nvSpPr>
-            <p:cNvPr id="34" name="ZoneTexte 33"/>
-            <p:cNvSpPr txBox="1"/>
-            <p:nvPr/>
-          </p:nvSpPr>
-          <p:spPr>
-            <a:xfrm rot="10800000">
-              <a:off x="4753332" y="2987274"/>
-              <a:ext cx="755335" cy="369332"/>
-            </a:xfrm>
-            <a:prstGeom prst="rect">
-              <a:avLst/>
-            </a:prstGeom>
-            <a:noFill/>
-          </p:spPr>
-          <p:txBody>
-            <a:bodyPr wrap="none" rtlCol="0">
-              <a:spAutoFit/>
-            </a:bodyPr>
-            <a:lstStyle/>
-            <a:p>
-              <a:pPr algn="ctr"/>
-              <a:r>
-                <a:rPr lang="fr-FR" dirty="0" err="1" smtClean="0"/>
-                <a:t>Némo</a:t>
-              </a:r>
-              <a:endParaRPr lang="fr-FR" dirty="0"/>
-            </a:p>
-          </p:txBody>
-        </p:sp>
-        <p:sp>
-          <p:nvSpPr>
-            <p:cNvPr id="35" name="ZoneTexte 34"/>
-            <p:cNvSpPr txBox="1"/>
-            <p:nvPr/>
-          </p:nvSpPr>
-          <p:spPr>
-            <a:xfrm rot="10800000">
-              <a:off x="2832010" y="3931016"/>
-              <a:ext cx="665567" cy="369332"/>
-            </a:xfrm>
-            <a:prstGeom prst="rect">
-              <a:avLst/>
-            </a:prstGeom>
-            <a:noFill/>
-          </p:spPr>
-          <p:txBody>
-            <a:bodyPr wrap="none" rtlCol="0">
-              <a:spAutoFit/>
-            </a:bodyPr>
-            <a:lstStyle/>
-            <a:p>
-              <a:pPr algn="ctr"/>
-              <a:r>
-                <a:rPr lang="fr-FR" dirty="0" smtClean="0"/>
-                <a:t>Hank</a:t>
-              </a:r>
-              <a:endParaRPr lang="fr-FR" dirty="0"/>
-            </a:p>
-          </p:txBody>
-        </p:sp>
-        <p:sp>
-          <p:nvSpPr>
-            <p:cNvPr id="36" name="ZoneTexte 35"/>
-            <p:cNvSpPr txBox="1"/>
-            <p:nvPr/>
-          </p:nvSpPr>
-          <p:spPr>
-            <a:xfrm rot="10800000">
-              <a:off x="4660709" y="3928010"/>
-              <a:ext cx="989438" cy="369332"/>
-            </a:xfrm>
-            <a:prstGeom prst="rect">
-              <a:avLst/>
-            </a:prstGeom>
-            <a:noFill/>
-          </p:spPr>
-          <p:txBody>
-            <a:bodyPr wrap="none" rtlCol="0">
-              <a:spAutoFit/>
-            </a:bodyPr>
-            <a:lstStyle/>
-            <a:p>
-              <a:pPr algn="ctr"/>
-              <a:r>
-                <a:rPr lang="fr-FR" dirty="0" err="1" smtClean="0"/>
-                <a:t>Tamatoa</a:t>
-              </a:r>
-              <a:endParaRPr lang="fr-FR" dirty="0"/>
-            </a:p>
-          </p:txBody>
-        </p:sp>
-        <p:sp>
-          <p:nvSpPr>
-            <p:cNvPr id="4" name="Rectangle 3"/>
-            <p:cNvSpPr/>
-            <p:nvPr/>
-          </p:nvSpPr>
-          <p:spPr>
-            <a:xfrm rot="16200000">
-              <a:off x="1623097" y="872094"/>
-              <a:ext cx="3705046" cy="5407110"/>
-            </a:xfrm>
-            <a:prstGeom prst="rect">
-              <a:avLst/>
-            </a:prstGeom>
-            <a:noFill/>
-            <a:ln w="76200">
-              <a:solidFill>
-                <a:schemeClr val="tx1">
-                  <a:lumMod val="50000"/>
-                  <a:lumOff val="50000"/>
-                </a:schemeClr>
-              </a:solidFill>
-            </a:ln>
-          </p:spPr>
-          <p:style>
-            <a:lnRef idx="2">
-              <a:schemeClr val="accent1">
-                <a:shade val="50000"/>
-              </a:schemeClr>
-            </a:lnRef>
-            <a:fillRef idx="1">
-              <a:schemeClr val="accent1"/>
-            </a:fillRef>
-            <a:effectRef idx="0">
-              <a:schemeClr val="accent1"/>
-            </a:effectRef>
-            <a:fontRef idx="minor">
-              <a:schemeClr val="lt1"/>
-            </a:fontRef>
-          </p:style>
-          <p:txBody>
-            <a:bodyPr rtlCol="0" anchor="ctr"/>
-            <a:lstStyle/>
-            <a:p>
-              <a:pPr algn="ctr"/>
-              <a:endParaRPr lang="fr-FR"/>
-            </a:p>
-          </p:txBody>
-        </p:sp>
-      </p:grpSp>
+          </a:ln>
+        </p:spPr>
+        <p:style>
+          <a:lnRef idx="2">
+            <a:schemeClr val="accent1">
+              <a:shade val="50000"/>
+            </a:schemeClr>
+          </a:lnRef>
+          <a:fillRef idx="1">
+            <a:schemeClr val="accent1"/>
+          </a:fillRef>
+          <a:effectRef idx="0">
+            <a:schemeClr val="accent1"/>
+          </a:effectRef>
+          <a:fontRef idx="minor">
+            <a:schemeClr val="lt1"/>
+          </a:fontRef>
+        </p:style>
+        <p:txBody>
+          <a:bodyPr rtlCol="0" anchor="ctr"/>
+          <a:lstStyle/>
+          <a:p>
+            <a:pPr algn="ctr"/>
+            <a:endParaRPr lang="fr-FR"/>
+          </a:p>
+        </p:txBody>
+      </p:sp>
+      <p:sp>
+        <p:nvSpPr>
+          <p:cNvPr id="29" name="ZoneTexte 28"/>
+          <p:cNvSpPr txBox="1"/>
+          <p:nvPr/>
+        </p:nvSpPr>
+        <p:spPr>
+          <a:xfrm>
+            <a:off x="1103498" y="3978797"/>
+            <a:ext cx="777777" cy="369332"/>
+          </a:xfrm>
+          <a:prstGeom prst="rect">
+            <a:avLst/>
+          </a:prstGeom>
+          <a:noFill/>
+        </p:spPr>
+        <p:txBody>
+          <a:bodyPr wrap="none" rtlCol="0">
+            <a:spAutoFit/>
+          </a:bodyPr>
+          <a:lstStyle/>
+          <a:p>
+            <a:pPr algn="ctr"/>
+            <a:r>
+              <a:rPr lang="fr-FR" dirty="0" err="1" smtClean="0"/>
+              <a:t>Aquali</a:t>
+            </a:r>
+            <a:endParaRPr lang="fr-FR" dirty="0"/>
+          </a:p>
+        </p:txBody>
+      </p:sp>
+      <p:sp>
+        <p:nvSpPr>
+          <p:cNvPr id="30" name="ZoneTexte 29"/>
+          <p:cNvSpPr txBox="1"/>
+          <p:nvPr/>
+        </p:nvSpPr>
+        <p:spPr>
+          <a:xfrm>
+            <a:off x="3565184" y="3030294"/>
+            <a:ext cx="1061573" cy="369332"/>
+          </a:xfrm>
+          <a:prstGeom prst="rect">
+            <a:avLst/>
+          </a:prstGeom>
+          <a:noFill/>
+        </p:spPr>
+        <p:txBody>
+          <a:bodyPr wrap="none" rtlCol="0">
+            <a:spAutoFit/>
+          </a:bodyPr>
+          <a:lstStyle/>
+          <a:p>
+            <a:pPr algn="ctr"/>
+            <a:r>
+              <a:rPr lang="fr-FR" dirty="0" err="1" smtClean="0"/>
+              <a:t>Carapuce</a:t>
+            </a:r>
+            <a:endParaRPr lang="fr-FR" dirty="0"/>
+          </a:p>
+        </p:txBody>
+      </p:sp>
     </p:spTree>
     <p:extLst>
       <p:ext uri="{BB962C8B-B14F-4D97-AF65-F5344CB8AC3E}">
@@ -5464,12 +5721,11 @@
 </file>
 
 <file path=customXml/item1.xml><?xml version="1.0" encoding="utf-8"?>
-<?mso-contentType ?>
-<FormTemplates xmlns="http://schemas.microsoft.com/sharepoint/v3/contenttype/forms">
-  <Display>DocumentLibraryForm</Display>
-  <Edit>DocumentLibraryForm</Edit>
-  <New>DocumentLibraryForm</New>
-</FormTemplates>
+<p:properties xmlns:p="http://schemas.microsoft.com/office/2006/metadata/properties" xmlns:xsi="http://www.w3.org/2001/XMLSchema-instance" xmlns:pc="http://schemas.microsoft.com/office/infopath/2007/PartnerControls">
+  <documentManagement>
+    <_activity xmlns="230486b7-ae46-4a7b-9810-315006c8cb07" xsi:nil="true"/>
+  </documentManagement>
+</p:properties>
 </file>
 
 <file path=customXml/item2.xml><?xml version="1.0" encoding="utf-8"?>
@@ -5720,17 +5976,27 @@
 </file>
 
 <file path=customXml/item3.xml><?xml version="1.0" encoding="utf-8"?>
-<p:properties xmlns:p="http://schemas.microsoft.com/office/2006/metadata/properties" xmlns:xsi="http://www.w3.org/2001/XMLSchema-instance" xmlns:pc="http://schemas.microsoft.com/office/infopath/2007/PartnerControls">
-  <documentManagement>
-    <_activity xmlns="230486b7-ae46-4a7b-9810-315006c8cb07" xsi:nil="true"/>
-  </documentManagement>
-</p:properties>
+<?mso-contentType ?>
+<FormTemplates xmlns="http://schemas.microsoft.com/sharepoint/v3/contenttype/forms">
+  <Display>DocumentLibraryForm</Display>
+  <Edit>DocumentLibraryForm</Edit>
+  <New>DocumentLibraryForm</New>
+</FormTemplates>
 </file>
 
 <file path=customXml/itemProps1.xml><?xml version="1.0" encoding="utf-8"?>
-<ds:datastoreItem xmlns:ds="http://schemas.openxmlformats.org/officeDocument/2006/customXml" ds:itemID="{F1DF9C5F-EB5E-4E63-B7DD-0B2C199700E3}">
+<ds:datastoreItem xmlns:ds="http://schemas.openxmlformats.org/officeDocument/2006/customXml" ds:itemID="{2EE87A21-A4D5-43A5-A22C-D906B17EB041}">
   <ds:schemaRefs>
-    <ds:schemaRef ds:uri="http://schemas.microsoft.com/sharepoint/v3/contenttype/forms"/>
+    <ds:schemaRef ds:uri="c8438557-ce8b-4c4c-b94d-6a2491d2cc6d"/>
+    <ds:schemaRef ds:uri="http://schemas.openxmlformats.org/package/2006/metadata/core-properties"/>
+    <ds:schemaRef ds:uri="http://www.w3.org/XML/1998/namespace"/>
+    <ds:schemaRef ds:uri="http://schemas.microsoft.com/office/infopath/2007/PartnerControls"/>
+    <ds:schemaRef ds:uri="230486b7-ae46-4a7b-9810-315006c8cb07"/>
+    <ds:schemaRef ds:uri="http://purl.org/dc/elements/1.1/"/>
+    <ds:schemaRef ds:uri="http://schemas.microsoft.com/office/2006/documentManagement/types"/>
+    <ds:schemaRef ds:uri="http://schemas.microsoft.com/office/2006/metadata/properties"/>
+    <ds:schemaRef ds:uri="http://purl.org/dc/dcmitype/"/>
+    <ds:schemaRef ds:uri="http://purl.org/dc/terms/"/>
   </ds:schemaRefs>
 </ds:datastoreItem>
 </file>
@@ -5755,18 +6021,9 @@
 </file>
 
 <file path=customXml/itemProps3.xml><?xml version="1.0" encoding="utf-8"?>
-<ds:datastoreItem xmlns:ds="http://schemas.openxmlformats.org/officeDocument/2006/customXml" ds:itemID="{2EE87A21-A4D5-43A5-A22C-D906B17EB041}">
+<ds:datastoreItem xmlns:ds="http://schemas.openxmlformats.org/officeDocument/2006/customXml" ds:itemID="{F1DF9C5F-EB5E-4E63-B7DD-0B2C199700E3}">
   <ds:schemaRefs>
-    <ds:schemaRef ds:uri="http://purl.org/dc/elements/1.1/"/>
-    <ds:schemaRef ds:uri="c8438557-ce8b-4c4c-b94d-6a2491d2cc6d"/>
-    <ds:schemaRef ds:uri="http://purl.org/dc/dcmitype/"/>
-    <ds:schemaRef ds:uri="230486b7-ae46-4a7b-9810-315006c8cb07"/>
-    <ds:schemaRef ds:uri="http://schemas.openxmlformats.org/package/2006/metadata/core-properties"/>
-    <ds:schemaRef ds:uri="http://schemas.microsoft.com/office/2006/documentManagement/types"/>
-    <ds:schemaRef ds:uri="http://purl.org/dc/terms/"/>
-    <ds:schemaRef ds:uri="http://schemas.microsoft.com/office/infopath/2007/PartnerControls"/>
-    <ds:schemaRef ds:uri="http://schemas.microsoft.com/office/2006/metadata/properties"/>
-    <ds:schemaRef ds:uri="http://www.w3.org/XML/1998/namespace"/>
+    <ds:schemaRef ds:uri="http://schemas.microsoft.com/sharepoint/v3/contenttype/forms"/>
   </ds:schemaRefs>
 </ds:datastoreItem>
 </file>
--- a/Présentation2.pptx
+++ b/Présentation2.pptx
@@ -2978,7 +2978,7 @@
         </p:nvSpPr>
         <p:spPr>
           <a:xfrm rot="10800000">
-            <a:off x="3718278" y="4340363"/>
+            <a:off x="3708997" y="4340363"/>
             <a:ext cx="804193" cy="804193"/>
           </a:xfrm>
           <a:prstGeom prst="ellipse">
@@ -3030,7 +3030,7 @@
         </p:nvSpPr>
         <p:spPr>
           <a:xfrm rot="10800000">
-            <a:off x="3680665" y="2168548"/>
+            <a:off x="3708997" y="2168548"/>
             <a:ext cx="804193" cy="804193"/>
           </a:xfrm>
           <a:prstGeom prst="ellipse">
@@ -3082,7 +3082,7 @@
         </p:nvSpPr>
         <p:spPr>
           <a:xfrm rot="10800000">
-            <a:off x="2449983" y="4340362"/>
+            <a:off x="2409412" y="4340362"/>
             <a:ext cx="804193" cy="804193"/>
           </a:xfrm>
           <a:prstGeom prst="ellipse">
@@ -3134,7 +3134,7 @@
         </p:nvSpPr>
         <p:spPr>
           <a:xfrm rot="10800000">
-            <a:off x="1115275" y="4340362"/>
+            <a:off x="1109828" y="4340362"/>
             <a:ext cx="804193" cy="804193"/>
           </a:xfrm>
           <a:prstGeom prst="ellipse">
@@ -3186,7 +3186,7 @@
         </p:nvSpPr>
         <p:spPr>
           <a:xfrm rot="10800000">
-            <a:off x="2412370" y="2168547"/>
+            <a:off x="2409412" y="2168547"/>
             <a:ext cx="804193" cy="804193"/>
           </a:xfrm>
           <a:prstGeom prst="ellipse">
@@ -3238,7 +3238,7 @@
         </p:nvSpPr>
         <p:spPr>
           <a:xfrm rot="10800000">
-            <a:off x="1104381" y="2168547"/>
+            <a:off x="1109828" y="2168547"/>
             <a:ext cx="804193" cy="804193"/>
           </a:xfrm>
           <a:prstGeom prst="ellipse">
@@ -3290,8 +3290,8 @@
         </p:nvSpPr>
         <p:spPr>
           <a:xfrm rot="10800000">
-            <a:off x="793629" y="2740081"/>
-            <a:ext cx="2675250" cy="1887485"/>
+            <a:off x="793628" y="2740080"/>
+            <a:ext cx="4019175" cy="1887485"/>
           </a:xfrm>
           <a:prstGeom prst="rect">
             <a:avLst/>
@@ -3337,112 +3337,6 @@
       </p:sp>
       <p:sp>
         <p:nvSpPr>
-          <p:cNvPr id="23" name="Rectangle 22"/>
-          <p:cNvSpPr/>
-          <p:nvPr/>
-        </p:nvSpPr>
-        <p:spPr>
-          <a:xfrm rot="5400000">
-            <a:off x="3625627" y="2589069"/>
-            <a:ext cx="937597" cy="1251913"/>
-          </a:xfrm>
-          <a:prstGeom prst="rect">
-            <a:avLst/>
-          </a:prstGeom>
-          <a:solidFill>
-            <a:schemeClr val="accent1">
-              <a:lumMod val="20000"/>
-              <a:lumOff val="80000"/>
-            </a:schemeClr>
-          </a:solidFill>
-          <a:ln>
-            <a:solidFill>
-              <a:schemeClr val="bg2">
-                <a:lumMod val="50000"/>
-              </a:schemeClr>
-            </a:solidFill>
-          </a:ln>
-        </p:spPr>
-        <p:style>
-          <a:lnRef idx="2">
-            <a:schemeClr val="accent1">
-              <a:shade val="50000"/>
-            </a:schemeClr>
-          </a:lnRef>
-          <a:fillRef idx="1">
-            <a:schemeClr val="accent1"/>
-          </a:fillRef>
-          <a:effectRef idx="0">
-            <a:schemeClr val="accent1"/>
-          </a:effectRef>
-          <a:fontRef idx="minor">
-            <a:schemeClr val="lt1"/>
-          </a:fontRef>
-        </p:style>
-        <p:txBody>
-          <a:bodyPr rtlCol="0" anchor="ctr"/>
-          <a:lstStyle/>
-          <a:p>
-            <a:pPr algn="ctr"/>
-            <a:endParaRPr lang="fr-FR"/>
-          </a:p>
-        </p:txBody>
-      </p:sp>
-      <p:sp>
-        <p:nvSpPr>
-          <p:cNvPr id="26" name="Rectangle 25"/>
-          <p:cNvSpPr/>
-          <p:nvPr/>
-        </p:nvSpPr>
-        <p:spPr>
-          <a:xfrm rot="5400000">
-            <a:off x="3623121" y="3526899"/>
-            <a:ext cx="937597" cy="1251913"/>
-          </a:xfrm>
-          <a:prstGeom prst="rect">
-            <a:avLst/>
-          </a:prstGeom>
-          <a:solidFill>
-            <a:schemeClr val="accent1">
-              <a:lumMod val="20000"/>
-              <a:lumOff val="80000"/>
-            </a:schemeClr>
-          </a:solidFill>
-          <a:ln>
-            <a:solidFill>
-              <a:schemeClr val="bg2">
-                <a:lumMod val="50000"/>
-              </a:schemeClr>
-            </a:solidFill>
-          </a:ln>
-        </p:spPr>
-        <p:style>
-          <a:lnRef idx="2">
-            <a:schemeClr val="accent1">
-              <a:shade val="50000"/>
-            </a:schemeClr>
-          </a:lnRef>
-          <a:fillRef idx="1">
-            <a:schemeClr val="accent1"/>
-          </a:fillRef>
-          <a:effectRef idx="0">
-            <a:schemeClr val="accent1"/>
-          </a:effectRef>
-          <a:fontRef idx="minor">
-            <a:schemeClr val="lt1"/>
-          </a:fontRef>
-        </p:style>
-        <p:txBody>
-          <a:bodyPr rtlCol="0" anchor="ctr"/>
-          <a:lstStyle/>
-          <a:p>
-            <a:pPr algn="ctr"/>
-            <a:endParaRPr lang="fr-FR"/>
-          </a:p>
-        </p:txBody>
-      </p:sp>
-      <p:sp>
-        <p:nvSpPr>
           <p:cNvPr id="2" name="Rectangle 1"/>
           <p:cNvSpPr/>
           <p:nvPr/>
@@ -3570,15 +3464,12 @@
       <p:cxnSp>
         <p:nvCxnSpPr>
           <p:cNvPr id="20" name="Connecteur droit 19"/>
-          <p:cNvCxnSpPr>
-            <a:stCxn id="18" idx="0"/>
-            <a:endCxn id="18" idx="2"/>
-          </p:cNvCxnSpPr>
+          <p:cNvCxnSpPr/>
           <p:nvPr/>
         </p:nvCxnSpPr>
         <p:spPr>
           <a:xfrm flipV="1">
-            <a:off x="2131254" y="2740081"/>
+            <a:off x="2161865" y="2740080"/>
             <a:ext cx="0" cy="1887485"/>
           </a:xfrm>
           <a:prstGeom prst="line">
@@ -3618,8 +3509,8 @@
         </p:nvCxnSpPr>
         <p:spPr>
           <a:xfrm flipH="1">
-            <a:off x="793629" y="3683823"/>
-            <a:ext cx="2675250" cy="0"/>
+            <a:off x="793628" y="3683822"/>
+            <a:ext cx="4019175" cy="0"/>
           </a:xfrm>
           <a:prstGeom prst="line">
             <a:avLst/>
@@ -3695,7 +3586,7 @@
         </p:nvSpPr>
         <p:spPr>
           <a:xfrm>
-            <a:off x="3564130" y="3971030"/>
+            <a:off x="3604296" y="3971030"/>
             <a:ext cx="1058495" cy="369332"/>
           </a:xfrm>
           <a:prstGeom prst="rect">
@@ -3726,7 +3617,7 @@
         </p:nvSpPr>
         <p:spPr>
           <a:xfrm>
-            <a:off x="2420941" y="3039202"/>
+            <a:off x="2414591" y="3039202"/>
             <a:ext cx="755335" cy="369332"/>
           </a:xfrm>
           <a:prstGeom prst="rect">
@@ -3757,7 +3648,7 @@
         </p:nvSpPr>
         <p:spPr>
           <a:xfrm>
-            <a:off x="2465824" y="3968021"/>
+            <a:off x="2459474" y="3968021"/>
             <a:ext cx="665567" cy="369332"/>
           </a:xfrm>
           <a:prstGeom prst="rect">
@@ -3899,7 +3790,7 @@
         </p:nvSpPr>
         <p:spPr>
           <a:xfrm>
-            <a:off x="3565184" y="3030294"/>
+            <a:off x="3602757" y="3030294"/>
             <a:ext cx="1061573" cy="369332"/>
           </a:xfrm>
           <a:prstGeom prst="rect">
@@ -3922,6 +3813,43 @@
           </a:p>
         </p:txBody>
       </p:sp>
+      <p:cxnSp>
+        <p:nvCxnSpPr>
+          <p:cNvPr id="32" name="Connecteur droit 31"/>
+          <p:cNvCxnSpPr/>
+          <p:nvPr/>
+        </p:nvCxnSpPr>
+        <p:spPr>
+          <a:xfrm flipV="1">
+            <a:off x="3477010" y="2737935"/>
+            <a:ext cx="0" cy="1887485"/>
+          </a:xfrm>
+          <a:prstGeom prst="line">
+            <a:avLst/>
+          </a:prstGeom>
+          <a:ln>
+            <a:solidFill>
+              <a:schemeClr val="bg2">
+                <a:lumMod val="50000"/>
+              </a:schemeClr>
+            </a:solidFill>
+          </a:ln>
+        </p:spPr>
+        <p:style>
+          <a:lnRef idx="1">
+            <a:schemeClr val="accent1"/>
+          </a:lnRef>
+          <a:fillRef idx="0">
+            <a:schemeClr val="accent1"/>
+          </a:fillRef>
+          <a:effectRef idx="0">
+            <a:schemeClr val="accent1"/>
+          </a:effectRef>
+          <a:fontRef idx="minor">
+            <a:schemeClr val="tx1"/>
+          </a:fontRef>
+        </p:style>
+      </p:cxnSp>
     </p:spTree>
     <p:extLst>
       <p:ext uri="{BB962C8B-B14F-4D97-AF65-F5344CB8AC3E}">
@@ -5721,11 +5649,12 @@
 </file>
 
 <file path=customXml/item1.xml><?xml version="1.0" encoding="utf-8"?>
-<p:properties xmlns:p="http://schemas.microsoft.com/office/2006/metadata/properties" xmlns:xsi="http://www.w3.org/2001/XMLSchema-instance" xmlns:pc="http://schemas.microsoft.com/office/infopath/2007/PartnerControls">
-  <documentManagement>
-    <_activity xmlns="230486b7-ae46-4a7b-9810-315006c8cb07" xsi:nil="true"/>
-  </documentManagement>
-</p:properties>
+<?mso-contentType ?>
+<FormTemplates xmlns="http://schemas.microsoft.com/sharepoint/v3/contenttype/forms">
+  <Display>DocumentLibraryForm</Display>
+  <Edit>DocumentLibraryForm</Edit>
+  <New>DocumentLibraryForm</New>
+</FormTemplates>
 </file>
 
 <file path=customXml/item2.xml><?xml version="1.0" encoding="utf-8"?>
@@ -5976,27 +5905,17 @@
 </file>
 
 <file path=customXml/item3.xml><?xml version="1.0" encoding="utf-8"?>
-<?mso-contentType ?>
-<FormTemplates xmlns="http://schemas.microsoft.com/sharepoint/v3/contenttype/forms">
-  <Display>DocumentLibraryForm</Display>
-  <Edit>DocumentLibraryForm</Edit>
-  <New>DocumentLibraryForm</New>
-</FormTemplates>
+<p:properties xmlns:p="http://schemas.microsoft.com/office/2006/metadata/properties" xmlns:xsi="http://www.w3.org/2001/XMLSchema-instance" xmlns:pc="http://schemas.microsoft.com/office/infopath/2007/PartnerControls">
+  <documentManagement>
+    <_activity xmlns="230486b7-ae46-4a7b-9810-315006c8cb07" xsi:nil="true"/>
+  </documentManagement>
+</p:properties>
 </file>
 
 <file path=customXml/itemProps1.xml><?xml version="1.0" encoding="utf-8"?>
-<ds:datastoreItem xmlns:ds="http://schemas.openxmlformats.org/officeDocument/2006/customXml" ds:itemID="{2EE87A21-A4D5-43A5-A22C-D906B17EB041}">
+<ds:datastoreItem xmlns:ds="http://schemas.openxmlformats.org/officeDocument/2006/customXml" ds:itemID="{F1DF9C5F-EB5E-4E63-B7DD-0B2C199700E3}">
   <ds:schemaRefs>
-    <ds:schemaRef ds:uri="c8438557-ce8b-4c4c-b94d-6a2491d2cc6d"/>
-    <ds:schemaRef ds:uri="http://schemas.openxmlformats.org/package/2006/metadata/core-properties"/>
-    <ds:schemaRef ds:uri="http://www.w3.org/XML/1998/namespace"/>
-    <ds:schemaRef ds:uri="http://schemas.microsoft.com/office/infopath/2007/PartnerControls"/>
-    <ds:schemaRef ds:uri="230486b7-ae46-4a7b-9810-315006c8cb07"/>
-    <ds:schemaRef ds:uri="http://purl.org/dc/elements/1.1/"/>
-    <ds:schemaRef ds:uri="http://schemas.microsoft.com/office/2006/documentManagement/types"/>
-    <ds:schemaRef ds:uri="http://schemas.microsoft.com/office/2006/metadata/properties"/>
-    <ds:schemaRef ds:uri="http://purl.org/dc/dcmitype/"/>
-    <ds:schemaRef ds:uri="http://purl.org/dc/terms/"/>
+    <ds:schemaRef ds:uri="http://schemas.microsoft.com/sharepoint/v3/contenttype/forms"/>
   </ds:schemaRefs>
 </ds:datastoreItem>
 </file>
@@ -6021,9 +5940,18 @@
 </file>
 
 <file path=customXml/itemProps3.xml><?xml version="1.0" encoding="utf-8"?>
-<ds:datastoreItem xmlns:ds="http://schemas.openxmlformats.org/officeDocument/2006/customXml" ds:itemID="{F1DF9C5F-EB5E-4E63-B7DD-0B2C199700E3}">
+<ds:datastoreItem xmlns:ds="http://schemas.openxmlformats.org/officeDocument/2006/customXml" ds:itemID="{2EE87A21-A4D5-43A5-A22C-D906B17EB041}">
   <ds:schemaRefs>
-    <ds:schemaRef ds:uri="http://schemas.microsoft.com/sharepoint/v3/contenttype/forms"/>
+    <ds:schemaRef ds:uri="http://purl.org/dc/elements/1.1/"/>
+    <ds:schemaRef ds:uri="http://schemas.microsoft.com/office/2006/documentManagement/types"/>
+    <ds:schemaRef ds:uri="http://schemas.openxmlformats.org/package/2006/metadata/core-properties"/>
+    <ds:schemaRef ds:uri="http://purl.org/dc/terms/"/>
+    <ds:schemaRef ds:uri="http://purl.org/dc/dcmitype/"/>
+    <ds:schemaRef ds:uri="http://schemas.microsoft.com/office/infopath/2007/PartnerControls"/>
+    <ds:schemaRef ds:uri="c8438557-ce8b-4c4c-b94d-6a2491d2cc6d"/>
+    <ds:schemaRef ds:uri="230486b7-ae46-4a7b-9810-315006c8cb07"/>
+    <ds:schemaRef ds:uri="http://schemas.microsoft.com/office/2006/metadata/properties"/>
+    <ds:schemaRef ds:uri="http://www.w3.org/XML/1998/namespace"/>
   </ds:schemaRefs>
 </ds:datastoreItem>
 </file>
--- a/Présentation2.pptx
+++ b/Présentation2.pptx
@@ -244,7 +244,7 @@
           <a:p>
             <a:fld id="{616950F1-39CC-4E23-98D0-E03E8AA9E358}" type="datetimeFigureOut">
               <a:rPr lang="fr-FR" smtClean="0"/>
-              <a:t>19/12/2023</a:t>
+              <a:t>12/02/2024</a:t>
             </a:fld>
             <a:endParaRPr lang="fr-FR"/>
           </a:p>
@@ -414,7 +414,7 @@
           <a:p>
             <a:fld id="{616950F1-39CC-4E23-98D0-E03E8AA9E358}" type="datetimeFigureOut">
               <a:rPr lang="fr-FR" smtClean="0"/>
-              <a:t>19/12/2023</a:t>
+              <a:t>12/02/2024</a:t>
             </a:fld>
             <a:endParaRPr lang="fr-FR"/>
           </a:p>
@@ -594,7 +594,7 @@
           <a:p>
             <a:fld id="{616950F1-39CC-4E23-98D0-E03E8AA9E358}" type="datetimeFigureOut">
               <a:rPr lang="fr-FR" smtClean="0"/>
-              <a:t>19/12/2023</a:t>
+              <a:t>12/02/2024</a:t>
             </a:fld>
             <a:endParaRPr lang="fr-FR"/>
           </a:p>
@@ -764,7 +764,7 @@
           <a:p>
             <a:fld id="{616950F1-39CC-4E23-98D0-E03E8AA9E358}" type="datetimeFigureOut">
               <a:rPr lang="fr-FR" smtClean="0"/>
-              <a:t>19/12/2023</a:t>
+              <a:t>12/02/2024</a:t>
             </a:fld>
             <a:endParaRPr lang="fr-FR"/>
           </a:p>
@@ -1010,7 +1010,7 @@
           <a:p>
             <a:fld id="{616950F1-39CC-4E23-98D0-E03E8AA9E358}" type="datetimeFigureOut">
               <a:rPr lang="fr-FR" smtClean="0"/>
-              <a:t>19/12/2023</a:t>
+              <a:t>12/02/2024</a:t>
             </a:fld>
             <a:endParaRPr lang="fr-FR"/>
           </a:p>
@@ -1242,7 +1242,7 @@
           <a:p>
             <a:fld id="{616950F1-39CC-4E23-98D0-E03E8AA9E358}" type="datetimeFigureOut">
               <a:rPr lang="fr-FR" smtClean="0"/>
-              <a:t>19/12/2023</a:t>
+              <a:t>12/02/2024</a:t>
             </a:fld>
             <a:endParaRPr lang="fr-FR"/>
           </a:p>
@@ -1609,7 +1609,7 @@
           <a:p>
             <a:fld id="{616950F1-39CC-4E23-98D0-E03E8AA9E358}" type="datetimeFigureOut">
               <a:rPr lang="fr-FR" smtClean="0"/>
-              <a:t>19/12/2023</a:t>
+              <a:t>12/02/2024</a:t>
             </a:fld>
             <a:endParaRPr lang="fr-FR"/>
           </a:p>
@@ -1727,7 +1727,7 @@
           <a:p>
             <a:fld id="{616950F1-39CC-4E23-98D0-E03E8AA9E358}" type="datetimeFigureOut">
               <a:rPr lang="fr-FR" smtClean="0"/>
-              <a:t>19/12/2023</a:t>
+              <a:t>12/02/2024</a:t>
             </a:fld>
             <a:endParaRPr lang="fr-FR"/>
           </a:p>
@@ -1822,7 +1822,7 @@
           <a:p>
             <a:fld id="{616950F1-39CC-4E23-98D0-E03E8AA9E358}" type="datetimeFigureOut">
               <a:rPr lang="fr-FR" smtClean="0"/>
-              <a:t>19/12/2023</a:t>
+              <a:t>12/02/2024</a:t>
             </a:fld>
             <a:endParaRPr lang="fr-FR"/>
           </a:p>
@@ -2099,7 +2099,7 @@
           <a:p>
             <a:fld id="{616950F1-39CC-4E23-98D0-E03E8AA9E358}" type="datetimeFigureOut">
               <a:rPr lang="fr-FR" smtClean="0"/>
-              <a:t>19/12/2023</a:t>
+              <a:t>12/02/2024</a:t>
             </a:fld>
             <a:endParaRPr lang="fr-FR"/>
           </a:p>
@@ -2352,7 +2352,7 @@
           <a:p>
             <a:fld id="{616950F1-39CC-4E23-98D0-E03E8AA9E358}" type="datetimeFigureOut">
               <a:rPr lang="fr-FR" smtClean="0"/>
-              <a:t>19/12/2023</a:t>
+              <a:t>12/02/2024</a:t>
             </a:fld>
             <a:endParaRPr lang="fr-FR"/>
           </a:p>
@@ -2565,7 +2565,7 @@
           <a:p>
             <a:fld id="{616950F1-39CC-4E23-98D0-E03E8AA9E358}" type="datetimeFigureOut">
               <a:rPr lang="fr-FR" smtClean="0"/>
-              <a:t>19/12/2023</a:t>
+              <a:t>12/02/2024</a:t>
             </a:fld>
             <a:endParaRPr lang="fr-FR"/>
           </a:p>
@@ -3586,8 +3586,8 @@
         </p:nvSpPr>
         <p:spPr>
           <a:xfrm>
-            <a:off x="3604296" y="3971030"/>
-            <a:ext cx="1058495" cy="369332"/>
+            <a:off x="3800759" y="3971030"/>
+            <a:ext cx="665568" cy="369332"/>
           </a:xfrm>
           <a:prstGeom prst="rect">
             <a:avLst/>
@@ -3603,7 +3603,7 @@
             <a:pPr algn="ctr"/>
             <a:r>
               <a:rPr lang="fr-FR" dirty="0" smtClean="0"/>
-              <a:t>Polochon</a:t>
+              <a:t>Hank</a:t>
             </a:r>
             <a:endParaRPr lang="fr-FR" dirty="0"/>
           </a:p>
@@ -3648,8 +3648,8 @@
         </p:nvSpPr>
         <p:spPr>
           <a:xfrm>
-            <a:off x="2459474" y="3968021"/>
-            <a:ext cx="665567" cy="369332"/>
+            <a:off x="2332333" y="3968021"/>
+            <a:ext cx="1058496" cy="369332"/>
           </a:xfrm>
           <a:prstGeom prst="rect">
             <a:avLst/>
@@ -3665,7 +3665,7 @@
             <a:pPr algn="ctr"/>
             <a:r>
               <a:rPr lang="fr-FR" dirty="0" smtClean="0"/>
-              <a:t>Hank</a:t>
+              <a:t>Polochon</a:t>
             </a:r>
             <a:endParaRPr lang="fr-FR" dirty="0"/>
           </a:p>
@@ -5649,12 +5649,11 @@
 </file>
 
 <file path=customXml/item1.xml><?xml version="1.0" encoding="utf-8"?>
-<?mso-contentType ?>
-<FormTemplates xmlns="http://schemas.microsoft.com/sharepoint/v3/contenttype/forms">
-  <Display>DocumentLibraryForm</Display>
-  <Edit>DocumentLibraryForm</Edit>
-  <New>DocumentLibraryForm</New>
-</FormTemplates>
+<p:properties xmlns:p="http://schemas.microsoft.com/office/2006/metadata/properties" xmlns:xsi="http://www.w3.org/2001/XMLSchema-instance" xmlns:pc="http://schemas.microsoft.com/office/infopath/2007/PartnerControls">
+  <documentManagement>
+    <_activity xmlns="230486b7-ae46-4a7b-9810-315006c8cb07" xsi:nil="true"/>
+  </documentManagement>
+</p:properties>
 </file>
 
 <file path=customXml/item2.xml><?xml version="1.0" encoding="utf-8"?>
@@ -5905,17 +5904,27 @@
 </file>
 
 <file path=customXml/item3.xml><?xml version="1.0" encoding="utf-8"?>
-<p:properties xmlns:p="http://schemas.microsoft.com/office/2006/metadata/properties" xmlns:xsi="http://www.w3.org/2001/XMLSchema-instance" xmlns:pc="http://schemas.microsoft.com/office/infopath/2007/PartnerControls">
-  <documentManagement>
-    <_activity xmlns="230486b7-ae46-4a7b-9810-315006c8cb07" xsi:nil="true"/>
-  </documentManagement>
-</p:properties>
+<?mso-contentType ?>
+<FormTemplates xmlns="http://schemas.microsoft.com/sharepoint/v3/contenttype/forms">
+  <Display>DocumentLibraryForm</Display>
+  <Edit>DocumentLibraryForm</Edit>
+  <New>DocumentLibraryForm</New>
+</FormTemplates>
 </file>
 
 <file path=customXml/itemProps1.xml><?xml version="1.0" encoding="utf-8"?>
-<ds:datastoreItem xmlns:ds="http://schemas.openxmlformats.org/officeDocument/2006/customXml" ds:itemID="{F1DF9C5F-EB5E-4E63-B7DD-0B2C199700E3}">
+<ds:datastoreItem xmlns:ds="http://schemas.openxmlformats.org/officeDocument/2006/customXml" ds:itemID="{2EE87A21-A4D5-43A5-A22C-D906B17EB041}">
   <ds:schemaRefs>
-    <ds:schemaRef ds:uri="http://schemas.microsoft.com/sharepoint/v3/contenttype/forms"/>
+    <ds:schemaRef ds:uri="http://schemas.microsoft.com/office/2006/documentManagement/types"/>
+    <ds:schemaRef ds:uri="http://purl.org/dc/terms/"/>
+    <ds:schemaRef ds:uri="http://schemas.microsoft.com/office/2006/metadata/properties"/>
+    <ds:schemaRef ds:uri="http://purl.org/dc/dcmitype/"/>
+    <ds:schemaRef ds:uri="230486b7-ae46-4a7b-9810-315006c8cb07"/>
+    <ds:schemaRef ds:uri="http://schemas.openxmlformats.org/package/2006/metadata/core-properties"/>
+    <ds:schemaRef ds:uri="http://purl.org/dc/elements/1.1/"/>
+    <ds:schemaRef ds:uri="http://www.w3.org/XML/1998/namespace"/>
+    <ds:schemaRef ds:uri="http://schemas.microsoft.com/office/infopath/2007/PartnerControls"/>
+    <ds:schemaRef ds:uri="c8438557-ce8b-4c4c-b94d-6a2491d2cc6d"/>
   </ds:schemaRefs>
 </ds:datastoreItem>
 </file>
@@ -5940,18 +5949,9 @@
 </file>
 
 <file path=customXml/itemProps3.xml><?xml version="1.0" encoding="utf-8"?>
-<ds:datastoreItem xmlns:ds="http://schemas.openxmlformats.org/officeDocument/2006/customXml" ds:itemID="{2EE87A21-A4D5-43A5-A22C-D906B17EB041}">
+<ds:datastoreItem xmlns:ds="http://schemas.openxmlformats.org/officeDocument/2006/customXml" ds:itemID="{F1DF9C5F-EB5E-4E63-B7DD-0B2C199700E3}">
   <ds:schemaRefs>
-    <ds:schemaRef ds:uri="http://purl.org/dc/elements/1.1/"/>
-    <ds:schemaRef ds:uri="http://schemas.microsoft.com/office/2006/documentManagement/types"/>
-    <ds:schemaRef ds:uri="http://schemas.openxmlformats.org/package/2006/metadata/core-properties"/>
-    <ds:schemaRef ds:uri="http://purl.org/dc/terms/"/>
-    <ds:schemaRef ds:uri="http://purl.org/dc/dcmitype/"/>
-    <ds:schemaRef ds:uri="http://schemas.microsoft.com/office/infopath/2007/PartnerControls"/>
-    <ds:schemaRef ds:uri="c8438557-ce8b-4c4c-b94d-6a2491d2cc6d"/>
-    <ds:schemaRef ds:uri="230486b7-ae46-4a7b-9810-315006c8cb07"/>
-    <ds:schemaRef ds:uri="http://schemas.microsoft.com/office/2006/metadata/properties"/>
-    <ds:schemaRef ds:uri="http://www.w3.org/XML/1998/namespace"/>
+    <ds:schemaRef ds:uri="http://schemas.microsoft.com/sharepoint/v3/contenttype/forms"/>
   </ds:schemaRefs>
 </ds:datastoreItem>
 </file>